--- a/Grig-nir-1.pptx
+++ b/Grig-nir-1.pptx
@@ -4,19 +4,19 @@
   <p:sldMasterIdLst>
     <p:sldMasterId id="2147483648" r:id="rId2"/>
     <p:sldMasterId id="2147483661" r:id="rId3"/>
-    <p:sldMasterId id="2147483674" r:id="rId4"/>
   </p:sldMasterIdLst>
   <p:sldIdLst>
-    <p:sldId id="256" r:id="rId5"/>
-    <p:sldId id="257" r:id="rId6"/>
-    <p:sldId id="258" r:id="rId7"/>
-    <p:sldId id="259" r:id="rId8"/>
-    <p:sldId id="260" r:id="rId9"/>
-    <p:sldId id="261" r:id="rId10"/>
-    <p:sldId id="262" r:id="rId11"/>
-    <p:sldId id="263" r:id="rId12"/>
-    <p:sldId id="264" r:id="rId13"/>
-    <p:sldId id="265" r:id="rId14"/>
+    <p:sldId id="256" r:id="rId4"/>
+    <p:sldId id="257" r:id="rId5"/>
+    <p:sldId id="258" r:id="rId6"/>
+    <p:sldId id="259" r:id="rId7"/>
+    <p:sldId id="260" r:id="rId8"/>
+    <p:sldId id="261" r:id="rId9"/>
+    <p:sldId id="262" r:id="rId10"/>
+    <p:sldId id="263" r:id="rId11"/>
+    <p:sldId id="264" r:id="rId12"/>
+    <p:sldId id="265" r:id="rId13"/>
+    <p:sldId id="266" r:id="rId14"/>
   </p:sldIdLst>
   <p:sldSz cx="12192000" cy="6858000"/>
   <p:notesSz cx="7559675" cy="10691813"/>
@@ -2250,403 +2250,6 @@
 </p:sldLayout>
 </file>
 
-<file path=ppt/slideLayouts/slideLayout25.xml><?xml version="1.0" encoding="utf-8"?>
-<p:sldLayout xmlns:a="http://schemas.openxmlformats.org/drawingml/2006/main" xmlns:p="http://schemas.openxmlformats.org/presentationml/2006/main" xmlns:r="http://schemas.openxmlformats.org/officeDocument/2006/relationships" xmlns:p14="http://schemas.microsoft.com/office/powerpoint/2010/main" xmlns:p15="http://schemas.microsoft.com/office/powerpoint/2012/main" xmlns:mc="http://schemas.openxmlformats.org/markup-compatibility/2006" type="blank" preserve="1">
-  <p:cSld name="Blank Slide">
-    <p:spTree>
-      <p:nvGrpSpPr>
-        <p:cNvPr id="1" name=""/>
-        <p:cNvGrpSpPr/>
-        <p:nvPr/>
-      </p:nvGrpSpPr>
-      <p:grpSpPr>
-        <a:xfrm>
-          <a:off x="0" y="0"/>
-          <a:ext cx="0" cy="0"/>
-          <a:chOff x="0" y="0"/>
-          <a:chExt cx="0" cy="0"/>
-        </a:xfrm>
-      </p:grpSpPr>
-    </p:spTree>
-  </p:cSld>
-</p:sldLayout>
-</file>
-
-<file path=ppt/slideLayouts/slideLayout26.xml><?xml version="1.0" encoding="utf-8"?>
-<p:sldLayout xmlns:a="http://schemas.openxmlformats.org/drawingml/2006/main" xmlns:p="http://schemas.openxmlformats.org/presentationml/2006/main" xmlns:r="http://schemas.openxmlformats.org/officeDocument/2006/relationships" xmlns:p14="http://schemas.microsoft.com/office/powerpoint/2010/main" xmlns:p15="http://schemas.microsoft.com/office/powerpoint/2012/main" xmlns:mc="http://schemas.openxmlformats.org/markup-compatibility/2006" type="tx" preserve="1">
-  <p:cSld name="Title Slide">
-    <p:spTree>
-      <p:nvGrpSpPr>
-        <p:cNvPr id="1" name=""/>
-        <p:cNvGrpSpPr/>
-        <p:nvPr/>
-      </p:nvGrpSpPr>
-      <p:grpSpPr>
-        <a:xfrm>
-          <a:off x="0" y="0"/>
-          <a:ext cx="0" cy="0"/>
-          <a:chOff x="0" y="0"/>
-          <a:chExt cx="0" cy="0"/>
-        </a:xfrm>
-      </p:grpSpPr>
-      <p:sp>
-        <p:nvSpPr>
-          <p:cNvPr id="88" name="PlaceHolder 1"/>
-          <p:cNvSpPr>
-            <a:spLocks noGrp="1"/>
-          </p:cNvSpPr>
-          <p:nvPr>
-            <p:ph type="title"/>
-          </p:nvPr>
-        </p:nvSpPr>
-        <p:spPr>
-          <a:xfrm>
-            <a:off x="609480" y="273600"/>
-            <a:ext cx="10972440" cy="1144800"/>
-          </a:xfrm>
-          <a:prstGeom prst="rect">
-            <a:avLst/>
-          </a:prstGeom>
-          <a:noFill/>
-          <a:ln w="0">
-            <a:noFill/>
-          </a:ln>
-        </p:spPr>
-        <p:txBody>
-          <a:bodyPr lIns="0" rIns="0" tIns="0" bIns="0" anchor="ctr">
-            <a:noAutofit/>
-          </a:bodyPr>
-          <a:p>
-            <a:pPr algn="ctr">
-              <a:buNone/>
-            </a:pPr>
-            <a:endParaRPr b="0" lang="en-US" sz="4400" spc="-1" strike="noStrike">
-              <a:latin typeface="Arial"/>
-            </a:endParaRPr>
-          </a:p>
-        </p:txBody>
-      </p:sp>
-      <p:sp>
-        <p:nvSpPr>
-          <p:cNvPr id="89" name="PlaceHolder 2"/>
-          <p:cNvSpPr>
-            <a:spLocks noGrp="1"/>
-          </p:cNvSpPr>
-          <p:nvPr>
-            <p:ph type="subTitle"/>
-          </p:nvPr>
-        </p:nvSpPr>
-        <p:spPr>
-          <a:xfrm>
-            <a:off x="609480" y="1604520"/>
-            <a:ext cx="10972440" cy="3977280"/>
-          </a:xfrm>
-          <a:prstGeom prst="rect">
-            <a:avLst/>
-          </a:prstGeom>
-          <a:noFill/>
-          <a:ln w="0">
-            <a:noFill/>
-          </a:ln>
-        </p:spPr>
-        <p:txBody>
-          <a:bodyPr lIns="0" rIns="0" tIns="0" bIns="0" anchor="ctr">
-            <a:noAutofit/>
-          </a:bodyPr>
-          <a:p>
-            <a:pPr algn="ctr">
-              <a:buNone/>
-            </a:pPr>
-            <a:endParaRPr b="0" lang="en-US" sz="3200" spc="-1" strike="noStrike">
-              <a:latin typeface="Arial"/>
-            </a:endParaRPr>
-          </a:p>
-        </p:txBody>
-      </p:sp>
-    </p:spTree>
-  </p:cSld>
-</p:sldLayout>
-</file>
-
-<file path=ppt/slideLayouts/slideLayout27.xml><?xml version="1.0" encoding="utf-8"?>
-<p:sldLayout xmlns:a="http://schemas.openxmlformats.org/drawingml/2006/main" xmlns:p="http://schemas.openxmlformats.org/presentationml/2006/main" xmlns:r="http://schemas.openxmlformats.org/officeDocument/2006/relationships" xmlns:p14="http://schemas.microsoft.com/office/powerpoint/2010/main" xmlns:p15="http://schemas.microsoft.com/office/powerpoint/2012/main" xmlns:mc="http://schemas.openxmlformats.org/markup-compatibility/2006" type="obj" preserve="1">
-  <p:cSld name="Title, Content">
-    <p:spTree>
-      <p:nvGrpSpPr>
-        <p:cNvPr id="1" name=""/>
-        <p:cNvGrpSpPr/>
-        <p:nvPr/>
-      </p:nvGrpSpPr>
-      <p:grpSpPr>
-        <a:xfrm>
-          <a:off x="0" y="0"/>
-          <a:ext cx="0" cy="0"/>
-          <a:chOff x="0" y="0"/>
-          <a:chExt cx="0" cy="0"/>
-        </a:xfrm>
-      </p:grpSpPr>
-      <p:sp>
-        <p:nvSpPr>
-          <p:cNvPr id="90" name="PlaceHolder 1"/>
-          <p:cNvSpPr>
-            <a:spLocks noGrp="1"/>
-          </p:cNvSpPr>
-          <p:nvPr>
-            <p:ph type="title"/>
-          </p:nvPr>
-        </p:nvSpPr>
-        <p:spPr>
-          <a:xfrm>
-            <a:off x="609480" y="273600"/>
-            <a:ext cx="10972440" cy="1144800"/>
-          </a:xfrm>
-          <a:prstGeom prst="rect">
-            <a:avLst/>
-          </a:prstGeom>
-          <a:noFill/>
-          <a:ln w="0">
-            <a:noFill/>
-          </a:ln>
-        </p:spPr>
-        <p:txBody>
-          <a:bodyPr lIns="0" rIns="0" tIns="0" bIns="0" anchor="ctr">
-            <a:noAutofit/>
-          </a:bodyPr>
-          <a:p>
-            <a:pPr algn="ctr">
-              <a:buNone/>
-            </a:pPr>
-            <a:endParaRPr b="0" lang="en-US" sz="4400" spc="-1" strike="noStrike">
-              <a:latin typeface="Arial"/>
-            </a:endParaRPr>
-          </a:p>
-        </p:txBody>
-      </p:sp>
-      <p:sp>
-        <p:nvSpPr>
-          <p:cNvPr id="91" name="PlaceHolder 2"/>
-          <p:cNvSpPr>
-            <a:spLocks noGrp="1"/>
-          </p:cNvSpPr>
-          <p:nvPr>
-            <p:ph/>
-          </p:nvPr>
-        </p:nvSpPr>
-        <p:spPr>
-          <a:xfrm>
-            <a:off x="609480" y="1604520"/>
-            <a:ext cx="10972440" cy="3977280"/>
-          </a:xfrm>
-          <a:prstGeom prst="rect">
-            <a:avLst/>
-          </a:prstGeom>
-          <a:noFill/>
-          <a:ln w="0">
-            <a:noFill/>
-          </a:ln>
-        </p:spPr>
-        <p:txBody>
-          <a:bodyPr lIns="0" rIns="0" tIns="0" bIns="0" anchor="t">
-            <a:normAutofit/>
-          </a:bodyPr>
-          <a:p>
-            <a:endParaRPr b="0" lang="en-US" sz="3200" spc="-1" strike="noStrike">
-              <a:latin typeface="Arial"/>
-            </a:endParaRPr>
-          </a:p>
-        </p:txBody>
-      </p:sp>
-    </p:spTree>
-  </p:cSld>
-</p:sldLayout>
-</file>
-
-<file path=ppt/slideLayouts/slideLayout28.xml><?xml version="1.0" encoding="utf-8"?>
-<p:sldLayout xmlns:a="http://schemas.openxmlformats.org/drawingml/2006/main" xmlns:p="http://schemas.openxmlformats.org/presentationml/2006/main" xmlns:r="http://schemas.openxmlformats.org/officeDocument/2006/relationships" xmlns:p14="http://schemas.microsoft.com/office/powerpoint/2010/main" xmlns:p15="http://schemas.microsoft.com/office/powerpoint/2012/main" xmlns:mc="http://schemas.openxmlformats.org/markup-compatibility/2006" type="twoObj" preserve="1">
-  <p:cSld name="Title, 2 Content">
-    <p:spTree>
-      <p:nvGrpSpPr>
-        <p:cNvPr id="1" name=""/>
-        <p:cNvGrpSpPr/>
-        <p:nvPr/>
-      </p:nvGrpSpPr>
-      <p:grpSpPr>
-        <a:xfrm>
-          <a:off x="0" y="0"/>
-          <a:ext cx="0" cy="0"/>
-          <a:chOff x="0" y="0"/>
-          <a:chExt cx="0" cy="0"/>
-        </a:xfrm>
-      </p:grpSpPr>
-      <p:sp>
-        <p:nvSpPr>
-          <p:cNvPr id="92" name="PlaceHolder 1"/>
-          <p:cNvSpPr>
-            <a:spLocks noGrp="1"/>
-          </p:cNvSpPr>
-          <p:nvPr>
-            <p:ph type="title"/>
-          </p:nvPr>
-        </p:nvSpPr>
-        <p:spPr>
-          <a:xfrm>
-            <a:off x="609480" y="273600"/>
-            <a:ext cx="10972440" cy="1144800"/>
-          </a:xfrm>
-          <a:prstGeom prst="rect">
-            <a:avLst/>
-          </a:prstGeom>
-          <a:noFill/>
-          <a:ln w="0">
-            <a:noFill/>
-          </a:ln>
-        </p:spPr>
-        <p:txBody>
-          <a:bodyPr lIns="0" rIns="0" tIns="0" bIns="0" anchor="ctr">
-            <a:noAutofit/>
-          </a:bodyPr>
-          <a:p>
-            <a:pPr algn="ctr">
-              <a:buNone/>
-            </a:pPr>
-            <a:endParaRPr b="0" lang="en-US" sz="4400" spc="-1" strike="noStrike">
-              <a:latin typeface="Arial"/>
-            </a:endParaRPr>
-          </a:p>
-        </p:txBody>
-      </p:sp>
-      <p:sp>
-        <p:nvSpPr>
-          <p:cNvPr id="93" name="PlaceHolder 2"/>
-          <p:cNvSpPr>
-            <a:spLocks noGrp="1"/>
-          </p:cNvSpPr>
-          <p:nvPr>
-            <p:ph/>
-          </p:nvPr>
-        </p:nvSpPr>
-        <p:spPr>
-          <a:xfrm>
-            <a:off x="609480" y="1604520"/>
-            <a:ext cx="5354280" cy="3977280"/>
-          </a:xfrm>
-          <a:prstGeom prst="rect">
-            <a:avLst/>
-          </a:prstGeom>
-          <a:noFill/>
-          <a:ln w="0">
-            <a:noFill/>
-          </a:ln>
-        </p:spPr>
-        <p:txBody>
-          <a:bodyPr lIns="0" rIns="0" tIns="0" bIns="0" anchor="t">
-            <a:normAutofit/>
-          </a:bodyPr>
-          <a:p>
-            <a:endParaRPr b="0" lang="en-US" sz="3200" spc="-1" strike="noStrike">
-              <a:latin typeface="Arial"/>
-            </a:endParaRPr>
-          </a:p>
-        </p:txBody>
-      </p:sp>
-      <p:sp>
-        <p:nvSpPr>
-          <p:cNvPr id="94" name="PlaceHolder 3"/>
-          <p:cNvSpPr>
-            <a:spLocks noGrp="1"/>
-          </p:cNvSpPr>
-          <p:nvPr>
-            <p:ph/>
-          </p:nvPr>
-        </p:nvSpPr>
-        <p:spPr>
-          <a:xfrm>
-            <a:off x="6231960" y="1604520"/>
-            <a:ext cx="5354280" cy="3977280"/>
-          </a:xfrm>
-          <a:prstGeom prst="rect">
-            <a:avLst/>
-          </a:prstGeom>
-          <a:noFill/>
-          <a:ln w="0">
-            <a:noFill/>
-          </a:ln>
-        </p:spPr>
-        <p:txBody>
-          <a:bodyPr lIns="0" rIns="0" tIns="0" bIns="0" anchor="t">
-            <a:normAutofit/>
-          </a:bodyPr>
-          <a:p>
-            <a:endParaRPr b="0" lang="en-US" sz="3200" spc="-1" strike="noStrike">
-              <a:latin typeface="Arial"/>
-            </a:endParaRPr>
-          </a:p>
-        </p:txBody>
-      </p:sp>
-    </p:spTree>
-  </p:cSld>
-</p:sldLayout>
-</file>
-
-<file path=ppt/slideLayouts/slideLayout29.xml><?xml version="1.0" encoding="utf-8"?>
-<p:sldLayout xmlns:a="http://schemas.openxmlformats.org/drawingml/2006/main" xmlns:p="http://schemas.openxmlformats.org/presentationml/2006/main" xmlns:r="http://schemas.openxmlformats.org/officeDocument/2006/relationships" xmlns:p14="http://schemas.microsoft.com/office/powerpoint/2010/main" xmlns:p15="http://schemas.microsoft.com/office/powerpoint/2012/main" xmlns:mc="http://schemas.openxmlformats.org/markup-compatibility/2006" type="titleOnly" preserve="1">
-  <p:cSld name="Title Only">
-    <p:spTree>
-      <p:nvGrpSpPr>
-        <p:cNvPr id="1" name=""/>
-        <p:cNvGrpSpPr/>
-        <p:nvPr/>
-      </p:nvGrpSpPr>
-      <p:grpSpPr>
-        <a:xfrm>
-          <a:off x="0" y="0"/>
-          <a:ext cx="0" cy="0"/>
-          <a:chOff x="0" y="0"/>
-          <a:chExt cx="0" cy="0"/>
-        </a:xfrm>
-      </p:grpSpPr>
-      <p:sp>
-        <p:nvSpPr>
-          <p:cNvPr id="95" name="PlaceHolder 1"/>
-          <p:cNvSpPr>
-            <a:spLocks noGrp="1"/>
-          </p:cNvSpPr>
-          <p:nvPr>
-            <p:ph type="title"/>
-          </p:nvPr>
-        </p:nvSpPr>
-        <p:spPr>
-          <a:xfrm>
-            <a:off x="609480" y="273600"/>
-            <a:ext cx="10972440" cy="1144800"/>
-          </a:xfrm>
-          <a:prstGeom prst="rect">
-            <a:avLst/>
-          </a:prstGeom>
-          <a:noFill/>
-          <a:ln w="0">
-            <a:noFill/>
-          </a:ln>
-        </p:spPr>
-        <p:txBody>
-          <a:bodyPr lIns="0" rIns="0" tIns="0" bIns="0" anchor="ctr">
-            <a:noAutofit/>
-          </a:bodyPr>
-          <a:p>
-            <a:pPr algn="ctr">
-              <a:buNone/>
-            </a:pPr>
-            <a:endParaRPr b="0" lang="en-US" sz="4400" spc="-1" strike="noStrike">
-              <a:latin typeface="Arial"/>
-            </a:endParaRPr>
-          </a:p>
-        </p:txBody>
-      </p:sp>
-    </p:spTree>
-  </p:cSld>
-</p:sldLayout>
-</file>
-
 <file path=ppt/slideLayouts/slideLayout3.xml><?xml version="1.0" encoding="utf-8"?>
 <p:sldLayout xmlns:a="http://schemas.openxmlformats.org/drawingml/2006/main" xmlns:p="http://schemas.openxmlformats.org/presentationml/2006/main" xmlns:r="http://schemas.openxmlformats.org/officeDocument/2006/relationships" xmlns:p14="http://schemas.microsoft.com/office/powerpoint/2010/main" xmlns:p15="http://schemas.microsoft.com/office/powerpoint/2012/main" xmlns:mc="http://schemas.openxmlformats.org/markup-compatibility/2006" type="obj" preserve="1">
   <p:cSld name="Title, Content">
@@ -2715,1133 +2318,6 @@
           <a:xfrm>
             <a:off x="609480" y="1604520"/>
             <a:ext cx="10972440" cy="3977280"/>
-          </a:xfrm>
-          <a:prstGeom prst="rect">
-            <a:avLst/>
-          </a:prstGeom>
-          <a:noFill/>
-          <a:ln w="0">
-            <a:noFill/>
-          </a:ln>
-        </p:spPr>
-        <p:txBody>
-          <a:bodyPr lIns="0" rIns="0" tIns="0" bIns="0" anchor="t">
-            <a:normAutofit/>
-          </a:bodyPr>
-          <a:p>
-            <a:endParaRPr b="0" lang="en-US" sz="3200" spc="-1" strike="noStrike">
-              <a:latin typeface="Arial"/>
-            </a:endParaRPr>
-          </a:p>
-        </p:txBody>
-      </p:sp>
-    </p:spTree>
-  </p:cSld>
-</p:sldLayout>
-</file>
-
-<file path=ppt/slideLayouts/slideLayout30.xml><?xml version="1.0" encoding="utf-8"?>
-<p:sldLayout xmlns:a="http://schemas.openxmlformats.org/drawingml/2006/main" xmlns:p="http://schemas.openxmlformats.org/presentationml/2006/main" xmlns:r="http://schemas.openxmlformats.org/officeDocument/2006/relationships" xmlns:p14="http://schemas.microsoft.com/office/powerpoint/2010/main" xmlns:p15="http://schemas.microsoft.com/office/powerpoint/2012/main" xmlns:mc="http://schemas.openxmlformats.org/markup-compatibility/2006" type="objOnly" preserve="1">
-  <p:cSld name="Centered Text">
-    <p:spTree>
-      <p:nvGrpSpPr>
-        <p:cNvPr id="1" name=""/>
-        <p:cNvGrpSpPr/>
-        <p:nvPr/>
-      </p:nvGrpSpPr>
-      <p:grpSpPr>
-        <a:xfrm>
-          <a:off x="0" y="0"/>
-          <a:ext cx="0" cy="0"/>
-          <a:chOff x="0" y="0"/>
-          <a:chExt cx="0" cy="0"/>
-        </a:xfrm>
-      </p:grpSpPr>
-      <p:sp>
-        <p:nvSpPr>
-          <p:cNvPr id="96" name="PlaceHolder 1"/>
-          <p:cNvSpPr>
-            <a:spLocks noGrp="1"/>
-          </p:cNvSpPr>
-          <p:nvPr>
-            <p:ph type="subTitle"/>
-          </p:nvPr>
-        </p:nvSpPr>
-        <p:spPr>
-          <a:xfrm>
-            <a:off x="609480" y="273600"/>
-            <a:ext cx="10972440" cy="5307840"/>
-          </a:xfrm>
-          <a:prstGeom prst="rect">
-            <a:avLst/>
-          </a:prstGeom>
-          <a:noFill/>
-          <a:ln w="0">
-            <a:noFill/>
-          </a:ln>
-        </p:spPr>
-        <p:txBody>
-          <a:bodyPr lIns="0" rIns="0" tIns="0" bIns="0" anchor="ctr">
-            <a:noAutofit/>
-          </a:bodyPr>
-          <a:p>
-            <a:pPr algn="ctr">
-              <a:buNone/>
-            </a:pPr>
-            <a:endParaRPr b="0" lang="en-US" sz="3200" spc="-1" strike="noStrike">
-              <a:latin typeface="Arial"/>
-            </a:endParaRPr>
-          </a:p>
-        </p:txBody>
-      </p:sp>
-    </p:spTree>
-  </p:cSld>
-</p:sldLayout>
-</file>
-
-<file path=ppt/slideLayouts/slideLayout31.xml><?xml version="1.0" encoding="utf-8"?>
-<p:sldLayout xmlns:a="http://schemas.openxmlformats.org/drawingml/2006/main" xmlns:p="http://schemas.openxmlformats.org/presentationml/2006/main" xmlns:r="http://schemas.openxmlformats.org/officeDocument/2006/relationships" xmlns:p14="http://schemas.microsoft.com/office/powerpoint/2010/main" xmlns:p15="http://schemas.microsoft.com/office/powerpoint/2012/main" xmlns:mc="http://schemas.openxmlformats.org/markup-compatibility/2006" type="twoObjAndObj" preserve="1">
-  <p:cSld name="Title, 2 Content and Content">
-    <p:spTree>
-      <p:nvGrpSpPr>
-        <p:cNvPr id="1" name=""/>
-        <p:cNvGrpSpPr/>
-        <p:nvPr/>
-      </p:nvGrpSpPr>
-      <p:grpSpPr>
-        <a:xfrm>
-          <a:off x="0" y="0"/>
-          <a:ext cx="0" cy="0"/>
-          <a:chOff x="0" y="0"/>
-          <a:chExt cx="0" cy="0"/>
-        </a:xfrm>
-      </p:grpSpPr>
-      <p:sp>
-        <p:nvSpPr>
-          <p:cNvPr id="97" name="PlaceHolder 1"/>
-          <p:cNvSpPr>
-            <a:spLocks noGrp="1"/>
-          </p:cNvSpPr>
-          <p:nvPr>
-            <p:ph type="title"/>
-          </p:nvPr>
-        </p:nvSpPr>
-        <p:spPr>
-          <a:xfrm>
-            <a:off x="609480" y="273600"/>
-            <a:ext cx="10972440" cy="1144800"/>
-          </a:xfrm>
-          <a:prstGeom prst="rect">
-            <a:avLst/>
-          </a:prstGeom>
-          <a:noFill/>
-          <a:ln w="0">
-            <a:noFill/>
-          </a:ln>
-        </p:spPr>
-        <p:txBody>
-          <a:bodyPr lIns="0" rIns="0" tIns="0" bIns="0" anchor="ctr">
-            <a:noAutofit/>
-          </a:bodyPr>
-          <a:p>
-            <a:pPr algn="ctr">
-              <a:buNone/>
-            </a:pPr>
-            <a:endParaRPr b="0" lang="en-US" sz="4400" spc="-1" strike="noStrike">
-              <a:latin typeface="Arial"/>
-            </a:endParaRPr>
-          </a:p>
-        </p:txBody>
-      </p:sp>
-      <p:sp>
-        <p:nvSpPr>
-          <p:cNvPr id="98" name="PlaceHolder 2"/>
-          <p:cNvSpPr>
-            <a:spLocks noGrp="1"/>
-          </p:cNvSpPr>
-          <p:nvPr>
-            <p:ph/>
-          </p:nvPr>
-        </p:nvSpPr>
-        <p:spPr>
-          <a:xfrm>
-            <a:off x="609480" y="1604520"/>
-            <a:ext cx="5354280" cy="1896840"/>
-          </a:xfrm>
-          <a:prstGeom prst="rect">
-            <a:avLst/>
-          </a:prstGeom>
-          <a:noFill/>
-          <a:ln w="0">
-            <a:noFill/>
-          </a:ln>
-        </p:spPr>
-        <p:txBody>
-          <a:bodyPr lIns="0" rIns="0" tIns="0" bIns="0" anchor="t">
-            <a:normAutofit/>
-          </a:bodyPr>
-          <a:p>
-            <a:endParaRPr b="0" lang="en-US" sz="3200" spc="-1" strike="noStrike">
-              <a:latin typeface="Arial"/>
-            </a:endParaRPr>
-          </a:p>
-        </p:txBody>
-      </p:sp>
-      <p:sp>
-        <p:nvSpPr>
-          <p:cNvPr id="99" name="PlaceHolder 3"/>
-          <p:cNvSpPr>
-            <a:spLocks noGrp="1"/>
-          </p:cNvSpPr>
-          <p:nvPr>
-            <p:ph/>
-          </p:nvPr>
-        </p:nvSpPr>
-        <p:spPr>
-          <a:xfrm>
-            <a:off x="6231960" y="1604520"/>
-            <a:ext cx="5354280" cy="3977280"/>
-          </a:xfrm>
-          <a:prstGeom prst="rect">
-            <a:avLst/>
-          </a:prstGeom>
-          <a:noFill/>
-          <a:ln w="0">
-            <a:noFill/>
-          </a:ln>
-        </p:spPr>
-        <p:txBody>
-          <a:bodyPr lIns="0" rIns="0" tIns="0" bIns="0" anchor="t">
-            <a:normAutofit/>
-          </a:bodyPr>
-          <a:p>
-            <a:endParaRPr b="0" lang="en-US" sz="3200" spc="-1" strike="noStrike">
-              <a:latin typeface="Arial"/>
-            </a:endParaRPr>
-          </a:p>
-        </p:txBody>
-      </p:sp>
-      <p:sp>
-        <p:nvSpPr>
-          <p:cNvPr id="100" name="PlaceHolder 4"/>
-          <p:cNvSpPr>
-            <a:spLocks noGrp="1"/>
-          </p:cNvSpPr>
-          <p:nvPr>
-            <p:ph/>
-          </p:nvPr>
-        </p:nvSpPr>
-        <p:spPr>
-          <a:xfrm>
-            <a:off x="609480" y="3682080"/>
-            <a:ext cx="5354280" cy="1896840"/>
-          </a:xfrm>
-          <a:prstGeom prst="rect">
-            <a:avLst/>
-          </a:prstGeom>
-          <a:noFill/>
-          <a:ln w="0">
-            <a:noFill/>
-          </a:ln>
-        </p:spPr>
-        <p:txBody>
-          <a:bodyPr lIns="0" rIns="0" tIns="0" bIns="0" anchor="t">
-            <a:normAutofit/>
-          </a:bodyPr>
-          <a:p>
-            <a:endParaRPr b="0" lang="en-US" sz="3200" spc="-1" strike="noStrike">
-              <a:latin typeface="Arial"/>
-            </a:endParaRPr>
-          </a:p>
-        </p:txBody>
-      </p:sp>
-    </p:spTree>
-  </p:cSld>
-</p:sldLayout>
-</file>
-
-<file path=ppt/slideLayouts/slideLayout32.xml><?xml version="1.0" encoding="utf-8"?>
-<p:sldLayout xmlns:a="http://schemas.openxmlformats.org/drawingml/2006/main" xmlns:p="http://schemas.openxmlformats.org/presentationml/2006/main" xmlns:r="http://schemas.openxmlformats.org/officeDocument/2006/relationships" xmlns:p14="http://schemas.microsoft.com/office/powerpoint/2010/main" xmlns:p15="http://schemas.microsoft.com/office/powerpoint/2012/main" xmlns:mc="http://schemas.openxmlformats.org/markup-compatibility/2006" type="objAndTwoObj" preserve="1">
-  <p:cSld name="Title Content and 2 Content">
-    <p:spTree>
-      <p:nvGrpSpPr>
-        <p:cNvPr id="1" name=""/>
-        <p:cNvGrpSpPr/>
-        <p:nvPr/>
-      </p:nvGrpSpPr>
-      <p:grpSpPr>
-        <a:xfrm>
-          <a:off x="0" y="0"/>
-          <a:ext cx="0" cy="0"/>
-          <a:chOff x="0" y="0"/>
-          <a:chExt cx="0" cy="0"/>
-        </a:xfrm>
-      </p:grpSpPr>
-      <p:sp>
-        <p:nvSpPr>
-          <p:cNvPr id="101" name="PlaceHolder 1"/>
-          <p:cNvSpPr>
-            <a:spLocks noGrp="1"/>
-          </p:cNvSpPr>
-          <p:nvPr>
-            <p:ph type="title"/>
-          </p:nvPr>
-        </p:nvSpPr>
-        <p:spPr>
-          <a:xfrm>
-            <a:off x="609480" y="273600"/>
-            <a:ext cx="10972440" cy="1144800"/>
-          </a:xfrm>
-          <a:prstGeom prst="rect">
-            <a:avLst/>
-          </a:prstGeom>
-          <a:noFill/>
-          <a:ln w="0">
-            <a:noFill/>
-          </a:ln>
-        </p:spPr>
-        <p:txBody>
-          <a:bodyPr lIns="0" rIns="0" tIns="0" bIns="0" anchor="ctr">
-            <a:noAutofit/>
-          </a:bodyPr>
-          <a:p>
-            <a:pPr algn="ctr">
-              <a:buNone/>
-            </a:pPr>
-            <a:endParaRPr b="0" lang="en-US" sz="4400" spc="-1" strike="noStrike">
-              <a:latin typeface="Arial"/>
-            </a:endParaRPr>
-          </a:p>
-        </p:txBody>
-      </p:sp>
-      <p:sp>
-        <p:nvSpPr>
-          <p:cNvPr id="102" name="PlaceHolder 2"/>
-          <p:cNvSpPr>
-            <a:spLocks noGrp="1"/>
-          </p:cNvSpPr>
-          <p:nvPr>
-            <p:ph/>
-          </p:nvPr>
-        </p:nvSpPr>
-        <p:spPr>
-          <a:xfrm>
-            <a:off x="609480" y="1604520"/>
-            <a:ext cx="5354280" cy="3977280"/>
-          </a:xfrm>
-          <a:prstGeom prst="rect">
-            <a:avLst/>
-          </a:prstGeom>
-          <a:noFill/>
-          <a:ln w="0">
-            <a:noFill/>
-          </a:ln>
-        </p:spPr>
-        <p:txBody>
-          <a:bodyPr lIns="0" rIns="0" tIns="0" bIns="0" anchor="t">
-            <a:normAutofit/>
-          </a:bodyPr>
-          <a:p>
-            <a:endParaRPr b="0" lang="en-US" sz="3200" spc="-1" strike="noStrike">
-              <a:latin typeface="Arial"/>
-            </a:endParaRPr>
-          </a:p>
-        </p:txBody>
-      </p:sp>
-      <p:sp>
-        <p:nvSpPr>
-          <p:cNvPr id="103" name="PlaceHolder 3"/>
-          <p:cNvSpPr>
-            <a:spLocks noGrp="1"/>
-          </p:cNvSpPr>
-          <p:nvPr>
-            <p:ph/>
-          </p:nvPr>
-        </p:nvSpPr>
-        <p:spPr>
-          <a:xfrm>
-            <a:off x="6231960" y="1604520"/>
-            <a:ext cx="5354280" cy="1896840"/>
-          </a:xfrm>
-          <a:prstGeom prst="rect">
-            <a:avLst/>
-          </a:prstGeom>
-          <a:noFill/>
-          <a:ln w="0">
-            <a:noFill/>
-          </a:ln>
-        </p:spPr>
-        <p:txBody>
-          <a:bodyPr lIns="0" rIns="0" tIns="0" bIns="0" anchor="t">
-            <a:normAutofit/>
-          </a:bodyPr>
-          <a:p>
-            <a:endParaRPr b="0" lang="en-US" sz="3200" spc="-1" strike="noStrike">
-              <a:latin typeface="Arial"/>
-            </a:endParaRPr>
-          </a:p>
-        </p:txBody>
-      </p:sp>
-      <p:sp>
-        <p:nvSpPr>
-          <p:cNvPr id="104" name="PlaceHolder 4"/>
-          <p:cNvSpPr>
-            <a:spLocks noGrp="1"/>
-          </p:cNvSpPr>
-          <p:nvPr>
-            <p:ph/>
-          </p:nvPr>
-        </p:nvSpPr>
-        <p:spPr>
-          <a:xfrm>
-            <a:off x="6231960" y="3682080"/>
-            <a:ext cx="5354280" cy="1896840"/>
-          </a:xfrm>
-          <a:prstGeom prst="rect">
-            <a:avLst/>
-          </a:prstGeom>
-          <a:noFill/>
-          <a:ln w="0">
-            <a:noFill/>
-          </a:ln>
-        </p:spPr>
-        <p:txBody>
-          <a:bodyPr lIns="0" rIns="0" tIns="0" bIns="0" anchor="t">
-            <a:normAutofit/>
-          </a:bodyPr>
-          <a:p>
-            <a:endParaRPr b="0" lang="en-US" sz="3200" spc="-1" strike="noStrike">
-              <a:latin typeface="Arial"/>
-            </a:endParaRPr>
-          </a:p>
-        </p:txBody>
-      </p:sp>
-    </p:spTree>
-  </p:cSld>
-</p:sldLayout>
-</file>
-
-<file path=ppt/slideLayouts/slideLayout33.xml><?xml version="1.0" encoding="utf-8"?>
-<p:sldLayout xmlns:a="http://schemas.openxmlformats.org/drawingml/2006/main" xmlns:p="http://schemas.openxmlformats.org/presentationml/2006/main" xmlns:r="http://schemas.openxmlformats.org/officeDocument/2006/relationships" xmlns:p14="http://schemas.microsoft.com/office/powerpoint/2010/main" xmlns:p15="http://schemas.microsoft.com/office/powerpoint/2012/main" xmlns:mc="http://schemas.openxmlformats.org/markup-compatibility/2006" type="twoObjOverTx" preserve="1">
-  <p:cSld name="Title, 2 Content over Content">
-    <p:spTree>
-      <p:nvGrpSpPr>
-        <p:cNvPr id="1" name=""/>
-        <p:cNvGrpSpPr/>
-        <p:nvPr/>
-      </p:nvGrpSpPr>
-      <p:grpSpPr>
-        <a:xfrm>
-          <a:off x="0" y="0"/>
-          <a:ext cx="0" cy="0"/>
-          <a:chOff x="0" y="0"/>
-          <a:chExt cx="0" cy="0"/>
-        </a:xfrm>
-      </p:grpSpPr>
-      <p:sp>
-        <p:nvSpPr>
-          <p:cNvPr id="105" name="PlaceHolder 1"/>
-          <p:cNvSpPr>
-            <a:spLocks noGrp="1"/>
-          </p:cNvSpPr>
-          <p:nvPr>
-            <p:ph type="title"/>
-          </p:nvPr>
-        </p:nvSpPr>
-        <p:spPr>
-          <a:xfrm>
-            <a:off x="609480" y="273600"/>
-            <a:ext cx="10972440" cy="1144800"/>
-          </a:xfrm>
-          <a:prstGeom prst="rect">
-            <a:avLst/>
-          </a:prstGeom>
-          <a:noFill/>
-          <a:ln w="0">
-            <a:noFill/>
-          </a:ln>
-        </p:spPr>
-        <p:txBody>
-          <a:bodyPr lIns="0" rIns="0" tIns="0" bIns="0" anchor="ctr">
-            <a:noAutofit/>
-          </a:bodyPr>
-          <a:p>
-            <a:pPr algn="ctr">
-              <a:buNone/>
-            </a:pPr>
-            <a:endParaRPr b="0" lang="en-US" sz="4400" spc="-1" strike="noStrike">
-              <a:latin typeface="Arial"/>
-            </a:endParaRPr>
-          </a:p>
-        </p:txBody>
-      </p:sp>
-      <p:sp>
-        <p:nvSpPr>
-          <p:cNvPr id="106" name="PlaceHolder 2"/>
-          <p:cNvSpPr>
-            <a:spLocks noGrp="1"/>
-          </p:cNvSpPr>
-          <p:nvPr>
-            <p:ph/>
-          </p:nvPr>
-        </p:nvSpPr>
-        <p:spPr>
-          <a:xfrm>
-            <a:off x="609480" y="1604520"/>
-            <a:ext cx="5354280" cy="1896840"/>
-          </a:xfrm>
-          <a:prstGeom prst="rect">
-            <a:avLst/>
-          </a:prstGeom>
-          <a:noFill/>
-          <a:ln w="0">
-            <a:noFill/>
-          </a:ln>
-        </p:spPr>
-        <p:txBody>
-          <a:bodyPr lIns="0" rIns="0" tIns="0" bIns="0" anchor="t">
-            <a:normAutofit/>
-          </a:bodyPr>
-          <a:p>
-            <a:endParaRPr b="0" lang="en-US" sz="3200" spc="-1" strike="noStrike">
-              <a:latin typeface="Arial"/>
-            </a:endParaRPr>
-          </a:p>
-        </p:txBody>
-      </p:sp>
-      <p:sp>
-        <p:nvSpPr>
-          <p:cNvPr id="107" name="PlaceHolder 3"/>
-          <p:cNvSpPr>
-            <a:spLocks noGrp="1"/>
-          </p:cNvSpPr>
-          <p:nvPr>
-            <p:ph/>
-          </p:nvPr>
-        </p:nvSpPr>
-        <p:spPr>
-          <a:xfrm>
-            <a:off x="6231960" y="1604520"/>
-            <a:ext cx="5354280" cy="1896840"/>
-          </a:xfrm>
-          <a:prstGeom prst="rect">
-            <a:avLst/>
-          </a:prstGeom>
-          <a:noFill/>
-          <a:ln w="0">
-            <a:noFill/>
-          </a:ln>
-        </p:spPr>
-        <p:txBody>
-          <a:bodyPr lIns="0" rIns="0" tIns="0" bIns="0" anchor="t">
-            <a:normAutofit/>
-          </a:bodyPr>
-          <a:p>
-            <a:endParaRPr b="0" lang="en-US" sz="3200" spc="-1" strike="noStrike">
-              <a:latin typeface="Arial"/>
-            </a:endParaRPr>
-          </a:p>
-        </p:txBody>
-      </p:sp>
-      <p:sp>
-        <p:nvSpPr>
-          <p:cNvPr id="108" name="PlaceHolder 4"/>
-          <p:cNvSpPr>
-            <a:spLocks noGrp="1"/>
-          </p:cNvSpPr>
-          <p:nvPr>
-            <p:ph/>
-          </p:nvPr>
-        </p:nvSpPr>
-        <p:spPr>
-          <a:xfrm>
-            <a:off x="609480" y="3682080"/>
-            <a:ext cx="10972440" cy="1896840"/>
-          </a:xfrm>
-          <a:prstGeom prst="rect">
-            <a:avLst/>
-          </a:prstGeom>
-          <a:noFill/>
-          <a:ln w="0">
-            <a:noFill/>
-          </a:ln>
-        </p:spPr>
-        <p:txBody>
-          <a:bodyPr lIns="0" rIns="0" tIns="0" bIns="0" anchor="t">
-            <a:normAutofit/>
-          </a:bodyPr>
-          <a:p>
-            <a:endParaRPr b="0" lang="en-US" sz="3200" spc="-1" strike="noStrike">
-              <a:latin typeface="Arial"/>
-            </a:endParaRPr>
-          </a:p>
-        </p:txBody>
-      </p:sp>
-    </p:spTree>
-  </p:cSld>
-</p:sldLayout>
-</file>
-
-<file path=ppt/slideLayouts/slideLayout34.xml><?xml version="1.0" encoding="utf-8"?>
-<p:sldLayout xmlns:a="http://schemas.openxmlformats.org/drawingml/2006/main" xmlns:p="http://schemas.openxmlformats.org/presentationml/2006/main" xmlns:r="http://schemas.openxmlformats.org/officeDocument/2006/relationships" xmlns:p14="http://schemas.microsoft.com/office/powerpoint/2010/main" xmlns:p15="http://schemas.microsoft.com/office/powerpoint/2012/main" xmlns:mc="http://schemas.openxmlformats.org/markup-compatibility/2006" type="objOverTx" preserve="1">
-  <p:cSld name="Title, Content over Content">
-    <p:spTree>
-      <p:nvGrpSpPr>
-        <p:cNvPr id="1" name=""/>
-        <p:cNvGrpSpPr/>
-        <p:nvPr/>
-      </p:nvGrpSpPr>
-      <p:grpSpPr>
-        <a:xfrm>
-          <a:off x="0" y="0"/>
-          <a:ext cx="0" cy="0"/>
-          <a:chOff x="0" y="0"/>
-          <a:chExt cx="0" cy="0"/>
-        </a:xfrm>
-      </p:grpSpPr>
-      <p:sp>
-        <p:nvSpPr>
-          <p:cNvPr id="109" name="PlaceHolder 1"/>
-          <p:cNvSpPr>
-            <a:spLocks noGrp="1"/>
-          </p:cNvSpPr>
-          <p:nvPr>
-            <p:ph type="title"/>
-          </p:nvPr>
-        </p:nvSpPr>
-        <p:spPr>
-          <a:xfrm>
-            <a:off x="609480" y="273600"/>
-            <a:ext cx="10972440" cy="1144800"/>
-          </a:xfrm>
-          <a:prstGeom prst="rect">
-            <a:avLst/>
-          </a:prstGeom>
-          <a:noFill/>
-          <a:ln w="0">
-            <a:noFill/>
-          </a:ln>
-        </p:spPr>
-        <p:txBody>
-          <a:bodyPr lIns="0" rIns="0" tIns="0" bIns="0" anchor="ctr">
-            <a:noAutofit/>
-          </a:bodyPr>
-          <a:p>
-            <a:pPr algn="ctr">
-              <a:buNone/>
-            </a:pPr>
-            <a:endParaRPr b="0" lang="en-US" sz="4400" spc="-1" strike="noStrike">
-              <a:latin typeface="Arial"/>
-            </a:endParaRPr>
-          </a:p>
-        </p:txBody>
-      </p:sp>
-      <p:sp>
-        <p:nvSpPr>
-          <p:cNvPr id="110" name="PlaceHolder 2"/>
-          <p:cNvSpPr>
-            <a:spLocks noGrp="1"/>
-          </p:cNvSpPr>
-          <p:nvPr>
-            <p:ph/>
-          </p:nvPr>
-        </p:nvSpPr>
-        <p:spPr>
-          <a:xfrm>
-            <a:off x="609480" y="1604520"/>
-            <a:ext cx="10972440" cy="1896840"/>
-          </a:xfrm>
-          <a:prstGeom prst="rect">
-            <a:avLst/>
-          </a:prstGeom>
-          <a:noFill/>
-          <a:ln w="0">
-            <a:noFill/>
-          </a:ln>
-        </p:spPr>
-        <p:txBody>
-          <a:bodyPr lIns="0" rIns="0" tIns="0" bIns="0" anchor="t">
-            <a:normAutofit/>
-          </a:bodyPr>
-          <a:p>
-            <a:endParaRPr b="0" lang="en-US" sz="3200" spc="-1" strike="noStrike">
-              <a:latin typeface="Arial"/>
-            </a:endParaRPr>
-          </a:p>
-        </p:txBody>
-      </p:sp>
-      <p:sp>
-        <p:nvSpPr>
-          <p:cNvPr id="111" name="PlaceHolder 3"/>
-          <p:cNvSpPr>
-            <a:spLocks noGrp="1"/>
-          </p:cNvSpPr>
-          <p:nvPr>
-            <p:ph/>
-          </p:nvPr>
-        </p:nvSpPr>
-        <p:spPr>
-          <a:xfrm>
-            <a:off x="609480" y="3682080"/>
-            <a:ext cx="10972440" cy="1896840"/>
-          </a:xfrm>
-          <a:prstGeom prst="rect">
-            <a:avLst/>
-          </a:prstGeom>
-          <a:noFill/>
-          <a:ln w="0">
-            <a:noFill/>
-          </a:ln>
-        </p:spPr>
-        <p:txBody>
-          <a:bodyPr lIns="0" rIns="0" tIns="0" bIns="0" anchor="t">
-            <a:normAutofit/>
-          </a:bodyPr>
-          <a:p>
-            <a:endParaRPr b="0" lang="en-US" sz="3200" spc="-1" strike="noStrike">
-              <a:latin typeface="Arial"/>
-            </a:endParaRPr>
-          </a:p>
-        </p:txBody>
-      </p:sp>
-    </p:spTree>
-  </p:cSld>
-</p:sldLayout>
-</file>
-
-<file path=ppt/slideLayouts/slideLayout35.xml><?xml version="1.0" encoding="utf-8"?>
-<p:sldLayout xmlns:a="http://schemas.openxmlformats.org/drawingml/2006/main" xmlns:p="http://schemas.openxmlformats.org/presentationml/2006/main" xmlns:r="http://schemas.openxmlformats.org/officeDocument/2006/relationships" xmlns:p14="http://schemas.microsoft.com/office/powerpoint/2010/main" xmlns:p15="http://schemas.microsoft.com/office/powerpoint/2012/main" xmlns:mc="http://schemas.openxmlformats.org/markup-compatibility/2006" type="fourObj" preserve="1">
-  <p:cSld name="Title, 4 Content">
-    <p:spTree>
-      <p:nvGrpSpPr>
-        <p:cNvPr id="1" name=""/>
-        <p:cNvGrpSpPr/>
-        <p:nvPr/>
-      </p:nvGrpSpPr>
-      <p:grpSpPr>
-        <a:xfrm>
-          <a:off x="0" y="0"/>
-          <a:ext cx="0" cy="0"/>
-          <a:chOff x="0" y="0"/>
-          <a:chExt cx="0" cy="0"/>
-        </a:xfrm>
-      </p:grpSpPr>
-      <p:sp>
-        <p:nvSpPr>
-          <p:cNvPr id="112" name="PlaceHolder 1"/>
-          <p:cNvSpPr>
-            <a:spLocks noGrp="1"/>
-          </p:cNvSpPr>
-          <p:nvPr>
-            <p:ph type="title"/>
-          </p:nvPr>
-        </p:nvSpPr>
-        <p:spPr>
-          <a:xfrm>
-            <a:off x="609480" y="273600"/>
-            <a:ext cx="10972440" cy="1144800"/>
-          </a:xfrm>
-          <a:prstGeom prst="rect">
-            <a:avLst/>
-          </a:prstGeom>
-          <a:noFill/>
-          <a:ln w="0">
-            <a:noFill/>
-          </a:ln>
-        </p:spPr>
-        <p:txBody>
-          <a:bodyPr lIns="0" rIns="0" tIns="0" bIns="0" anchor="ctr">
-            <a:noAutofit/>
-          </a:bodyPr>
-          <a:p>
-            <a:pPr algn="ctr">
-              <a:buNone/>
-            </a:pPr>
-            <a:endParaRPr b="0" lang="en-US" sz="4400" spc="-1" strike="noStrike">
-              <a:latin typeface="Arial"/>
-            </a:endParaRPr>
-          </a:p>
-        </p:txBody>
-      </p:sp>
-      <p:sp>
-        <p:nvSpPr>
-          <p:cNvPr id="113" name="PlaceHolder 2"/>
-          <p:cNvSpPr>
-            <a:spLocks noGrp="1"/>
-          </p:cNvSpPr>
-          <p:nvPr>
-            <p:ph/>
-          </p:nvPr>
-        </p:nvSpPr>
-        <p:spPr>
-          <a:xfrm>
-            <a:off x="609480" y="1604520"/>
-            <a:ext cx="5354280" cy="1896840"/>
-          </a:xfrm>
-          <a:prstGeom prst="rect">
-            <a:avLst/>
-          </a:prstGeom>
-          <a:noFill/>
-          <a:ln w="0">
-            <a:noFill/>
-          </a:ln>
-        </p:spPr>
-        <p:txBody>
-          <a:bodyPr lIns="0" rIns="0" tIns="0" bIns="0" anchor="t">
-            <a:normAutofit/>
-          </a:bodyPr>
-          <a:p>
-            <a:endParaRPr b="0" lang="en-US" sz="3200" spc="-1" strike="noStrike">
-              <a:latin typeface="Arial"/>
-            </a:endParaRPr>
-          </a:p>
-        </p:txBody>
-      </p:sp>
-      <p:sp>
-        <p:nvSpPr>
-          <p:cNvPr id="114" name="PlaceHolder 3"/>
-          <p:cNvSpPr>
-            <a:spLocks noGrp="1"/>
-          </p:cNvSpPr>
-          <p:nvPr>
-            <p:ph/>
-          </p:nvPr>
-        </p:nvSpPr>
-        <p:spPr>
-          <a:xfrm>
-            <a:off x="6231960" y="1604520"/>
-            <a:ext cx="5354280" cy="1896840"/>
-          </a:xfrm>
-          <a:prstGeom prst="rect">
-            <a:avLst/>
-          </a:prstGeom>
-          <a:noFill/>
-          <a:ln w="0">
-            <a:noFill/>
-          </a:ln>
-        </p:spPr>
-        <p:txBody>
-          <a:bodyPr lIns="0" rIns="0" tIns="0" bIns="0" anchor="t">
-            <a:normAutofit/>
-          </a:bodyPr>
-          <a:p>
-            <a:endParaRPr b="0" lang="en-US" sz="3200" spc="-1" strike="noStrike">
-              <a:latin typeface="Arial"/>
-            </a:endParaRPr>
-          </a:p>
-        </p:txBody>
-      </p:sp>
-      <p:sp>
-        <p:nvSpPr>
-          <p:cNvPr id="115" name="PlaceHolder 4"/>
-          <p:cNvSpPr>
-            <a:spLocks noGrp="1"/>
-          </p:cNvSpPr>
-          <p:nvPr>
-            <p:ph/>
-          </p:nvPr>
-        </p:nvSpPr>
-        <p:spPr>
-          <a:xfrm>
-            <a:off x="609480" y="3682080"/>
-            <a:ext cx="5354280" cy="1896840"/>
-          </a:xfrm>
-          <a:prstGeom prst="rect">
-            <a:avLst/>
-          </a:prstGeom>
-          <a:noFill/>
-          <a:ln w="0">
-            <a:noFill/>
-          </a:ln>
-        </p:spPr>
-        <p:txBody>
-          <a:bodyPr lIns="0" rIns="0" tIns="0" bIns="0" anchor="t">
-            <a:normAutofit/>
-          </a:bodyPr>
-          <a:p>
-            <a:endParaRPr b="0" lang="en-US" sz="3200" spc="-1" strike="noStrike">
-              <a:latin typeface="Arial"/>
-            </a:endParaRPr>
-          </a:p>
-        </p:txBody>
-      </p:sp>
-      <p:sp>
-        <p:nvSpPr>
-          <p:cNvPr id="116" name="PlaceHolder 5"/>
-          <p:cNvSpPr>
-            <a:spLocks noGrp="1"/>
-          </p:cNvSpPr>
-          <p:nvPr>
-            <p:ph/>
-          </p:nvPr>
-        </p:nvSpPr>
-        <p:spPr>
-          <a:xfrm>
-            <a:off x="6231960" y="3682080"/>
-            <a:ext cx="5354280" cy="1896840"/>
-          </a:xfrm>
-          <a:prstGeom prst="rect">
-            <a:avLst/>
-          </a:prstGeom>
-          <a:noFill/>
-          <a:ln w="0">
-            <a:noFill/>
-          </a:ln>
-        </p:spPr>
-        <p:txBody>
-          <a:bodyPr lIns="0" rIns="0" tIns="0" bIns="0" anchor="t">
-            <a:normAutofit/>
-          </a:bodyPr>
-          <a:p>
-            <a:endParaRPr b="0" lang="en-US" sz="3200" spc="-1" strike="noStrike">
-              <a:latin typeface="Arial"/>
-            </a:endParaRPr>
-          </a:p>
-        </p:txBody>
-      </p:sp>
-    </p:spTree>
-  </p:cSld>
-</p:sldLayout>
-</file>
-
-<file path=ppt/slideLayouts/slideLayout36.xml><?xml version="1.0" encoding="utf-8"?>
-<p:sldLayout xmlns:a="http://schemas.openxmlformats.org/drawingml/2006/main" xmlns:p="http://schemas.openxmlformats.org/presentationml/2006/main" xmlns:r="http://schemas.openxmlformats.org/officeDocument/2006/relationships" xmlns:p14="http://schemas.microsoft.com/office/powerpoint/2010/main" xmlns:p15="http://schemas.microsoft.com/office/powerpoint/2012/main" xmlns:mc="http://schemas.openxmlformats.org/markup-compatibility/2006" type="blank" preserve="1">
-  <p:cSld name="Title, 6 Content">
-    <p:spTree>
-      <p:nvGrpSpPr>
-        <p:cNvPr id="1" name=""/>
-        <p:cNvGrpSpPr/>
-        <p:nvPr/>
-      </p:nvGrpSpPr>
-      <p:grpSpPr>
-        <a:xfrm>
-          <a:off x="0" y="0"/>
-          <a:ext cx="0" cy="0"/>
-          <a:chOff x="0" y="0"/>
-          <a:chExt cx="0" cy="0"/>
-        </a:xfrm>
-      </p:grpSpPr>
-      <p:sp>
-        <p:nvSpPr>
-          <p:cNvPr id="117" name="PlaceHolder 1"/>
-          <p:cNvSpPr>
-            <a:spLocks noGrp="1"/>
-          </p:cNvSpPr>
-          <p:nvPr>
-            <p:ph type="title"/>
-          </p:nvPr>
-        </p:nvSpPr>
-        <p:spPr>
-          <a:xfrm>
-            <a:off x="609480" y="273600"/>
-            <a:ext cx="10972440" cy="1144800"/>
-          </a:xfrm>
-          <a:prstGeom prst="rect">
-            <a:avLst/>
-          </a:prstGeom>
-          <a:noFill/>
-          <a:ln w="0">
-            <a:noFill/>
-          </a:ln>
-        </p:spPr>
-        <p:txBody>
-          <a:bodyPr lIns="0" rIns="0" tIns="0" bIns="0" anchor="ctr">
-            <a:noAutofit/>
-          </a:bodyPr>
-          <a:p>
-            <a:pPr algn="ctr">
-              <a:buNone/>
-            </a:pPr>
-            <a:endParaRPr b="0" lang="en-US" sz="4400" spc="-1" strike="noStrike">
-              <a:latin typeface="Arial"/>
-            </a:endParaRPr>
-          </a:p>
-        </p:txBody>
-      </p:sp>
-      <p:sp>
-        <p:nvSpPr>
-          <p:cNvPr id="118" name="PlaceHolder 2"/>
-          <p:cNvSpPr>
-            <a:spLocks noGrp="1"/>
-          </p:cNvSpPr>
-          <p:nvPr>
-            <p:ph/>
-          </p:nvPr>
-        </p:nvSpPr>
-        <p:spPr>
-          <a:xfrm>
-            <a:off x="609480" y="1604520"/>
-            <a:ext cx="3533040" cy="1896840"/>
-          </a:xfrm>
-          <a:prstGeom prst="rect">
-            <a:avLst/>
-          </a:prstGeom>
-          <a:noFill/>
-          <a:ln w="0">
-            <a:noFill/>
-          </a:ln>
-        </p:spPr>
-        <p:txBody>
-          <a:bodyPr lIns="0" rIns="0" tIns="0" bIns="0" anchor="t">
-            <a:normAutofit/>
-          </a:bodyPr>
-          <a:p>
-            <a:endParaRPr b="0" lang="en-US" sz="3200" spc="-1" strike="noStrike">
-              <a:latin typeface="Arial"/>
-            </a:endParaRPr>
-          </a:p>
-        </p:txBody>
-      </p:sp>
-      <p:sp>
-        <p:nvSpPr>
-          <p:cNvPr id="119" name="PlaceHolder 3"/>
-          <p:cNvSpPr>
-            <a:spLocks noGrp="1"/>
-          </p:cNvSpPr>
-          <p:nvPr>
-            <p:ph/>
-          </p:nvPr>
-        </p:nvSpPr>
-        <p:spPr>
-          <a:xfrm>
-            <a:off x="4319640" y="1604520"/>
-            <a:ext cx="3533040" cy="1896840"/>
-          </a:xfrm>
-          <a:prstGeom prst="rect">
-            <a:avLst/>
-          </a:prstGeom>
-          <a:noFill/>
-          <a:ln w="0">
-            <a:noFill/>
-          </a:ln>
-        </p:spPr>
-        <p:txBody>
-          <a:bodyPr lIns="0" rIns="0" tIns="0" bIns="0" anchor="t">
-            <a:normAutofit/>
-          </a:bodyPr>
-          <a:p>
-            <a:endParaRPr b="0" lang="en-US" sz="3200" spc="-1" strike="noStrike">
-              <a:latin typeface="Arial"/>
-            </a:endParaRPr>
-          </a:p>
-        </p:txBody>
-      </p:sp>
-      <p:sp>
-        <p:nvSpPr>
-          <p:cNvPr id="120" name="PlaceHolder 4"/>
-          <p:cNvSpPr>
-            <a:spLocks noGrp="1"/>
-          </p:cNvSpPr>
-          <p:nvPr>
-            <p:ph/>
-          </p:nvPr>
-        </p:nvSpPr>
-        <p:spPr>
-          <a:xfrm>
-            <a:off x="8029800" y="1604520"/>
-            <a:ext cx="3533040" cy="1896840"/>
-          </a:xfrm>
-          <a:prstGeom prst="rect">
-            <a:avLst/>
-          </a:prstGeom>
-          <a:noFill/>
-          <a:ln w="0">
-            <a:noFill/>
-          </a:ln>
-        </p:spPr>
-        <p:txBody>
-          <a:bodyPr lIns="0" rIns="0" tIns="0" bIns="0" anchor="t">
-            <a:normAutofit/>
-          </a:bodyPr>
-          <a:p>
-            <a:endParaRPr b="0" lang="en-US" sz="3200" spc="-1" strike="noStrike">
-              <a:latin typeface="Arial"/>
-            </a:endParaRPr>
-          </a:p>
-        </p:txBody>
-      </p:sp>
-      <p:sp>
-        <p:nvSpPr>
-          <p:cNvPr id="121" name="PlaceHolder 5"/>
-          <p:cNvSpPr>
-            <a:spLocks noGrp="1"/>
-          </p:cNvSpPr>
-          <p:nvPr>
-            <p:ph/>
-          </p:nvPr>
-        </p:nvSpPr>
-        <p:spPr>
-          <a:xfrm>
-            <a:off x="609480" y="3682080"/>
-            <a:ext cx="3533040" cy="1896840"/>
-          </a:xfrm>
-          <a:prstGeom prst="rect">
-            <a:avLst/>
-          </a:prstGeom>
-          <a:noFill/>
-          <a:ln w="0">
-            <a:noFill/>
-          </a:ln>
-        </p:spPr>
-        <p:txBody>
-          <a:bodyPr lIns="0" rIns="0" tIns="0" bIns="0" anchor="t">
-            <a:normAutofit/>
-          </a:bodyPr>
-          <a:p>
-            <a:endParaRPr b="0" lang="en-US" sz="3200" spc="-1" strike="noStrike">
-              <a:latin typeface="Arial"/>
-            </a:endParaRPr>
-          </a:p>
-        </p:txBody>
-      </p:sp>
-      <p:sp>
-        <p:nvSpPr>
-          <p:cNvPr id="122" name="PlaceHolder 6"/>
-          <p:cNvSpPr>
-            <a:spLocks noGrp="1"/>
-          </p:cNvSpPr>
-          <p:nvPr>
-            <p:ph/>
-          </p:nvPr>
-        </p:nvSpPr>
-        <p:spPr>
-          <a:xfrm>
-            <a:off x="4319640" y="3682080"/>
-            <a:ext cx="3533040" cy="1896840"/>
-          </a:xfrm>
-          <a:prstGeom prst="rect">
-            <a:avLst/>
-          </a:prstGeom>
-          <a:noFill/>
-          <a:ln w="0">
-            <a:noFill/>
-          </a:ln>
-        </p:spPr>
-        <p:txBody>
-          <a:bodyPr lIns="0" rIns="0" tIns="0" bIns="0" anchor="t">
-            <a:normAutofit/>
-          </a:bodyPr>
-          <a:p>
-            <a:endParaRPr b="0" lang="en-US" sz="3200" spc="-1" strike="noStrike">
-              <a:latin typeface="Arial"/>
-            </a:endParaRPr>
-          </a:p>
-        </p:txBody>
-      </p:sp>
-      <p:sp>
-        <p:nvSpPr>
-          <p:cNvPr id="123" name="PlaceHolder 7"/>
-          <p:cNvSpPr>
-            <a:spLocks noGrp="1"/>
-          </p:cNvSpPr>
-          <p:nvPr>
-            <p:ph/>
-          </p:nvPr>
-        </p:nvSpPr>
-        <p:spPr>
-          <a:xfrm>
-            <a:off x="8029800" y="3682080"/>
-            <a:ext cx="3533040" cy="1896840"/>
           </a:xfrm>
           <a:prstGeom prst="rect">
             <a:avLst/>
@@ -4629,7 +3105,7 @@
         <p:spPr>
           <a:xfrm>
             <a:off x="-1153440" y="5512320"/>
-            <a:ext cx="183600" cy="460440"/>
+            <a:ext cx="182880" cy="459720"/>
           </a:xfrm>
           <a:prstGeom prst="rect">
             <a:avLst/>
@@ -4655,7 +3131,7 @@
         <p:spPr>
           <a:xfrm>
             <a:off x="-1153440" y="5512320"/>
-            <a:ext cx="183600" cy="460440"/>
+            <a:ext cx="182880" cy="459720"/>
           </a:xfrm>
           <a:prstGeom prst="rect">
             <a:avLst/>
@@ -4681,7 +3157,7 @@
         <p:spPr>
           <a:xfrm>
             <a:off x="6797880" y="653760"/>
-            <a:ext cx="183600" cy="460440"/>
+            <a:ext cx="182880" cy="459720"/>
           </a:xfrm>
           <a:prstGeom prst="rect">
             <a:avLst/>
@@ -4707,7 +3183,7 @@
         <p:spPr>
           <a:xfrm>
             <a:off x="7881120" y="569520"/>
-            <a:ext cx="183600" cy="460440"/>
+            <a:ext cx="182880" cy="459720"/>
           </a:xfrm>
           <a:prstGeom prst="rect">
             <a:avLst/>
@@ -4733,7 +3209,7 @@
         <p:spPr>
           <a:xfrm>
             <a:off x="6797880" y="653760"/>
-            <a:ext cx="183600" cy="460440"/>
+            <a:ext cx="182880" cy="459720"/>
           </a:xfrm>
           <a:prstGeom prst="rect">
             <a:avLst/>
@@ -4759,7 +3235,7 @@
         <p:spPr>
           <a:xfrm>
             <a:off x="7881120" y="569520"/>
-            <a:ext cx="183600" cy="460440"/>
+            <a:ext cx="182880" cy="459720"/>
           </a:xfrm>
           <a:prstGeom prst="rect">
             <a:avLst/>
@@ -5056,7 +3532,7 @@
         <p:spPr>
           <a:xfrm>
             <a:off x="-1153440" y="5512320"/>
-            <a:ext cx="183600" cy="460440"/>
+            <a:ext cx="182880" cy="459720"/>
           </a:xfrm>
           <a:prstGeom prst="rect">
             <a:avLst/>
@@ -5082,7 +3558,7 @@
         <p:spPr>
           <a:xfrm>
             <a:off x="-1153440" y="5512320"/>
-            <a:ext cx="183600" cy="460440"/>
+            <a:ext cx="182880" cy="459720"/>
           </a:xfrm>
           <a:prstGeom prst="rect">
             <a:avLst/>
@@ -5341,329 +3817,6 @@
     <p:sldLayoutId id="2147483671" r:id="rId12"/>
     <p:sldLayoutId id="2147483672" r:id="rId13"/>
     <p:sldLayoutId id="2147483673" r:id="rId14"/>
-  </p:sldLayoutIdLst>
-</p:sldMaster>
-</file>
-
-<file path=ppt/slideMasters/slideMaster3.xml><?xml version="1.0" encoding="utf-8"?>
-<p:sldMaster xmlns:a="http://schemas.openxmlformats.org/drawingml/2006/main" xmlns:p="http://schemas.openxmlformats.org/presentationml/2006/main" xmlns:r="http://schemas.openxmlformats.org/officeDocument/2006/relationships" xmlns:p14="http://schemas.microsoft.com/office/powerpoint/2010/main" xmlns:p15="http://schemas.microsoft.com/office/powerpoint/2012/main" xmlns:mc="http://schemas.openxmlformats.org/markup-compatibility/2006">
-  <p:cSld>
-    <p:bg>
-      <p:bgPr>
-        <a:blipFill rotWithShape="0">
-          <a:blip r:embed="rId2"/>
-          <a:stretch/>
-        </a:blipFill>
-      </p:bgPr>
-    </p:bg>
-    <p:spTree>
-      <p:nvGrpSpPr>
-        <p:cNvPr id="1" name=""/>
-        <p:cNvGrpSpPr/>
-        <p:nvPr/>
-      </p:nvGrpSpPr>
-      <p:grpSpPr>
-        <a:xfrm>
-          <a:off x="0" y="0"/>
-          <a:ext cx="0" cy="0"/>
-          <a:chOff x="0" y="0"/>
-          <a:chExt cx="0" cy="0"/>
-        </a:xfrm>
-      </p:grpSpPr>
-      <p:sp>
-        <p:nvSpPr>
-          <p:cNvPr id="84" name="TextBox 3"/>
-          <p:cNvSpPr/>
-          <p:nvPr/>
-        </p:nvSpPr>
-        <p:spPr>
-          <a:xfrm>
-            <a:off x="-1153440" y="5512320"/>
-            <a:ext cx="183600" cy="460440"/>
-          </a:xfrm>
-          <a:prstGeom prst="rect">
-            <a:avLst/>
-          </a:prstGeom>
-          <a:noFill/>
-          <a:ln w="0">
-            <a:noFill/>
-          </a:ln>
-        </p:spPr>
-        <p:style>
-          <a:lnRef idx="0"/>
-          <a:fillRef idx="0"/>
-          <a:effectRef idx="0"/>
-          <a:fontRef idx="minor"/>
-        </p:style>
-      </p:sp>
-      <p:sp>
-        <p:nvSpPr>
-          <p:cNvPr id="85" name="TextBox 4"/>
-          <p:cNvSpPr/>
-          <p:nvPr/>
-        </p:nvSpPr>
-        <p:spPr>
-          <a:xfrm>
-            <a:off x="-1153440" y="5512320"/>
-            <a:ext cx="183600" cy="460440"/>
-          </a:xfrm>
-          <a:prstGeom prst="rect">
-            <a:avLst/>
-          </a:prstGeom>
-          <a:noFill/>
-          <a:ln w="0">
-            <a:noFill/>
-          </a:ln>
-        </p:spPr>
-        <p:style>
-          <a:lnRef idx="0"/>
-          <a:fillRef idx="0"/>
-          <a:effectRef idx="0"/>
-          <a:fontRef idx="minor"/>
-        </p:style>
-      </p:sp>
-      <p:sp>
-        <p:nvSpPr>
-          <p:cNvPr id="86" name="PlaceHolder 1"/>
-          <p:cNvSpPr>
-            <a:spLocks noGrp="1"/>
-          </p:cNvSpPr>
-          <p:nvPr>
-            <p:ph type="title"/>
-          </p:nvPr>
-        </p:nvSpPr>
-        <p:spPr>
-          <a:xfrm>
-            <a:off x="609480" y="273600"/>
-            <a:ext cx="10972440" cy="1144800"/>
-          </a:xfrm>
-          <a:prstGeom prst="rect">
-            <a:avLst/>
-          </a:prstGeom>
-          <a:noFill/>
-          <a:ln w="0">
-            <a:noFill/>
-          </a:ln>
-        </p:spPr>
-        <p:txBody>
-          <a:bodyPr lIns="0" rIns="0" tIns="0" bIns="0" anchor="ctr">
-            <a:noAutofit/>
-          </a:bodyPr>
-          <a:p>
-            <a:pPr algn="ctr">
-              <a:buNone/>
-            </a:pPr>
-            <a:r>
-              <a:rPr b="0" lang="en-US" sz="4400" spc="-1" strike="noStrike">
-                <a:latin typeface="Arial"/>
-              </a:rPr>
-              <a:t>Click to edit the title text format</a:t>
-            </a:r>
-            <a:endParaRPr b="0" lang="en-US" sz="4400" spc="-1" strike="noStrike">
-              <a:latin typeface="Arial"/>
-            </a:endParaRPr>
-          </a:p>
-        </p:txBody>
-      </p:sp>
-      <p:sp>
-        <p:nvSpPr>
-          <p:cNvPr id="87" name="PlaceHolder 2"/>
-          <p:cNvSpPr>
-            <a:spLocks noGrp="1"/>
-          </p:cNvSpPr>
-          <p:nvPr>
-            <p:ph type="body"/>
-          </p:nvPr>
-        </p:nvSpPr>
-        <p:spPr>
-          <a:xfrm>
-            <a:off x="609480" y="1604520"/>
-            <a:ext cx="10972440" cy="3977280"/>
-          </a:xfrm>
-          <a:prstGeom prst="rect">
-            <a:avLst/>
-          </a:prstGeom>
-          <a:noFill/>
-          <a:ln w="0">
-            <a:noFill/>
-          </a:ln>
-        </p:spPr>
-        <p:txBody>
-          <a:bodyPr lIns="0" rIns="0" tIns="0" bIns="0" anchor="t">
-            <a:normAutofit/>
-          </a:bodyPr>
-          <a:p>
-            <a:pPr marL="432000" indent="-324000">
-              <a:spcBef>
-                <a:spcPts val="1417"/>
-              </a:spcBef>
-              <a:buClr>
-                <a:srgbClr val="000000"/>
-              </a:buClr>
-              <a:buSzPct val="45000"/>
-              <a:buFont typeface="Wingdings" charset="2"/>
-              <a:buChar char=""/>
-            </a:pPr>
-            <a:r>
-              <a:rPr b="0" lang="en-US" sz="3200" spc="-1" strike="noStrike">
-                <a:latin typeface="Arial"/>
-              </a:rPr>
-              <a:t>Click to edit the outline text format</a:t>
-            </a:r>
-            <a:endParaRPr b="0" lang="en-US" sz="3200" spc="-1" strike="noStrike">
-              <a:latin typeface="Arial"/>
-            </a:endParaRPr>
-          </a:p>
-          <a:p>
-            <a:pPr lvl="1" marL="864000" indent="-324000">
-              <a:spcBef>
-                <a:spcPts val="1134"/>
-              </a:spcBef>
-              <a:buClr>
-                <a:srgbClr val="000000"/>
-              </a:buClr>
-              <a:buSzPct val="75000"/>
-              <a:buFont typeface="Symbol" charset="2"/>
-              <a:buChar char=""/>
-            </a:pPr>
-            <a:r>
-              <a:rPr b="0" lang="en-US" sz="2800" spc="-1" strike="noStrike">
-                <a:latin typeface="Arial"/>
-              </a:rPr>
-              <a:t>Second Outline Level</a:t>
-            </a:r>
-            <a:endParaRPr b="0" lang="en-US" sz="2800" spc="-1" strike="noStrike">
-              <a:latin typeface="Arial"/>
-            </a:endParaRPr>
-          </a:p>
-          <a:p>
-            <a:pPr lvl="2" marL="1296000" indent="-288000">
-              <a:spcBef>
-                <a:spcPts val="850"/>
-              </a:spcBef>
-              <a:buClr>
-                <a:srgbClr val="000000"/>
-              </a:buClr>
-              <a:buSzPct val="45000"/>
-              <a:buFont typeface="Wingdings" charset="2"/>
-              <a:buChar char=""/>
-            </a:pPr>
-            <a:r>
-              <a:rPr b="0" lang="en-US" sz="2400" spc="-1" strike="noStrike">
-                <a:latin typeface="Arial"/>
-              </a:rPr>
-              <a:t>Third Outline Level</a:t>
-            </a:r>
-            <a:endParaRPr b="0" lang="en-US" sz="2400" spc="-1" strike="noStrike">
-              <a:latin typeface="Arial"/>
-            </a:endParaRPr>
-          </a:p>
-          <a:p>
-            <a:pPr lvl="3" marL="1728000" indent="-216000">
-              <a:spcBef>
-                <a:spcPts val="567"/>
-              </a:spcBef>
-              <a:buClr>
-                <a:srgbClr val="000000"/>
-              </a:buClr>
-              <a:buSzPct val="75000"/>
-              <a:buFont typeface="Symbol" charset="2"/>
-              <a:buChar char=""/>
-            </a:pPr>
-            <a:r>
-              <a:rPr b="0" lang="en-US" sz="2000" spc="-1" strike="noStrike">
-                <a:latin typeface="Arial"/>
-              </a:rPr>
-              <a:t>Fourth Outline Level</a:t>
-            </a:r>
-            <a:endParaRPr b="0" lang="en-US" sz="2000" spc="-1" strike="noStrike">
-              <a:latin typeface="Arial"/>
-            </a:endParaRPr>
-          </a:p>
-          <a:p>
-            <a:pPr lvl="4" marL="2160000" indent="-216000">
-              <a:spcBef>
-                <a:spcPts val="283"/>
-              </a:spcBef>
-              <a:buClr>
-                <a:srgbClr val="000000"/>
-              </a:buClr>
-              <a:buSzPct val="45000"/>
-              <a:buFont typeface="Wingdings" charset="2"/>
-              <a:buChar char=""/>
-            </a:pPr>
-            <a:r>
-              <a:rPr b="0" lang="en-US" sz="2000" spc="-1" strike="noStrike">
-                <a:latin typeface="Arial"/>
-              </a:rPr>
-              <a:t>Fifth Outline Level</a:t>
-            </a:r>
-            <a:endParaRPr b="0" lang="en-US" sz="2000" spc="-1" strike="noStrike">
-              <a:latin typeface="Arial"/>
-            </a:endParaRPr>
-          </a:p>
-          <a:p>
-            <a:pPr lvl="5" marL="2592000" indent="-216000">
-              <a:spcBef>
-                <a:spcPts val="283"/>
-              </a:spcBef>
-              <a:buClr>
-                <a:srgbClr val="000000"/>
-              </a:buClr>
-              <a:buSzPct val="45000"/>
-              <a:buFont typeface="Wingdings" charset="2"/>
-              <a:buChar char=""/>
-            </a:pPr>
-            <a:r>
-              <a:rPr b="0" lang="en-US" sz="2000" spc="-1" strike="noStrike">
-                <a:latin typeface="Arial"/>
-              </a:rPr>
-              <a:t>Sixth Outline Level</a:t>
-            </a:r>
-            <a:endParaRPr b="0" lang="en-US" sz="2000" spc="-1" strike="noStrike">
-              <a:latin typeface="Arial"/>
-            </a:endParaRPr>
-          </a:p>
-          <a:p>
-            <a:pPr lvl="6" marL="3024000" indent="-216000">
-              <a:spcBef>
-                <a:spcPts val="283"/>
-              </a:spcBef>
-              <a:buClr>
-                <a:srgbClr val="000000"/>
-              </a:buClr>
-              <a:buSzPct val="45000"/>
-              <a:buFont typeface="Wingdings" charset="2"/>
-              <a:buChar char=""/>
-            </a:pPr>
-            <a:r>
-              <a:rPr b="0" lang="en-US" sz="2000" spc="-1" strike="noStrike">
-                <a:latin typeface="Arial"/>
-              </a:rPr>
-              <a:t>Seventh Outline Level</a:t>
-            </a:r>
-            <a:endParaRPr b="0" lang="en-US" sz="2000" spc="-1" strike="noStrike">
-              <a:latin typeface="Arial"/>
-            </a:endParaRPr>
-          </a:p>
-        </p:txBody>
-      </p:sp>
-    </p:spTree>
-  </p:cSld>
-  <p:clrMap bg1="lt1" bg2="lt2" tx1="dk1" tx2="dk2" accent1="accent1" accent2="accent2" accent3="accent3" accent4="accent4" accent5="accent5" accent6="accent6" hlink="hlink" folHlink="folHlink"/>
-  <p:sldLayoutIdLst>
-    <p:sldLayoutId id="2147483675" r:id="rId3"/>
-    <p:sldLayoutId id="2147483676" r:id="rId4"/>
-    <p:sldLayoutId id="2147483677" r:id="rId5"/>
-    <p:sldLayoutId id="2147483678" r:id="rId6"/>
-    <p:sldLayoutId id="2147483679" r:id="rId7"/>
-    <p:sldLayoutId id="2147483680" r:id="rId8"/>
-    <p:sldLayoutId id="2147483681" r:id="rId9"/>
-    <p:sldLayoutId id="2147483682" r:id="rId10"/>
-    <p:sldLayoutId id="2147483683" r:id="rId11"/>
-    <p:sldLayoutId id="2147483684" r:id="rId12"/>
-    <p:sldLayoutId id="2147483685" r:id="rId13"/>
-    <p:sldLayoutId id="2147483686" r:id="rId14"/>
   </p:sldLayoutIdLst>
 </p:sldMaster>
 </file>
@@ -5695,7 +3848,7 @@
       </p:grpSpPr>
       <p:sp>
         <p:nvSpPr>
-          <p:cNvPr id="124" name="PlaceHolder 1"/>
+          <p:cNvPr id="84" name="PlaceHolder 1"/>
           <p:cNvSpPr>
             <a:spLocks noGrp="1"/>
           </p:cNvSpPr>
@@ -5705,8 +3858,8 @@
         </p:nvSpPr>
         <p:spPr>
           <a:xfrm>
-            <a:off x="1828800" y="2743200"/>
-            <a:ext cx="8533440" cy="2285280"/>
+            <a:off x="1828800" y="2287080"/>
+            <a:ext cx="8532720" cy="2284560"/>
           </a:xfrm>
           <a:prstGeom prst="rect">
             <a:avLst/>
@@ -5749,54 +3902,79 @@
               <a:buNone/>
             </a:pPr>
             <a:r>
-              <a:rPr b="0" lang="ru-RU" sz="2800" spc="-1" strike="noStrike">
+              <a:rPr b="1" lang="ru-RU" sz="2800" spc="-1" strike="noStrike">
                 <a:latin typeface="Golos Text DemiBold"/>
                 <a:ea typeface="Noto Sans CJK SC"/>
               </a:rPr>
               <a:t>information on the consumer behavior of bank card users</a:t>
             </a:r>
-            <a:br>
-              <a:rPr sz="2800"/>
-            </a:br>
-            <a:br>
-              <a:rPr sz="2800"/>
-            </a:br>
+            <a:endParaRPr b="0" lang="en-US" sz="2800" spc="-1" strike="noStrike">
+              <a:latin typeface="Arial"/>
+            </a:endParaRPr>
+          </a:p>
+        </p:txBody>
+      </p:sp>
+      <p:sp>
+        <p:nvSpPr>
+          <p:cNvPr id="85" name="PlaceHolder 5"/>
+          <p:cNvSpPr/>
+          <p:nvPr/>
+        </p:nvSpPr>
+        <p:spPr>
+          <a:xfrm>
+            <a:off x="6782760" y="4572000"/>
+            <a:ext cx="5103720" cy="1828800"/>
+          </a:xfrm>
+          <a:prstGeom prst="rect">
+            <a:avLst/>
+          </a:prstGeom>
+          <a:noFill/>
+          <a:ln w="0">
+            <a:noFill/>
+          </a:ln>
+        </p:spPr>
+        <p:style>
+          <a:lnRef idx="0"/>
+          <a:fillRef idx="0"/>
+          <a:effectRef idx="0"/>
+          <a:fontRef idx="minor"/>
+        </p:style>
+        <p:txBody>
+          <a:bodyPr lIns="90000" rIns="90000" tIns="45000" bIns="45000" anchor="ctr">
+            <a:noAutofit/>
+          </a:bodyPr>
+          <a:p>
+            <a:pPr>
+              <a:lnSpc>
+                <a:spcPct val="100000"/>
+              </a:lnSpc>
+              <a:buNone/>
+            </a:pPr>
             <a:r>
-              <a:rPr b="0" i="1" lang="ru-RU" sz="2800" spc="-1" strike="noStrike">
+              <a:rPr b="1" lang="ru-RU" sz="1600" spc="-1" strike="noStrike">
+                <a:solidFill>
+                  <a:srgbClr val="ffffff"/>
+                </a:solidFill>
                 <a:latin typeface="Golos Text DemiBold"/>
                 <a:ea typeface="Noto Sans CJK SC"/>
               </a:rPr>
-              <a:t>Grigoryev Mikhail, J4133c</a:t>
+              <a:t>Student: Grigoryev Mikhail, J4133c</a:t>
             </a:r>
-            <a:endParaRPr b="0" lang="en-US" sz="2800" spc="-1" strike="noStrike">
-              <a:latin typeface="Arial"/>
-            </a:endParaRPr>
-          </a:p>
-        </p:txBody>
-      </p:sp>
-      <p:sp>
-        <p:nvSpPr>
-          <p:cNvPr id="125" name="PlaceHolder 5"/>
-          <p:cNvSpPr txBox="1"/>
-          <p:nvPr/>
-        </p:nvSpPr>
-        <p:spPr>
-          <a:xfrm>
-            <a:off x="6782760" y="5486400"/>
-            <a:ext cx="5104440" cy="1143720"/>
-          </a:xfrm>
-          <a:prstGeom prst="rect">
-            <a:avLst/>
-          </a:prstGeom>
-          <a:noFill/>
-          <a:ln w="0">
-            <a:noFill/>
-          </a:ln>
-        </p:spPr>
-        <p:txBody>
-          <a:bodyPr lIns="90000" rIns="90000" tIns="45000" bIns="45000" anchor="ctr">
-            <a:noAutofit/>
-          </a:bodyPr>
+            <a:endParaRPr b="0" lang="en-US" sz="1600" spc="-1" strike="noStrike">
+              <a:latin typeface="Arial"/>
+            </a:endParaRPr>
+          </a:p>
+          <a:p>
+            <a:pPr>
+              <a:lnSpc>
+                <a:spcPct val="100000"/>
+              </a:lnSpc>
+              <a:buNone/>
+            </a:pPr>
+            <a:endParaRPr b="0" lang="en-US" sz="1600" spc="-1" strike="noStrike">
+              <a:latin typeface="Arial"/>
+            </a:endParaRPr>
+          </a:p>
           <a:p>
             <a:pPr>
               <a:lnSpc>
@@ -5868,6 +4046,309 @@
 <file path=ppt/slides/slide10.xml><?xml version="1.0" encoding="utf-8"?>
 <p:sld xmlns:a="http://schemas.openxmlformats.org/drawingml/2006/main" xmlns:p="http://schemas.openxmlformats.org/presentationml/2006/main" xmlns:r="http://schemas.openxmlformats.org/officeDocument/2006/relationships" xmlns:p14="http://schemas.microsoft.com/office/powerpoint/2010/main" xmlns:p15="http://schemas.microsoft.com/office/powerpoint/2012/main" xmlns:mc="http://schemas.openxmlformats.org/markup-compatibility/2006">
   <p:cSld>
+    <p:spTree>
+      <p:nvGrpSpPr>
+        <p:cNvPr id="1" name=""/>
+        <p:cNvGrpSpPr/>
+        <p:nvPr/>
+      </p:nvGrpSpPr>
+      <p:grpSpPr>
+        <a:xfrm>
+          <a:off x="0" y="0"/>
+          <a:ext cx="0" cy="0"/>
+          <a:chOff x="0" y="0"/>
+          <a:chExt cx="0" cy="0"/>
+        </a:xfrm>
+      </p:grpSpPr>
+      <p:sp>
+        <p:nvSpPr>
+          <p:cNvPr id="113" name="PlaceHolder 1"/>
+          <p:cNvSpPr>
+            <a:spLocks noGrp="1"/>
+          </p:cNvSpPr>
+          <p:nvPr>
+            <p:ph type="title"/>
+          </p:nvPr>
+        </p:nvSpPr>
+        <p:spPr>
+          <a:xfrm>
+            <a:off x="609480" y="408600"/>
+            <a:ext cx="9097200" cy="701280"/>
+          </a:xfrm>
+          <a:prstGeom prst="rect">
+            <a:avLst/>
+          </a:prstGeom>
+          <a:noFill/>
+          <a:ln w="0">
+            <a:noFill/>
+          </a:ln>
+        </p:spPr>
+        <p:txBody>
+          <a:bodyPr lIns="90000" rIns="90000" tIns="45000" bIns="45000" anchor="ctr">
+            <a:noAutofit/>
+          </a:bodyPr>
+          <a:p>
+            <a:pPr>
+              <a:lnSpc>
+                <a:spcPct val="100000"/>
+              </a:lnSpc>
+              <a:buNone/>
+            </a:pPr>
+            <a:r>
+              <a:rPr b="1" lang="ru-RU" sz="4250" spc="-1" strike="noStrike">
+                <a:solidFill>
+                  <a:srgbClr val="ffffff"/>
+                </a:solidFill>
+                <a:latin typeface="Golos Text DemiBold"/>
+              </a:rPr>
+              <a:t>Findings &amp; conclusion</a:t>
+            </a:r>
+            <a:endParaRPr b="0" lang="en-US" sz="4250" spc="-1" strike="noStrike">
+              <a:latin typeface="Arial"/>
+            </a:endParaRPr>
+          </a:p>
+        </p:txBody>
+      </p:sp>
+      <p:sp>
+        <p:nvSpPr>
+          <p:cNvPr id="114" name="PlaceHolder 9"/>
+          <p:cNvSpPr/>
+          <p:nvPr/>
+        </p:nvSpPr>
+        <p:spPr>
+          <a:xfrm>
+            <a:off x="914400" y="1715040"/>
+            <a:ext cx="9600840" cy="4228200"/>
+          </a:xfrm>
+          <a:prstGeom prst="rect">
+            <a:avLst/>
+          </a:prstGeom>
+          <a:noFill/>
+          <a:ln w="0">
+            <a:noFill/>
+          </a:ln>
+        </p:spPr>
+        <p:style>
+          <a:lnRef idx="0"/>
+          <a:fillRef idx="0"/>
+          <a:effectRef idx="0"/>
+          <a:fontRef idx="minor"/>
+        </p:style>
+        <p:txBody>
+          <a:bodyPr lIns="90000" rIns="90000" tIns="45000" bIns="45000" anchor="t">
+            <a:normAutofit/>
+          </a:bodyPr>
+          <a:p>
+            <a:pPr>
+              <a:lnSpc>
+                <a:spcPct val="100000"/>
+              </a:lnSpc>
+              <a:spcBef>
+                <a:spcPts val="400"/>
+              </a:spcBef>
+              <a:buNone/>
+              <a:tabLst>
+                <a:tab algn="l" pos="0"/>
+              </a:tabLst>
+            </a:pPr>
+            <a:r>
+              <a:rPr b="1" lang="ru-RU" sz="2000" spc="-1" strike="noStrike">
+                <a:solidFill>
+                  <a:srgbClr val="000000"/>
+                </a:solidFill>
+                <a:latin typeface="Golos text"/>
+              </a:rPr>
+              <a:t>Findings:</a:t>
+            </a:r>
+            <a:endParaRPr b="0" lang="en-US" sz="2000" spc="-1" strike="noStrike">
+              <a:latin typeface="Arial"/>
+            </a:endParaRPr>
+          </a:p>
+          <a:p>
+            <a:pPr marL="216000" indent="-216000">
+              <a:lnSpc>
+                <a:spcPct val="100000"/>
+              </a:lnSpc>
+              <a:spcBef>
+                <a:spcPts val="400"/>
+              </a:spcBef>
+              <a:buClr>
+                <a:srgbClr val="000000"/>
+              </a:buClr>
+              <a:buSzPct val="45000"/>
+              <a:buFont typeface="Wingdings" charset="2"/>
+              <a:buChar char=""/>
+              <a:tabLst>
+                <a:tab algn="l" pos="0"/>
+              </a:tabLst>
+            </a:pPr>
+            <a:r>
+              <a:rPr b="0" lang="ru-RU" sz="2000" spc="-1" strike="noStrike">
+                <a:solidFill>
+                  <a:srgbClr val="000000"/>
+                </a:solidFill>
+                <a:latin typeface="Golos text"/>
+              </a:rPr>
+              <a:t>Mining and processing methods as well as ARIMAX models were implemented in Python3.</a:t>
+            </a:r>
+            <a:endParaRPr b="0" lang="en-US" sz="2000" spc="-1" strike="noStrike">
+              <a:latin typeface="Arial"/>
+            </a:endParaRPr>
+          </a:p>
+          <a:p>
+            <a:pPr marL="216000" indent="-216000">
+              <a:lnSpc>
+                <a:spcPct val="100000"/>
+              </a:lnSpc>
+              <a:spcBef>
+                <a:spcPts val="400"/>
+              </a:spcBef>
+              <a:buClr>
+                <a:srgbClr val="000000"/>
+              </a:buClr>
+              <a:buSzPct val="45000"/>
+              <a:buFont typeface="Wingdings" charset="2"/>
+              <a:buChar char=""/>
+              <a:tabLst>
+                <a:tab algn="l" pos="0"/>
+              </a:tabLst>
+            </a:pPr>
+            <a:r>
+              <a:rPr b="0" lang="ru-RU" sz="2000" spc="-1" strike="noStrike">
+                <a:solidFill>
+                  <a:srgbClr val="000000"/>
+                </a:solidFill>
+                <a:latin typeface="Golos text"/>
+              </a:rPr>
+              <a:t>Some consumption categories show dependency on context such as news. The best predictions are achieved when context is carefully selected.</a:t>
+            </a:r>
+            <a:endParaRPr b="0" lang="en-US" sz="2000" spc="-1" strike="noStrike">
+              <a:latin typeface="Arial"/>
+            </a:endParaRPr>
+          </a:p>
+          <a:p>
+            <a:pPr marL="216000" indent="-216000">
+              <a:lnSpc>
+                <a:spcPct val="100000"/>
+              </a:lnSpc>
+              <a:spcBef>
+                <a:spcPts val="400"/>
+              </a:spcBef>
+              <a:buClr>
+                <a:srgbClr val="000000"/>
+              </a:buClr>
+              <a:buSzPct val="45000"/>
+              <a:buFont typeface="Wingdings" charset="2"/>
+              <a:buChar char=""/>
+              <a:tabLst>
+                <a:tab algn="l" pos="0"/>
+              </a:tabLst>
+            </a:pPr>
+            <a:r>
+              <a:rPr b="0" lang="ru-RU" sz="2000" spc="-1" strike="noStrike">
+                <a:solidFill>
+                  <a:srgbClr val="000000"/>
+                </a:solidFill>
+                <a:latin typeface="Golos text"/>
+              </a:rPr>
+              <a:t>Time-lagged cross-correlation can be used to confirm or refuse causal hypotheses.</a:t>
+            </a:r>
+            <a:endParaRPr b="0" lang="en-US" sz="2000" spc="-1" strike="noStrike">
+              <a:latin typeface="Arial"/>
+            </a:endParaRPr>
+          </a:p>
+          <a:p>
+            <a:pPr>
+              <a:lnSpc>
+                <a:spcPct val="100000"/>
+              </a:lnSpc>
+              <a:spcBef>
+                <a:spcPts val="400"/>
+              </a:spcBef>
+              <a:buNone/>
+              <a:tabLst>
+                <a:tab algn="l" pos="0"/>
+              </a:tabLst>
+            </a:pPr>
+            <a:endParaRPr b="0" lang="en-US" sz="2000" spc="-1" strike="noStrike">
+              <a:latin typeface="Arial"/>
+            </a:endParaRPr>
+          </a:p>
+          <a:p>
+            <a:pPr>
+              <a:lnSpc>
+                <a:spcPct val="100000"/>
+              </a:lnSpc>
+              <a:spcBef>
+                <a:spcPts val="400"/>
+              </a:spcBef>
+              <a:buNone/>
+              <a:tabLst>
+                <a:tab algn="l" pos="0"/>
+              </a:tabLst>
+            </a:pPr>
+            <a:r>
+              <a:rPr b="1" lang="ru-RU" sz="2000" spc="-1" strike="noStrike">
+                <a:solidFill>
+                  <a:srgbClr val="000000"/>
+                </a:solidFill>
+                <a:latin typeface="Golos text"/>
+              </a:rPr>
+              <a:t>Conclusion:</a:t>
+            </a:r>
+            <a:endParaRPr b="0" lang="en-US" sz="2000" spc="-1" strike="noStrike">
+              <a:latin typeface="Arial"/>
+            </a:endParaRPr>
+          </a:p>
+          <a:p>
+            <a:pPr marL="216000" indent="-216000">
+              <a:lnSpc>
+                <a:spcPct val="100000"/>
+              </a:lnSpc>
+              <a:spcBef>
+                <a:spcPts val="400"/>
+              </a:spcBef>
+              <a:buClr>
+                <a:srgbClr val="000000"/>
+              </a:buClr>
+              <a:buSzPct val="45000"/>
+              <a:buFont typeface="Wingdings" charset="2"/>
+              <a:buChar char=""/>
+              <a:tabLst>
+                <a:tab algn="l" pos="0"/>
+              </a:tabLst>
+            </a:pPr>
+            <a:r>
+              <a:rPr b="0" lang="ru-RU" sz="2000" spc="-1" strike="noStrike">
+                <a:solidFill>
+                  <a:srgbClr val="000000"/>
+                </a:solidFill>
+                <a:latin typeface="Golos text"/>
+              </a:rPr>
+              <a:t>The Individual task was fully completed, although further research is needed.</a:t>
+            </a:r>
+            <a:endParaRPr b="0" lang="en-US" sz="2000" spc="-1" strike="noStrike">
+              <a:latin typeface="Arial"/>
+            </a:endParaRPr>
+          </a:p>
+        </p:txBody>
+      </p:sp>
+    </p:spTree>
+  </p:cSld>
+  <mc:AlternateContent>
+    <mc:Choice Requires="p14">
+      <p:transition spd="slow" p14:dur="2000"/>
+    </mc:Choice>
+    <mc:Fallback>
+      <p:transition spd="slow"/>
+    </mc:Fallback>
+  </mc:AlternateContent>
+</p:sld>
+</file>
+
+<file path=ppt/slides/slide11.xml><?xml version="1.0" encoding="utf-8"?>
+<p:sld xmlns:a="http://schemas.openxmlformats.org/drawingml/2006/main" xmlns:p="http://schemas.openxmlformats.org/presentationml/2006/main" xmlns:r="http://schemas.openxmlformats.org/officeDocument/2006/relationships" xmlns:p14="http://schemas.microsoft.com/office/powerpoint/2010/main" xmlns:p15="http://schemas.microsoft.com/office/powerpoint/2012/main" xmlns:mc="http://schemas.openxmlformats.org/markup-compatibility/2006">
+  <p:cSld>
     <p:bg>
       <p:bgPr>
         <a:blipFill rotWithShape="0">
@@ -5892,7 +4373,7 @@
       </p:grpSpPr>
       <p:sp>
         <p:nvSpPr>
-          <p:cNvPr id="155" name="PlaceHolder 1"/>
+          <p:cNvPr id="115" name="PlaceHolder 1"/>
           <p:cNvSpPr>
             <a:spLocks noGrp="1"/>
           </p:cNvSpPr>
@@ -5903,7 +4384,7 @@
         <p:spPr>
           <a:xfrm>
             <a:off x="1734840" y="2959200"/>
-            <a:ext cx="8533440" cy="938880"/>
+            <a:ext cx="8532720" cy="938160"/>
           </a:xfrm>
           <a:prstGeom prst="rect">
             <a:avLst/>
@@ -5971,14 +4452,14 @@
       </p:grpSpPr>
       <p:sp>
         <p:nvSpPr>
-          <p:cNvPr id="126" name="Заголовок 1"/>
+          <p:cNvPr id="86" name="Заголовок 1"/>
           <p:cNvSpPr/>
           <p:nvPr/>
         </p:nvSpPr>
         <p:spPr>
           <a:xfrm>
             <a:off x="502560" y="408600"/>
-            <a:ext cx="9097920" cy="702000"/>
+            <a:ext cx="9097200" cy="701280"/>
           </a:xfrm>
           <a:prstGeom prst="rect">
             <a:avLst/>
@@ -6013,7 +4494,7 @@
                 <a:latin typeface="Golos Text DemiBold"/>
                 <a:ea typeface="DejaVu Sans"/>
               </a:rPr>
-              <a:t>Literature overview</a:t>
+              <a:t>Application</a:t>
             </a:r>
             <a:endParaRPr b="0" lang="en-US" sz="2800" spc="-1" strike="noStrike">
               <a:latin typeface="Arial"/>
@@ -6023,7 +4504,7 @@
       </p:sp>
       <p:pic>
         <p:nvPicPr>
-          <p:cNvPr id="127" name="" descr=""/>
+          <p:cNvPr id="87" name="" descr=""/>
           <p:cNvPicPr/>
           <p:nvPr/>
         </p:nvPicPr>
@@ -6033,8 +4514,8 @@
         </p:blipFill>
         <p:spPr>
           <a:xfrm>
-            <a:off x="457200" y="1572480"/>
-            <a:ext cx="11201040" cy="4444200"/>
+            <a:off x="1329840" y="2171160"/>
+            <a:ext cx="8957160" cy="3543840"/>
           </a:xfrm>
           <a:prstGeom prst="rect">
             <a:avLst/>
@@ -6074,39 +4555,16 @@
           <a:chExt cx="0" cy="0"/>
         </a:xfrm>
       </p:grpSpPr>
-      <p:pic>
-        <p:nvPicPr>
-          <p:cNvPr id="128" name="Рисунок 1" descr=""/>
-          <p:cNvPicPr/>
-          <p:nvPr/>
-        </p:nvPicPr>
-        <p:blipFill>
-          <a:blip r:embed="rId1"/>
-          <a:stretch/>
-        </p:blipFill>
-        <p:spPr>
-          <a:xfrm>
-            <a:off x="1627920" y="1600200"/>
-            <a:ext cx="8958960" cy="4492440"/>
-          </a:xfrm>
-          <a:prstGeom prst="rect">
-            <a:avLst/>
-          </a:prstGeom>
-          <a:ln w="0">
-            <a:noFill/>
-          </a:ln>
-        </p:spPr>
-      </p:pic>
-      <p:sp>
-        <p:nvSpPr>
-          <p:cNvPr id="129" name="Заголовок 2"/>
+      <p:sp>
+        <p:nvSpPr>
+          <p:cNvPr id="88" name="Заголовок 3"/>
           <p:cNvSpPr/>
           <p:nvPr/>
         </p:nvSpPr>
         <p:spPr>
           <a:xfrm>
             <a:off x="502560" y="408600"/>
-            <a:ext cx="9097920" cy="702000"/>
+            <a:ext cx="9097200" cy="701280"/>
           </a:xfrm>
           <a:prstGeom prst="rect">
             <a:avLst/>
@@ -6141,7 +4599,7 @@
                 <a:latin typeface="Golos Text DemiBold"/>
                 <a:ea typeface="DejaVu Sans"/>
               </a:rPr>
-              <a:t>Plan of the experiment</a:t>
+              <a:t>Literature overview</a:t>
             </a:r>
             <a:endParaRPr b="0" lang="en-US" sz="2800" spc="-1" strike="noStrike">
               <a:latin typeface="Arial"/>
@@ -6149,6 +4607,29 @@
           </a:p>
         </p:txBody>
       </p:sp>
+      <p:pic>
+        <p:nvPicPr>
+          <p:cNvPr id="89" name="" descr=""/>
+          <p:cNvPicPr/>
+          <p:nvPr/>
+        </p:nvPicPr>
+        <p:blipFill>
+          <a:blip r:embed="rId1"/>
+          <a:stretch/>
+        </p:blipFill>
+        <p:spPr>
+          <a:xfrm>
+            <a:off x="1004760" y="1820880"/>
+            <a:ext cx="9281880" cy="4122360"/>
+          </a:xfrm>
+          <a:prstGeom prst="rect">
+            <a:avLst/>
+          </a:prstGeom>
+          <a:ln w="0">
+            <a:noFill/>
+          </a:ln>
+        </p:spPr>
+      </p:pic>
     </p:spTree>
   </p:cSld>
   <mc:AlternateContent>
@@ -6179,9 +4660,61 @@
           <a:chExt cx="0" cy="0"/>
         </a:xfrm>
       </p:grpSpPr>
+      <p:sp>
+        <p:nvSpPr>
+          <p:cNvPr id="90" name="Заголовок 2"/>
+          <p:cNvSpPr/>
+          <p:nvPr/>
+        </p:nvSpPr>
+        <p:spPr>
+          <a:xfrm>
+            <a:off x="502560" y="408600"/>
+            <a:ext cx="9097200" cy="701280"/>
+          </a:xfrm>
+          <a:prstGeom prst="rect">
+            <a:avLst/>
+          </a:prstGeom>
+          <a:noFill/>
+          <a:ln w="0">
+            <a:noFill/>
+          </a:ln>
+        </p:spPr>
+        <p:style>
+          <a:lnRef idx="0"/>
+          <a:fillRef idx="0"/>
+          <a:effectRef idx="0"/>
+          <a:fontRef idx="minor"/>
+        </p:style>
+        <p:txBody>
+          <a:bodyPr lIns="90000" rIns="90000" tIns="45000" bIns="45000" anchor="ctr">
+            <a:noAutofit/>
+          </a:bodyPr>
+          <a:p>
+            <a:pPr>
+              <a:lnSpc>
+                <a:spcPct val="100000"/>
+              </a:lnSpc>
+              <a:buNone/>
+            </a:pPr>
+            <a:r>
+              <a:rPr b="1" lang="ru-RU" sz="2800" spc="-1" strike="noStrike">
+                <a:solidFill>
+                  <a:srgbClr val="ffffff"/>
+                </a:solidFill>
+                <a:latin typeface="Golos Text DemiBold"/>
+                <a:ea typeface="DejaVu Sans"/>
+              </a:rPr>
+              <a:t>Plan of the experiment</a:t>
+            </a:r>
+            <a:endParaRPr b="0" lang="en-US" sz="2800" spc="-1" strike="noStrike">
+              <a:latin typeface="Arial"/>
+            </a:endParaRPr>
+          </a:p>
+        </p:txBody>
+      </p:sp>
       <p:pic>
         <p:nvPicPr>
-          <p:cNvPr id="130" name="Рисунок 2" descr=""/>
+          <p:cNvPr id="91" name="" descr=""/>
           <p:cNvPicPr/>
           <p:nvPr/>
         </p:nvPicPr>
@@ -6191,8 +4724,8 @@
         </p:blipFill>
         <p:spPr>
           <a:xfrm>
-            <a:off x="457200" y="2057400"/>
-            <a:ext cx="6786720" cy="3387600"/>
+            <a:off x="1143000" y="1600200"/>
+            <a:ext cx="8686440" cy="4638960"/>
           </a:xfrm>
           <a:prstGeom prst="rect">
             <a:avLst/>
@@ -6202,274 +4735,6 @@
           </a:ln>
         </p:spPr>
       </p:pic>
-      <p:pic>
-        <p:nvPicPr>
-          <p:cNvPr id="131" name="Рисунок 5" descr=""/>
-          <p:cNvPicPr/>
-          <p:nvPr/>
-        </p:nvPicPr>
-        <p:blipFill>
-          <a:blip r:embed="rId2"/>
-          <a:stretch/>
-        </p:blipFill>
-        <p:spPr>
-          <a:xfrm>
-            <a:off x="6629400" y="2057400"/>
-            <a:ext cx="5105160" cy="3409920"/>
-          </a:xfrm>
-          <a:prstGeom prst="rect">
-            <a:avLst/>
-          </a:prstGeom>
-          <a:ln w="0">
-            <a:noFill/>
-          </a:ln>
-        </p:spPr>
-      </p:pic>
-      <p:sp>
-        <p:nvSpPr>
-          <p:cNvPr id="132" name="PlaceHolder 1"/>
-          <p:cNvSpPr>
-            <a:spLocks noGrp="1"/>
-          </p:cNvSpPr>
-          <p:nvPr>
-            <p:ph type="title"/>
-          </p:nvPr>
-        </p:nvSpPr>
-        <p:spPr>
-          <a:xfrm>
-            <a:off x="609480" y="408600"/>
-            <a:ext cx="9097920" cy="702000"/>
-          </a:xfrm>
-          <a:prstGeom prst="rect">
-            <a:avLst/>
-          </a:prstGeom>
-          <a:noFill/>
-          <a:ln w="0">
-            <a:noFill/>
-          </a:ln>
-        </p:spPr>
-        <p:txBody>
-          <a:bodyPr lIns="90000" rIns="90000" tIns="45000" bIns="45000" anchor="ctr">
-            <a:noAutofit/>
-          </a:bodyPr>
-          <a:p>
-            <a:pPr>
-              <a:lnSpc>
-                <a:spcPct val="100000"/>
-              </a:lnSpc>
-              <a:buNone/>
-            </a:pPr>
-            <a:r>
-              <a:rPr b="1" lang="ru-RU" sz="2800" spc="-1" strike="noStrike">
-                <a:solidFill>
-                  <a:srgbClr val="ffffff"/>
-                </a:solidFill>
-                <a:latin typeface="Golos Text DemiBold"/>
-              </a:rPr>
-              <a:t>Data overview</a:t>
-            </a:r>
-            <a:endParaRPr b="0" lang="en-US" sz="2800" spc="-1" strike="noStrike">
-              <a:latin typeface="Arial"/>
-            </a:endParaRPr>
-          </a:p>
-        </p:txBody>
-      </p:sp>
-      <p:sp>
-        <p:nvSpPr>
-          <p:cNvPr id="133" name="TextBox 1"/>
-          <p:cNvSpPr/>
-          <p:nvPr/>
-        </p:nvSpPr>
-        <p:spPr>
-          <a:xfrm>
-            <a:off x="2286000" y="1828800"/>
-            <a:ext cx="3245040" cy="363960"/>
-          </a:xfrm>
-          <a:prstGeom prst="rect">
-            <a:avLst/>
-          </a:prstGeom>
-          <a:noFill/>
-          <a:ln w="0">
-            <a:noFill/>
-          </a:ln>
-        </p:spPr>
-        <p:style>
-          <a:lnRef idx="0"/>
-          <a:fillRef idx="0"/>
-          <a:effectRef idx="0"/>
-          <a:fontRef idx="minor"/>
-        </p:style>
-        <p:txBody>
-          <a:bodyPr numCol="1" spcCol="0" horzOverflow="overflow" vertOverflow="overflow" lIns="90000" rIns="90000" tIns="45000" bIns="45000" anchor="t">
-            <a:spAutoFit/>
-          </a:bodyPr>
-          <a:p>
-            <a:pPr>
-              <a:lnSpc>
-                <a:spcPct val="100000"/>
-              </a:lnSpc>
-              <a:buNone/>
-            </a:pPr>
-            <a:r>
-              <a:rPr b="0" i="1" lang="ru-RU" sz="1800" spc="-1" strike="noStrike">
-                <a:solidFill>
-                  <a:srgbClr val="000000"/>
-                </a:solidFill>
-                <a:latin typeface="Consolas"/>
-                <a:ea typeface="DejaVu Sans"/>
-              </a:rPr>
-              <a:t>Synthetic transactions</a:t>
-            </a:r>
-            <a:endParaRPr b="0" lang="en-US" sz="1800" spc="-1" strike="noStrike">
-              <a:latin typeface="Arial"/>
-            </a:endParaRPr>
-          </a:p>
-        </p:txBody>
-      </p:sp>
-      <p:sp>
-        <p:nvSpPr>
-          <p:cNvPr id="134" name="TextBox 3"/>
-          <p:cNvSpPr/>
-          <p:nvPr/>
-        </p:nvSpPr>
-        <p:spPr>
-          <a:xfrm>
-            <a:off x="7315200" y="1828800"/>
-            <a:ext cx="3657240" cy="363960"/>
-          </a:xfrm>
-          <a:prstGeom prst="rect">
-            <a:avLst/>
-          </a:prstGeom>
-          <a:noFill/>
-          <a:ln w="0">
-            <a:noFill/>
-          </a:ln>
-        </p:spPr>
-        <p:style>
-          <a:lnRef idx="0"/>
-          <a:fillRef idx="0"/>
-          <a:effectRef idx="0"/>
-          <a:fontRef idx="minor"/>
-        </p:style>
-        <p:txBody>
-          <a:bodyPr numCol="1" spcCol="0" horzOverflow="overflow" vertOverflow="overflow" lIns="90000" rIns="90000" tIns="45000" bIns="45000" anchor="t">
-            <a:spAutoFit/>
-          </a:bodyPr>
-          <a:p>
-            <a:pPr>
-              <a:lnSpc>
-                <a:spcPct val="100000"/>
-              </a:lnSpc>
-              <a:buNone/>
-            </a:pPr>
-            <a:r>
-              <a:rPr b="0" i="1" lang="ru-RU" sz="1800" spc="-1" strike="noStrike">
-                <a:solidFill>
-                  <a:srgbClr val="000000"/>
-                </a:solidFill>
-                <a:latin typeface="Consolas"/>
-                <a:ea typeface="DejaVu Sans"/>
-              </a:rPr>
-              <a:t>News after topic analysis</a:t>
-            </a:r>
-            <a:endParaRPr b="0" lang="en-US" sz="1800" spc="-1" strike="noStrike">
-              <a:latin typeface="Arial"/>
-            </a:endParaRPr>
-          </a:p>
-        </p:txBody>
-      </p:sp>
-      <p:sp>
-        <p:nvSpPr>
-          <p:cNvPr id="135" name="TextBox 4"/>
-          <p:cNvSpPr/>
-          <p:nvPr/>
-        </p:nvSpPr>
-        <p:spPr>
-          <a:xfrm>
-            <a:off x="1828800" y="5533200"/>
-            <a:ext cx="8915040" cy="638280"/>
-          </a:xfrm>
-          <a:prstGeom prst="rect">
-            <a:avLst/>
-          </a:prstGeom>
-          <a:noFill/>
-          <a:ln w="0">
-            <a:noFill/>
-          </a:ln>
-        </p:spPr>
-        <p:style>
-          <a:lnRef idx="0"/>
-          <a:fillRef idx="0"/>
-          <a:effectRef idx="0"/>
-          <a:fontRef idx="minor"/>
-        </p:style>
-        <p:txBody>
-          <a:bodyPr numCol="1" spcCol="0" horzOverflow="overflow" vertOverflow="overflow" lIns="90000" rIns="90000" tIns="45000" bIns="45000" anchor="t">
-            <a:spAutoFit/>
-          </a:bodyPr>
-          <a:p>
-            <a:pPr>
-              <a:lnSpc>
-                <a:spcPct val="100000"/>
-              </a:lnSpc>
-              <a:buNone/>
-            </a:pPr>
-            <a:r>
-              <a:rPr b="0" lang="ru-RU" sz="1800" spc="-1" strike="noStrike">
-                <a:solidFill>
-                  <a:srgbClr val="000000"/>
-                </a:solidFill>
-                <a:latin typeface="Consolas"/>
-                <a:ea typeface="DejaVu Sans"/>
-              </a:rPr>
-              <a:t>Additionally, </a:t>
-            </a:r>
-            <a:r>
-              <a:rPr b="1" lang="ru-RU" sz="1800" spc="-1" strike="noStrike">
-                <a:solidFill>
-                  <a:srgbClr val="000000"/>
-                </a:solidFill>
-                <a:latin typeface="Consolas"/>
-                <a:ea typeface="DejaVu Sans"/>
-              </a:rPr>
-              <a:t>20</a:t>
-            </a:r>
-            <a:r>
-              <a:rPr b="0" lang="ru-RU" sz="1800" spc="-1" strike="noStrike">
-                <a:solidFill>
-                  <a:srgbClr val="000000"/>
-                </a:solidFill>
-                <a:latin typeface="Consolas"/>
-                <a:ea typeface="DejaVu Sans"/>
-              </a:rPr>
-              <a:t> macroeconomical and epidemiological </a:t>
-            </a:r>
-            <a:r>
-              <a:rPr b="1" lang="ru-RU" sz="1800" spc="-1" strike="noStrike">
-                <a:solidFill>
-                  <a:srgbClr val="000000"/>
-                </a:solidFill>
-                <a:latin typeface="Consolas"/>
-                <a:ea typeface="DejaVu Sans"/>
-              </a:rPr>
-              <a:t>time series</a:t>
-            </a:r>
-            <a:r>
-              <a:rPr b="0" lang="ru-RU" sz="1800" spc="-1" strike="noStrike">
-                <a:solidFill>
-                  <a:srgbClr val="000000"/>
-                </a:solidFill>
-                <a:latin typeface="Consolas"/>
-                <a:ea typeface="DejaVu Sans"/>
-              </a:rPr>
-              <a:t> were added to the context. </a:t>
-            </a:r>
-            <a:endParaRPr b="0" lang="en-US" sz="1800" spc="-1" strike="noStrike">
-              <a:latin typeface="Arial"/>
-            </a:endParaRPr>
-          </a:p>
-        </p:txBody>
-      </p:sp>
     </p:spTree>
   </p:cSld>
   <mc:AlternateContent>
@@ -6502,7 +4767,7 @@
       </p:grpSpPr>
       <p:pic>
         <p:nvPicPr>
-          <p:cNvPr id="136" name="Рисунок 6" descr=""/>
+          <p:cNvPr id="92" name="Рисунок 2" descr=""/>
           <p:cNvPicPr/>
           <p:nvPr/>
         </p:nvPicPr>
@@ -6512,8 +4777,8 @@
         </p:blipFill>
         <p:spPr>
           <a:xfrm>
-            <a:off x="686880" y="1354320"/>
-            <a:ext cx="8272800" cy="4148280"/>
+            <a:off x="457200" y="2057400"/>
+            <a:ext cx="6786000" cy="3386880"/>
           </a:xfrm>
           <a:prstGeom prst="rect">
             <a:avLst/>
@@ -6523,9 +4788,32 @@
           </a:ln>
         </p:spPr>
       </p:pic>
-      <p:sp>
-        <p:nvSpPr>
-          <p:cNvPr id="137" name="PlaceHolder 1"/>
+      <p:pic>
+        <p:nvPicPr>
+          <p:cNvPr id="93" name="Рисунок 5" descr=""/>
+          <p:cNvPicPr/>
+          <p:nvPr/>
+        </p:nvPicPr>
+        <p:blipFill>
+          <a:blip r:embed="rId2"/>
+          <a:stretch/>
+        </p:blipFill>
+        <p:spPr>
+          <a:xfrm>
+            <a:off x="6629400" y="2057400"/>
+            <a:ext cx="5104440" cy="3409200"/>
+          </a:xfrm>
+          <a:prstGeom prst="rect">
+            <a:avLst/>
+          </a:prstGeom>
+          <a:ln w="0">
+            <a:noFill/>
+          </a:ln>
+        </p:spPr>
+      </p:pic>
+      <p:sp>
+        <p:nvSpPr>
+          <p:cNvPr id="94" name="PlaceHolder 1"/>
           <p:cNvSpPr>
             <a:spLocks noGrp="1"/>
           </p:cNvSpPr>
@@ -6536,7 +4824,7 @@
         <p:spPr>
           <a:xfrm>
             <a:off x="609480" y="408600"/>
-            <a:ext cx="9097920" cy="702000"/>
+            <a:ext cx="9097200" cy="701280"/>
           </a:xfrm>
           <a:prstGeom prst="rect">
             <a:avLst/>
@@ -6564,7 +4852,7 @@
                 </a:solidFill>
                 <a:latin typeface="Golos Text DemiBold"/>
               </a:rPr>
-              <a:t>ARIMAX using the whole context</a:t>
+              <a:t>Data overview</a:t>
             </a:r>
             <a:endParaRPr b="0" lang="en-US" sz="2800" spc="-1" strike="noStrike">
               <a:latin typeface="Arial"/>
@@ -6574,14 +4862,14 @@
       </p:sp>
       <p:sp>
         <p:nvSpPr>
-          <p:cNvPr id="138" name="TextBox 2"/>
+          <p:cNvPr id="95" name="TextBox 1"/>
           <p:cNvSpPr/>
           <p:nvPr/>
         </p:nvSpPr>
         <p:spPr>
           <a:xfrm>
-            <a:off x="8276040" y="2971800"/>
-            <a:ext cx="3382200" cy="1369800"/>
+            <a:off x="2514600" y="1828800"/>
+            <a:ext cx="3244320" cy="363960"/>
           </a:xfrm>
           <a:prstGeom prst="rect">
             <a:avLst/>
@@ -6609,31 +4897,31 @@
               <a:buNone/>
             </a:pPr>
             <a:r>
-              <a:rPr b="0" lang="ru-RU" sz="2100" spc="-1" strike="noStrike">
+              <a:rPr b="0" i="1" lang="ru-RU" sz="1800" spc="-1" strike="noStrike">
                 <a:solidFill>
                   <a:srgbClr val="000000"/>
                 </a:solidFill>
-                <a:latin typeface="Consolas"/>
+                <a:latin typeface="Golos Text"/>
                 <a:ea typeface="DejaVu Sans"/>
               </a:rPr>
-              <a:t>Error metrics are averaged across 10 runs with different prediction dates.</a:t>
+              <a:t>Synthetic transactions</a:t>
             </a:r>
-            <a:endParaRPr b="0" lang="en-US" sz="2100" spc="-1" strike="noStrike">
-              <a:latin typeface="Arial"/>
-            </a:endParaRPr>
-          </a:p>
-        </p:txBody>
-      </p:sp>
-      <p:sp>
-        <p:nvSpPr>
-          <p:cNvPr id="139" name="TextBox 6"/>
+            <a:endParaRPr b="0" lang="en-US" sz="1800" spc="-1" strike="noStrike">
+              <a:latin typeface="Arial"/>
+            </a:endParaRPr>
+          </a:p>
+        </p:txBody>
+      </p:sp>
+      <p:sp>
+        <p:nvSpPr>
+          <p:cNvPr id="96" name="TextBox 3"/>
           <p:cNvSpPr/>
           <p:nvPr/>
         </p:nvSpPr>
         <p:spPr>
           <a:xfrm>
-            <a:off x="1249560" y="5574600"/>
-            <a:ext cx="10467360" cy="638280"/>
+            <a:off x="7688520" y="1828800"/>
+            <a:ext cx="3656520" cy="363960"/>
           </a:xfrm>
           <a:prstGeom prst="rect">
             <a:avLst/>
@@ -6665,20 +4953,102 @@
                 <a:solidFill>
                   <a:srgbClr val="000000"/>
                 </a:solidFill>
-                <a:latin typeface="Consolas"/>
+                <a:latin typeface="Golos Text"/>
                 <a:ea typeface="DejaVu Sans"/>
               </a:rPr>
-              <a:t>ARIMAX consumption forecast using the whole context is of low quality. </a:t>
+              <a:t>News after topic analysis</a:t>
             </a:r>
+            <a:endParaRPr b="0" lang="en-US" sz="1800" spc="-1" strike="noStrike">
+              <a:latin typeface="Arial"/>
+            </a:endParaRPr>
+          </a:p>
+        </p:txBody>
+      </p:sp>
+      <p:sp>
+        <p:nvSpPr>
+          <p:cNvPr id="97" name="TextBox 4"/>
+          <p:cNvSpPr/>
+          <p:nvPr/>
+        </p:nvSpPr>
+        <p:spPr>
+          <a:xfrm>
+            <a:off x="1828800" y="5533200"/>
+            <a:ext cx="8914320" cy="638280"/>
+          </a:xfrm>
+          <a:prstGeom prst="rect">
+            <a:avLst/>
+          </a:prstGeom>
+          <a:noFill/>
+          <a:ln w="0">
+            <a:noFill/>
+          </a:ln>
+        </p:spPr>
+        <p:style>
+          <a:lnRef idx="0"/>
+          <a:fillRef idx="0"/>
+          <a:effectRef idx="0"/>
+          <a:fontRef idx="minor"/>
+        </p:style>
+        <p:txBody>
+          <a:bodyPr numCol="1" spcCol="0" horzOverflow="overflow" vertOverflow="overflow" lIns="90000" rIns="90000" tIns="45000" bIns="45000" anchor="t">
+            <a:spAutoFit/>
+          </a:bodyPr>
+          <a:p>
+            <a:pPr>
+              <a:lnSpc>
+                <a:spcPct val="100000"/>
+              </a:lnSpc>
+              <a:buNone/>
+            </a:pPr>
             <a:r>
-              <a:rPr b="1" i="1" lang="ru-RU" sz="1800" spc="-1" strike="noStrike">
+              <a:rPr b="0" lang="ru-RU" sz="1800" spc="-1" strike="noStrike">
                 <a:solidFill>
                   <a:srgbClr val="000000"/>
                 </a:solidFill>
-                <a:latin typeface="Consolas"/>
+                <a:latin typeface="Golos Text"/>
                 <a:ea typeface="DejaVu Sans"/>
               </a:rPr>
-              <a:t>Selection of exogenous variables is required.</a:t>
+              <a:t>Additionally, </a:t>
+            </a:r>
+            <a:r>
+              <a:rPr b="1" lang="ru-RU" sz="1800" spc="-1" strike="noStrike">
+                <a:solidFill>
+                  <a:srgbClr val="000000"/>
+                </a:solidFill>
+                <a:latin typeface="Golos Text"/>
+                <a:ea typeface="DejaVu Sans"/>
+              </a:rPr>
+              <a:t>20</a:t>
+            </a:r>
+            <a:r>
+              <a:rPr b="0" lang="ru-RU" sz="1800" spc="-1" strike="noStrike">
+                <a:solidFill>
+                  <a:srgbClr val="000000"/>
+                </a:solidFill>
+                <a:latin typeface="Golos Text"/>
+                <a:ea typeface="DejaVu Sans"/>
+              </a:rPr>
+              <a:t> macroeconomical and epidemiological </a:t>
+            </a:r>
+            <a:r>
+              <a:rPr b="1" lang="ru-RU" sz="1800" spc="-1" strike="noStrike">
+                <a:solidFill>
+                  <a:srgbClr val="000000"/>
+                </a:solidFill>
+                <a:latin typeface="Golos Text"/>
+                <a:ea typeface="DejaVu Sans"/>
+              </a:rPr>
+              <a:t>time series</a:t>
+            </a:r>
+            <a:r>
+              <a:rPr b="0" lang="ru-RU" sz="1800" spc="-1" strike="noStrike">
+                <a:solidFill>
+                  <a:srgbClr val="000000"/>
+                </a:solidFill>
+                <a:latin typeface="Golos Text"/>
+                <a:ea typeface="DejaVu Sans"/>
+              </a:rPr>
+              <a:t> were added to the context. </a:t>
             </a:r>
             <a:endParaRPr b="0" lang="en-US" sz="1800" spc="-1" strike="noStrike">
               <a:latin typeface="Arial"/>
@@ -6718,7 +5088,7 @@
       </p:grpSpPr>
       <p:pic>
         <p:nvPicPr>
-          <p:cNvPr id="140" name="Рисунок 8" descr=""/>
+          <p:cNvPr id="98" name="Рисунок 6" descr=""/>
           <p:cNvPicPr/>
           <p:nvPr/>
         </p:nvPicPr>
@@ -6728,8 +5098,8 @@
         </p:blipFill>
         <p:spPr>
           <a:xfrm>
-            <a:off x="651240" y="2165040"/>
-            <a:ext cx="8035200" cy="4006800"/>
+            <a:off x="686880" y="1354320"/>
+            <a:ext cx="8272080" cy="4147560"/>
           </a:xfrm>
           <a:prstGeom prst="rect">
             <a:avLst/>
@@ -6741,7 +5111,7 @@
       </p:pic>
       <p:sp>
         <p:nvSpPr>
-          <p:cNvPr id="141" name="PlaceHolder 1"/>
+          <p:cNvPr id="99" name="PlaceHolder 1"/>
           <p:cNvSpPr>
             <a:spLocks noGrp="1"/>
           </p:cNvSpPr>
@@ -6752,7 +5122,7 @@
         <p:spPr>
           <a:xfrm>
             <a:off x="609480" y="408600"/>
-            <a:ext cx="9097920" cy="702000"/>
+            <a:ext cx="9097200" cy="701280"/>
           </a:xfrm>
           <a:prstGeom prst="rect">
             <a:avLst/>
@@ -6780,7 +5150,7 @@
                 </a:solidFill>
                 <a:latin typeface="Golos Text DemiBold"/>
               </a:rPr>
-              <a:t>ARIMAX predictions for the best categories</a:t>
+              <a:t>ARIMAX using the whole context</a:t>
             </a:r>
             <a:endParaRPr b="0" lang="en-US" sz="2800" spc="-1" strike="noStrike">
               <a:latin typeface="Arial"/>
@@ -6790,14 +5160,14 @@
       </p:sp>
       <p:sp>
         <p:nvSpPr>
-          <p:cNvPr id="142" name="TextBox 6"/>
+          <p:cNvPr id="100" name="TextBox 2"/>
           <p:cNvSpPr/>
           <p:nvPr/>
         </p:nvSpPr>
         <p:spPr>
           <a:xfrm>
-            <a:off x="3612600" y="1801080"/>
-            <a:ext cx="2330640" cy="363960"/>
+            <a:off x="8276040" y="2971800"/>
+            <a:ext cx="3381480" cy="1369800"/>
           </a:xfrm>
           <a:prstGeom prst="rect">
             <a:avLst/>
@@ -6825,31 +5195,31 @@
               <a:buNone/>
             </a:pPr>
             <a:r>
-              <a:rPr b="1" i="1" lang="ru-RU" sz="1800" spc="-1" strike="noStrike">
+              <a:rPr b="0" lang="ru-RU" sz="2100" spc="-1" strike="noStrike">
                 <a:solidFill>
                   <a:srgbClr val="000000"/>
                 </a:solidFill>
-                <a:latin typeface="Consolas"/>
+                <a:latin typeface="Golos Text"/>
                 <a:ea typeface="DejaVu Sans"/>
               </a:rPr>
-              <a:t>Health – 3.14%</a:t>
+              <a:t>Error metrics are averaged across 10 runs with different prediction dates.</a:t>
             </a:r>
-            <a:endParaRPr b="0" lang="en-US" sz="1800" spc="-1" strike="noStrike">
-              <a:latin typeface="Arial"/>
-            </a:endParaRPr>
-          </a:p>
-        </p:txBody>
-      </p:sp>
-      <p:sp>
-        <p:nvSpPr>
-          <p:cNvPr id="143" name="TextBox 12"/>
+            <a:endParaRPr b="0" lang="en-US" sz="2100" spc="-1" strike="noStrike">
+              <a:latin typeface="Arial"/>
+            </a:endParaRPr>
+          </a:p>
+        </p:txBody>
+      </p:sp>
+      <p:sp>
+        <p:nvSpPr>
+          <p:cNvPr id="101" name="TextBox 6"/>
           <p:cNvSpPr/>
           <p:nvPr/>
         </p:nvSpPr>
         <p:spPr>
           <a:xfrm>
-            <a:off x="8144640" y="2503800"/>
-            <a:ext cx="3285000" cy="3443760"/>
+            <a:off x="1249560" y="5574600"/>
+            <a:ext cx="10466640" cy="638280"/>
           </a:xfrm>
           <a:prstGeom prst="rect">
             <a:avLst/>
@@ -6877,151 +5247,26 @@
               <a:buNone/>
             </a:pPr>
             <a:r>
-              <a:rPr b="1" lang="ru-RU" sz="2000" spc="-1" strike="noStrike">
+              <a:rPr b="0" i="1" lang="ru-RU" sz="1800" spc="-1" strike="noStrike">
                 <a:solidFill>
                   <a:srgbClr val="000000"/>
                 </a:solidFill>
-                <a:latin typeface="Consolas"/>
+                <a:latin typeface="Golos Text"/>
                 <a:ea typeface="DejaVu Sans"/>
               </a:rPr>
-              <a:t>5 best topics</a:t>
+              <a:t>ARIMAX consumption forecast using the whole context is of low quality. </a:t>
             </a:r>
             <a:r>
-              <a:rPr b="0" lang="ru-RU" sz="2000" spc="-1" strike="noStrike">
+              <a:rPr b="1" i="1" lang="ru-RU" sz="1800" spc="-1" strike="noStrike">
                 <a:solidFill>
                   <a:srgbClr val="000000"/>
                 </a:solidFill>
-                <a:latin typeface="Consolas"/>
+                <a:latin typeface="Golos Text"/>
                 <a:ea typeface="DejaVu Sans"/>
               </a:rPr>
-              <a:t>, used for the model:</a:t>
+              <a:t>Selection of exogenous variables is required.</a:t>
             </a:r>
-            <a:endParaRPr b="0" lang="en-US" sz="2000" spc="-1" strike="noStrike">
-              <a:latin typeface="Arial"/>
-            </a:endParaRPr>
-          </a:p>
-          <a:p>
-            <a:pPr marL="285840" indent="-285840">
-              <a:lnSpc>
-                <a:spcPct val="100000"/>
-              </a:lnSpc>
-              <a:buClr>
-                <a:srgbClr val="000000"/>
-              </a:buClr>
-              <a:buFont typeface="Arial"/>
-              <a:buChar char="•"/>
-            </a:pPr>
-            <a:r>
-              <a:rPr b="0" lang="ru-RU" sz="2000" spc="-1" strike="noStrike">
-                <a:solidFill>
-                  <a:srgbClr val="000000"/>
-                </a:solidFill>
-                <a:latin typeface="Consolas"/>
-                <a:ea typeface="DejaVu Sans"/>
-              </a:rPr>
-              <a:t>Real estate affordability, Russia</a:t>
-            </a:r>
-            <a:endParaRPr b="0" lang="en-US" sz="2000" spc="-1" strike="noStrike">
-              <a:latin typeface="Arial"/>
-            </a:endParaRPr>
-          </a:p>
-          <a:p>
-            <a:pPr marL="285840" indent="-285840">
-              <a:lnSpc>
-                <a:spcPct val="100000"/>
-              </a:lnSpc>
-              <a:buClr>
-                <a:srgbClr val="000000"/>
-              </a:buClr>
-              <a:buFont typeface="Arial"/>
-              <a:buChar char="•"/>
-            </a:pPr>
-            <a:r>
-              <a:rPr b="0" lang="ru-RU" sz="2000" spc="-1" strike="noStrike">
-                <a:solidFill>
-                  <a:srgbClr val="000000"/>
-                </a:solidFill>
-                <a:latin typeface="Consolas"/>
-                <a:ea typeface="DejaVu Sans"/>
-              </a:rPr>
-              <a:t>Real estate affordability, SPb</a:t>
-            </a:r>
-            <a:endParaRPr b="0" lang="en-US" sz="2000" spc="-1" strike="noStrike">
-              <a:latin typeface="Arial"/>
-            </a:endParaRPr>
-          </a:p>
-          <a:p>
-            <a:pPr marL="285840" indent="-285840">
-              <a:lnSpc>
-                <a:spcPct val="100000"/>
-              </a:lnSpc>
-              <a:buClr>
-                <a:srgbClr val="000000"/>
-              </a:buClr>
-              <a:buFont typeface="Arial"/>
-              <a:buChar char="•"/>
-            </a:pPr>
-            <a:r>
-              <a:rPr b="0" lang="ru-RU" sz="2000" spc="-1" strike="noStrike">
-                <a:solidFill>
-                  <a:srgbClr val="000000"/>
-                </a:solidFill>
-                <a:latin typeface="Consolas"/>
-                <a:ea typeface="DejaVu Sans"/>
-              </a:rPr>
-              <a:t>COVID news</a:t>
-            </a:r>
-            <a:endParaRPr b="0" lang="en-US" sz="2000" spc="-1" strike="noStrike">
-              <a:latin typeface="Arial"/>
-            </a:endParaRPr>
-          </a:p>
-          <a:p>
-            <a:pPr marL="285840" indent="-285840">
-              <a:lnSpc>
-                <a:spcPct val="100000"/>
-              </a:lnSpc>
-              <a:buClr>
-                <a:srgbClr val="000000"/>
-              </a:buClr>
-              <a:buFont typeface="Arial"/>
-              <a:buChar char="•"/>
-            </a:pPr>
-            <a:r>
-              <a:rPr b="0" lang="ru-RU" sz="2000" spc="-1" strike="noStrike">
-                <a:solidFill>
-                  <a:srgbClr val="000000"/>
-                </a:solidFill>
-                <a:latin typeface="Consolas"/>
-                <a:ea typeface="DejaVu Sans"/>
-              </a:rPr>
-              <a:t>GDP</a:t>
-            </a:r>
-            <a:endParaRPr b="0" lang="en-US" sz="2000" spc="-1" strike="noStrike">
-              <a:latin typeface="Arial"/>
-            </a:endParaRPr>
-          </a:p>
-          <a:p>
-            <a:pPr marL="285840" indent="-285840">
-              <a:lnSpc>
-                <a:spcPct val="100000"/>
-              </a:lnSpc>
-              <a:buClr>
-                <a:srgbClr val="000000"/>
-              </a:buClr>
-              <a:buFont typeface="Arial"/>
-              <a:buChar char="•"/>
-            </a:pPr>
-            <a:r>
-              <a:rPr b="0" lang="ru-RU" sz="2000" spc="-1" strike="noStrike">
-                <a:solidFill>
-                  <a:srgbClr val="000000"/>
-                </a:solidFill>
-                <a:latin typeface="Consolas"/>
-                <a:ea typeface="DejaVu Sans"/>
-              </a:rPr>
-              <a:t>COVID-19 in Russia, new cases</a:t>
-            </a:r>
-            <a:endParaRPr b="0" lang="en-US" sz="2000" spc="-1" strike="noStrike">
+            <a:endParaRPr b="0" lang="en-US" sz="1800" spc="-1" strike="noStrike">
               <a:latin typeface="Arial"/>
             </a:endParaRPr>
           </a:p>
@@ -7059,7 +5304,7 @@
       </p:grpSpPr>
       <p:pic>
         <p:nvPicPr>
-          <p:cNvPr id="144" name="Рисунок 7" descr=""/>
+          <p:cNvPr id="102" name="Рисунок 8" descr=""/>
           <p:cNvPicPr/>
           <p:nvPr/>
         </p:nvPicPr>
@@ -7069,8 +5314,8 @@
         </p:blipFill>
         <p:spPr>
           <a:xfrm>
-            <a:off x="565920" y="1889280"/>
-            <a:ext cx="8577720" cy="4282560"/>
+            <a:off x="651240" y="2165040"/>
+            <a:ext cx="8034480" cy="4006080"/>
           </a:xfrm>
           <a:prstGeom prst="rect">
             <a:avLst/>
@@ -7082,7 +5327,7 @@
       </p:pic>
       <p:sp>
         <p:nvSpPr>
-          <p:cNvPr id="145" name="PlaceHolder 1"/>
+          <p:cNvPr id="103" name="PlaceHolder 1"/>
           <p:cNvSpPr>
             <a:spLocks noGrp="1"/>
           </p:cNvSpPr>
@@ -7093,7 +5338,7 @@
         <p:spPr>
           <a:xfrm>
             <a:off x="609480" y="408600"/>
-            <a:ext cx="9097920" cy="702000"/>
+            <a:ext cx="9097200" cy="701280"/>
           </a:xfrm>
           <a:prstGeom prst="rect">
             <a:avLst/>
@@ -7121,7 +5366,7 @@
                 </a:solidFill>
                 <a:latin typeface="Golos Text DemiBold"/>
               </a:rPr>
-              <a:t>ARIMAX prediction enhancement via adding exogenous variables</a:t>
+              <a:t>ARIMAX predictions for the best categories</a:t>
             </a:r>
             <a:endParaRPr b="0" lang="en-US" sz="2800" spc="-1" strike="noStrike">
               <a:latin typeface="Arial"/>
@@ -7131,14 +5376,14 @@
       </p:sp>
       <p:sp>
         <p:nvSpPr>
-          <p:cNvPr id="146" name="TextBox 2"/>
+          <p:cNvPr id="104" name="TextBox 6"/>
           <p:cNvSpPr/>
           <p:nvPr/>
         </p:nvSpPr>
         <p:spPr>
           <a:xfrm>
-            <a:off x="3200400" y="1525320"/>
-            <a:ext cx="2993760" cy="363960"/>
+            <a:off x="3612600" y="1801080"/>
+            <a:ext cx="2329920" cy="363960"/>
           </a:xfrm>
           <a:prstGeom prst="rect">
             <a:avLst/>
@@ -7170,40 +5415,10 @@
                 <a:solidFill>
                   <a:srgbClr val="000000"/>
                 </a:solidFill>
-                <a:latin typeface="Consolas"/>
+                <a:latin typeface="Golos Text"/>
                 <a:ea typeface="DejaVu Sans"/>
               </a:rPr>
-              <a:t>Kids – 29.96</a:t>
-            </a:r>
-            <a:r>
-              <a:rPr b="1" i="1" lang="ru-RU" sz="1800" spc="-1" strike="noStrike">
-                <a:solidFill>
-                  <a:srgbClr val="000000"/>
-                </a:solidFill>
-                <a:latin typeface="Consolas"/>
-                <a:ea typeface="Calibri"/>
-              </a:rPr>
-              <a:t> </a:t>
-            </a:r>
-            <a:r>
-              <a:rPr b="1" lang="ru-RU" sz="1800" spc="-1" strike="noStrike">
-                <a:solidFill>
-                  <a:srgbClr val="000000"/>
-                </a:solidFill>
-                <a:latin typeface="Calibri"/>
-                <a:ea typeface="Calibri"/>
-              </a:rPr>
-              <a:t>→ </a:t>
-            </a:r>
-            <a:r>
-              <a:rPr b="1" i="1" lang="ru-RU" sz="1800" spc="-1" strike="noStrike">
-                <a:solidFill>
-                  <a:srgbClr val="000000"/>
-                </a:solidFill>
-                <a:latin typeface="Consolas"/>
-                <a:ea typeface="DejaVu Sans"/>
-              </a:rPr>
-              <a:t>7.13%</a:t>
+              <a:t>Health – 3.14%</a:t>
             </a:r>
             <a:endParaRPr b="0" lang="en-US" sz="1800" spc="-1" strike="noStrike">
               <a:latin typeface="Arial"/>
@@ -7213,14 +5428,14 @@
       </p:sp>
       <p:sp>
         <p:nvSpPr>
-          <p:cNvPr id="147" name="TextBox 10"/>
+          <p:cNvPr id="105" name="TextBox 12"/>
           <p:cNvSpPr/>
           <p:nvPr/>
         </p:nvSpPr>
         <p:spPr>
           <a:xfrm>
-            <a:off x="8578800" y="2333160"/>
-            <a:ext cx="2850840" cy="3609720"/>
+            <a:off x="8144640" y="2503800"/>
+            <a:ext cx="3284280" cy="3138840"/>
           </a:xfrm>
           <a:prstGeom prst="rect">
             <a:avLst/>
@@ -7248,16 +5463,26 @@
               <a:buNone/>
             </a:pPr>
             <a:r>
-              <a:rPr b="1" lang="ru-RU" sz="1800" spc="-1" strike="noStrike">
+              <a:rPr b="1" lang="ru-RU" sz="2000" spc="-1" strike="noStrike">
                 <a:solidFill>
                   <a:srgbClr val="000000"/>
                 </a:solidFill>
-                <a:latin typeface="Consolas"/>
+                <a:latin typeface="Golos Text"/>
                 <a:ea typeface="DejaVu Sans"/>
               </a:rPr>
-              <a:t>Added variables:</a:t>
+              <a:t>5 best topics</a:t>
             </a:r>
-            <a:endParaRPr b="0" lang="en-US" sz="1800" spc="-1" strike="noStrike">
+            <a:r>
+              <a:rPr b="0" lang="ru-RU" sz="2000" spc="-1" strike="noStrike">
+                <a:solidFill>
+                  <a:srgbClr val="000000"/>
+                </a:solidFill>
+                <a:latin typeface="Golos Text"/>
+                <a:ea typeface="DejaVu Sans"/>
+              </a:rPr>
+              <a:t>, used for the model:</a:t>
+            </a:r>
+            <a:endParaRPr b="0" lang="en-US" sz="2000" spc="-1" strike="noStrike">
               <a:latin typeface="Arial"/>
             </a:endParaRPr>
           </a:p>
@@ -7273,16 +5498,16 @@
               <a:buChar char="•"/>
             </a:pPr>
             <a:r>
-              <a:rPr b="0" lang="ru-RU" sz="1800" spc="-1" strike="noStrike">
+              <a:rPr b="0" lang="ru-RU" sz="2000" spc="-1" strike="noStrike">
                 <a:solidFill>
                   <a:srgbClr val="000000"/>
                 </a:solidFill>
-                <a:latin typeface="Consolas"/>
+                <a:latin typeface="Golos Text"/>
                 <a:ea typeface="DejaVu Sans"/>
               </a:rPr>
-              <a:t>Consumer price index</a:t>
+              <a:t>Real estate affordability, Russia</a:t>
             </a:r>
-            <a:endParaRPr b="0" lang="en-US" sz="1800" spc="-1" strike="noStrike">
+            <a:endParaRPr b="0" lang="en-US" sz="2000" spc="-1" strike="noStrike">
               <a:latin typeface="Arial"/>
             </a:endParaRPr>
           </a:p>
@@ -7298,16 +5523,16 @@
               <a:buChar char="•"/>
             </a:pPr>
             <a:r>
-              <a:rPr b="0" lang="ru-RU" sz="1800" spc="-1" strike="noStrike">
+              <a:rPr b="0" lang="ru-RU" sz="2000" spc="-1" strike="noStrike">
                 <a:solidFill>
                   <a:srgbClr val="000000"/>
                 </a:solidFill>
-                <a:latin typeface="Consolas"/>
+                <a:latin typeface="Golos Text"/>
                 <a:ea typeface="DejaVu Sans"/>
               </a:rPr>
-              <a:t>Consumer price index, food</a:t>
+              <a:t>Real estate affordability, SPb</a:t>
             </a:r>
-            <a:endParaRPr b="0" lang="en-US" sz="1800" spc="-1" strike="noStrike">
+            <a:endParaRPr b="0" lang="en-US" sz="2000" spc="-1" strike="noStrike">
               <a:latin typeface="Arial"/>
             </a:endParaRPr>
           </a:p>
@@ -7323,48 +5548,66 @@
               <a:buChar char="•"/>
             </a:pPr>
             <a:r>
-              <a:rPr b="0" lang="ru-RU" sz="1800" spc="-1" strike="noStrike">
+              <a:rPr b="0" lang="ru-RU" sz="2000" spc="-1" strike="noStrike">
                 <a:solidFill>
                   <a:srgbClr val="000000"/>
                 </a:solidFill>
-                <a:latin typeface="Consolas"/>
+                <a:latin typeface="Golos Text"/>
                 <a:ea typeface="DejaVu Sans"/>
               </a:rPr>
-              <a:t>Consumer price index, services</a:t>
+              <a:t>COVID news</a:t>
             </a:r>
-            <a:endParaRPr b="0" lang="en-US" sz="1800" spc="-1" strike="noStrike">
-              <a:latin typeface="Arial"/>
-            </a:endParaRPr>
-          </a:p>
-          <a:p>
-            <a:pPr>
+            <a:endParaRPr b="0" lang="en-US" sz="2000" spc="-1" strike="noStrike">
+              <a:latin typeface="Arial"/>
+            </a:endParaRPr>
+          </a:p>
+          <a:p>
+            <a:pPr marL="285840" indent="-285840">
               <a:lnSpc>
                 <a:spcPct val="100000"/>
               </a:lnSpc>
-              <a:buNone/>
-            </a:pPr>
-            <a:endParaRPr b="0" lang="en-US" sz="1500" spc="-1" strike="noStrike">
-              <a:latin typeface="Arial"/>
-            </a:endParaRPr>
-          </a:p>
-          <a:p>
-            <a:pPr>
+              <a:buClr>
+                <a:srgbClr val="000000"/>
+              </a:buClr>
+              <a:buFont typeface="Arial"/>
+              <a:buChar char="•"/>
+            </a:pPr>
+            <a:r>
+              <a:rPr b="0" lang="ru-RU" sz="2000" spc="-1" strike="noStrike">
+                <a:solidFill>
+                  <a:srgbClr val="000000"/>
+                </a:solidFill>
+                <a:latin typeface="Golos Text"/>
+                <a:ea typeface="DejaVu Sans"/>
+              </a:rPr>
+              <a:t>GDP</a:t>
+            </a:r>
+            <a:endParaRPr b="0" lang="en-US" sz="2000" spc="-1" strike="noStrike">
+              <a:latin typeface="Arial"/>
+            </a:endParaRPr>
+          </a:p>
+          <a:p>
+            <a:pPr marL="285840" indent="-285840">
               <a:lnSpc>
                 <a:spcPct val="100000"/>
               </a:lnSpc>
-              <a:buNone/>
+              <a:buClr>
+                <a:srgbClr val="000000"/>
+              </a:buClr>
+              <a:buFont typeface="Arial"/>
+              <a:buChar char="•"/>
             </a:pPr>
             <a:r>
-              <a:rPr b="0" lang="ru-RU" sz="1800" spc="-1" strike="noStrike">
+              <a:rPr b="0" lang="ru-RU" sz="2000" spc="-1" strike="noStrike">
                 <a:solidFill>
                   <a:srgbClr val="000000"/>
                 </a:solidFill>
-                <a:latin typeface="Consolas"/>
+                <a:latin typeface="Golos Text"/>
                 <a:ea typeface="DejaVu Sans"/>
               </a:rPr>
-              <a:t>First two topics are negatively correlated with consumption with zero day lag.</a:t>
+              <a:t>COVID-19 in Russia, new cases</a:t>
             </a:r>
-            <a:endParaRPr b="0" lang="en-US" sz="1800" spc="-1" strike="noStrike">
+            <a:endParaRPr b="0" lang="en-US" sz="2000" spc="-1" strike="noStrike">
               <a:latin typeface="Arial"/>
             </a:endParaRPr>
           </a:p>
@@ -7400,9 +5643,32 @@
           <a:chExt cx="0" cy="0"/>
         </a:xfrm>
       </p:grpSpPr>
-      <p:sp>
-        <p:nvSpPr>
-          <p:cNvPr id="148" name="PlaceHolder 1"/>
+      <p:pic>
+        <p:nvPicPr>
+          <p:cNvPr id="106" name="Рисунок 7" descr=""/>
+          <p:cNvPicPr/>
+          <p:nvPr/>
+        </p:nvPicPr>
+        <p:blipFill>
+          <a:blip r:embed="rId1"/>
+          <a:stretch/>
+        </p:blipFill>
+        <p:spPr>
+          <a:xfrm>
+            <a:off x="565920" y="1889280"/>
+            <a:ext cx="8577000" cy="4281840"/>
+          </a:xfrm>
+          <a:prstGeom prst="rect">
+            <a:avLst/>
+          </a:prstGeom>
+          <a:ln w="0">
+            <a:noFill/>
+          </a:ln>
+        </p:spPr>
+      </p:pic>
+      <p:sp>
+        <p:nvSpPr>
+          <p:cNvPr id="107" name="PlaceHolder 1"/>
           <p:cNvSpPr>
             <a:spLocks noGrp="1"/>
           </p:cNvSpPr>
@@ -7413,7 +5679,7 @@
         <p:spPr>
           <a:xfrm>
             <a:off x="609480" y="408600"/>
-            <a:ext cx="9097920" cy="702000"/>
+            <a:ext cx="9097200" cy="701280"/>
           </a:xfrm>
           <a:prstGeom prst="rect">
             <a:avLst/>
@@ -7441,7 +5707,7 @@
                 </a:solidFill>
                 <a:latin typeface="Golos Text DemiBold"/>
               </a:rPr>
-              <a:t>Consumption and context cross-correlation</a:t>
+              <a:t>ARIMAX prediction enhancement via adding exogenous variables</a:t>
             </a:r>
             <a:endParaRPr b="0" lang="en-US" sz="2800" spc="-1" strike="noStrike">
               <a:latin typeface="Arial"/>
@@ -7451,14 +5717,14 @@
       </p:sp>
       <p:sp>
         <p:nvSpPr>
-          <p:cNvPr id="149" name="TextBox 5"/>
+          <p:cNvPr id="108" name="TextBox 2"/>
           <p:cNvSpPr/>
           <p:nvPr/>
         </p:nvSpPr>
         <p:spPr>
           <a:xfrm>
-            <a:off x="2286000" y="5486400"/>
-            <a:ext cx="8457840" cy="363960"/>
+            <a:off x="3200400" y="1525320"/>
+            <a:ext cx="2993040" cy="363960"/>
           </a:xfrm>
           <a:prstGeom prst="rect">
             <a:avLst/>
@@ -7486,14 +5752,44 @@
               <a:buNone/>
             </a:pPr>
             <a:r>
-              <a:rPr b="0" i="1" lang="ru-RU" sz="1800" spc="-1" strike="noStrike">
+              <a:rPr b="1" i="1" lang="ru-RU" sz="1800" spc="-1" strike="noStrike">
                 <a:solidFill>
                   <a:srgbClr val="000000"/>
                 </a:solidFill>
-                <a:latin typeface="Consolas"/>
+                <a:latin typeface="Golos Text"/>
                 <a:ea typeface="DejaVu Sans"/>
               </a:rPr>
-              <a:t>Pearson cross-correlation maximum and corresponding lag</a:t>
+              <a:t>Kids – 29.96</a:t>
+            </a:r>
+            <a:r>
+              <a:rPr b="1" i="1" lang="ru-RU" sz="1800" spc="-1" strike="noStrike">
+                <a:solidFill>
+                  <a:srgbClr val="000000"/>
+                </a:solidFill>
+                <a:latin typeface="Golos Text"/>
+                <a:ea typeface="Calibri"/>
+              </a:rPr>
+              <a:t> </a:t>
+            </a:r>
+            <a:r>
+              <a:rPr b="1" lang="ru-RU" sz="1800" spc="-1" strike="noStrike">
+                <a:solidFill>
+                  <a:srgbClr val="000000"/>
+                </a:solidFill>
+                <a:latin typeface="Golos Text"/>
+                <a:ea typeface="Calibri"/>
+              </a:rPr>
+              <a:t>→ </a:t>
+            </a:r>
+            <a:r>
+              <a:rPr b="1" i="1" lang="ru-RU" sz="1800" spc="-1" strike="noStrike">
+                <a:solidFill>
+                  <a:srgbClr val="000000"/>
+                </a:solidFill>
+                <a:latin typeface="Golos Text"/>
+                <a:ea typeface="DejaVu Sans"/>
+              </a:rPr>
+              <a:t>7.13%</a:t>
             </a:r>
             <a:endParaRPr b="0" lang="en-US" sz="1800" spc="-1" strike="noStrike">
               <a:latin typeface="Arial"/>
@@ -7501,29 +5797,165 @@
           </a:p>
         </p:txBody>
       </p:sp>
-      <p:pic>
-        <p:nvPicPr>
-          <p:cNvPr id="150" name="" descr=""/>
-          <p:cNvPicPr/>
+      <p:sp>
+        <p:nvSpPr>
+          <p:cNvPr id="109" name="TextBox 10"/>
+          <p:cNvSpPr/>
           <p:nvPr/>
-        </p:nvPicPr>
-        <p:blipFill>
-          <a:blip r:embed="rId1"/>
-          <a:stretch/>
-        </p:blipFill>
-        <p:spPr>
-          <a:xfrm>
-            <a:off x="559800" y="2057400"/>
-            <a:ext cx="11098440" cy="3382200"/>
-          </a:xfrm>
-          <a:prstGeom prst="rect">
-            <a:avLst/>
-          </a:prstGeom>
-          <a:ln w="0">
-            <a:noFill/>
-          </a:ln>
-        </p:spPr>
-      </p:pic>
+        </p:nvSpPr>
+        <p:spPr>
+          <a:xfrm>
+            <a:off x="8578800" y="2333160"/>
+            <a:ext cx="2850120" cy="3335400"/>
+          </a:xfrm>
+          <a:prstGeom prst="rect">
+            <a:avLst/>
+          </a:prstGeom>
+          <a:noFill/>
+          <a:ln w="0">
+            <a:noFill/>
+          </a:ln>
+        </p:spPr>
+        <p:style>
+          <a:lnRef idx="0"/>
+          <a:fillRef idx="0"/>
+          <a:effectRef idx="0"/>
+          <a:fontRef idx="minor"/>
+        </p:style>
+        <p:txBody>
+          <a:bodyPr numCol="1" spcCol="0" horzOverflow="overflow" vertOverflow="overflow" lIns="90000" rIns="90000" tIns="45000" bIns="45000" anchor="t">
+            <a:spAutoFit/>
+          </a:bodyPr>
+          <a:p>
+            <a:pPr>
+              <a:lnSpc>
+                <a:spcPct val="100000"/>
+              </a:lnSpc>
+              <a:buNone/>
+            </a:pPr>
+            <a:r>
+              <a:rPr b="1" lang="ru-RU" sz="1800" spc="-1" strike="noStrike">
+                <a:solidFill>
+                  <a:srgbClr val="000000"/>
+                </a:solidFill>
+                <a:latin typeface="Golos Text"/>
+                <a:ea typeface="DejaVu Sans"/>
+              </a:rPr>
+              <a:t>Added variables:</a:t>
+            </a:r>
+            <a:endParaRPr b="0" lang="en-US" sz="1800" spc="-1" strike="noStrike">
+              <a:latin typeface="Arial"/>
+            </a:endParaRPr>
+          </a:p>
+          <a:p>
+            <a:pPr marL="285840" indent="-285840">
+              <a:lnSpc>
+                <a:spcPct val="100000"/>
+              </a:lnSpc>
+              <a:buClr>
+                <a:srgbClr val="000000"/>
+              </a:buClr>
+              <a:buFont typeface="Arial"/>
+              <a:buChar char="•"/>
+            </a:pPr>
+            <a:r>
+              <a:rPr b="0" lang="ru-RU" sz="1800" spc="-1" strike="noStrike">
+                <a:solidFill>
+                  <a:srgbClr val="000000"/>
+                </a:solidFill>
+                <a:latin typeface="Golos Text"/>
+                <a:ea typeface="DejaVu Sans"/>
+              </a:rPr>
+              <a:t>Consumer price index</a:t>
+            </a:r>
+            <a:endParaRPr b="0" lang="en-US" sz="1800" spc="-1" strike="noStrike">
+              <a:latin typeface="Arial"/>
+            </a:endParaRPr>
+          </a:p>
+          <a:p>
+            <a:pPr marL="285840" indent="-285840">
+              <a:lnSpc>
+                <a:spcPct val="100000"/>
+              </a:lnSpc>
+              <a:buClr>
+                <a:srgbClr val="000000"/>
+              </a:buClr>
+              <a:buFont typeface="Arial"/>
+              <a:buChar char="•"/>
+            </a:pPr>
+            <a:r>
+              <a:rPr b="0" lang="ru-RU" sz="1800" spc="-1" strike="noStrike">
+                <a:solidFill>
+                  <a:srgbClr val="000000"/>
+                </a:solidFill>
+                <a:latin typeface="Golos Text"/>
+                <a:ea typeface="DejaVu Sans"/>
+              </a:rPr>
+              <a:t>Consumer price index, food</a:t>
+            </a:r>
+            <a:endParaRPr b="0" lang="en-US" sz="1800" spc="-1" strike="noStrike">
+              <a:latin typeface="Arial"/>
+            </a:endParaRPr>
+          </a:p>
+          <a:p>
+            <a:pPr marL="285840" indent="-285840">
+              <a:lnSpc>
+                <a:spcPct val="100000"/>
+              </a:lnSpc>
+              <a:buClr>
+                <a:srgbClr val="000000"/>
+              </a:buClr>
+              <a:buFont typeface="Arial"/>
+              <a:buChar char="•"/>
+            </a:pPr>
+            <a:r>
+              <a:rPr b="0" lang="ru-RU" sz="1800" spc="-1" strike="noStrike">
+                <a:solidFill>
+                  <a:srgbClr val="000000"/>
+                </a:solidFill>
+                <a:latin typeface="Golos Text"/>
+                <a:ea typeface="DejaVu Sans"/>
+              </a:rPr>
+              <a:t>Consumer price index, services</a:t>
+            </a:r>
+            <a:endParaRPr b="0" lang="en-US" sz="1800" spc="-1" strike="noStrike">
+              <a:latin typeface="Arial"/>
+            </a:endParaRPr>
+          </a:p>
+          <a:p>
+            <a:pPr>
+              <a:lnSpc>
+                <a:spcPct val="100000"/>
+              </a:lnSpc>
+              <a:buNone/>
+            </a:pPr>
+            <a:endParaRPr b="0" lang="en-US" sz="1500" spc="-1" strike="noStrike">
+              <a:latin typeface="Arial"/>
+            </a:endParaRPr>
+          </a:p>
+          <a:p>
+            <a:pPr>
+              <a:lnSpc>
+                <a:spcPct val="100000"/>
+              </a:lnSpc>
+              <a:buNone/>
+            </a:pPr>
+            <a:r>
+              <a:rPr b="0" lang="ru-RU" sz="1800" spc="-1" strike="noStrike">
+                <a:solidFill>
+                  <a:srgbClr val="000000"/>
+                </a:solidFill>
+                <a:latin typeface="Golos Text"/>
+                <a:ea typeface="DejaVu Sans"/>
+              </a:rPr>
+              <a:t>First two topics are negatively correlated with consumption with zero day lag.</a:t>
+            </a:r>
+            <a:endParaRPr b="0" lang="en-US" sz="1800" spc="-1" strike="noStrike">
+              <a:latin typeface="Arial"/>
+            </a:endParaRPr>
+          </a:p>
+        </p:txBody>
+      </p:sp>
     </p:spTree>
   </p:cSld>
   <mc:AlternateContent>
@@ -7556,515 +5988,7 @@
       </p:grpSpPr>
       <p:sp>
         <p:nvSpPr>
-          <p:cNvPr id="151" name="PlaceHolder 1"/>
-          <p:cNvSpPr>
-            <a:spLocks noGrp="1"/>
-          </p:cNvSpPr>
-          <p:nvPr>
-            <p:ph/>
-          </p:nvPr>
-        </p:nvSpPr>
-        <p:spPr>
-          <a:xfrm>
-            <a:off x="609480" y="1412280"/>
-            <a:ext cx="5195160" cy="2311920"/>
-          </a:xfrm>
-          <a:prstGeom prst="rect">
-            <a:avLst/>
-          </a:prstGeom>
-          <a:noFill/>
-          <a:ln w="0">
-            <a:noFill/>
-          </a:ln>
-        </p:spPr>
-        <p:txBody>
-          <a:bodyPr lIns="90000" rIns="90000" tIns="45000" bIns="45000" anchor="t">
-            <a:normAutofit/>
-          </a:bodyPr>
-          <a:p>
-            <a:pPr>
-              <a:lnSpc>
-                <a:spcPct val="100000"/>
-              </a:lnSpc>
-              <a:spcBef>
-                <a:spcPts val="400"/>
-              </a:spcBef>
-              <a:buNone/>
-              <a:tabLst>
-                <a:tab algn="l" pos="0"/>
-              </a:tabLst>
-            </a:pPr>
-            <a:r>
-              <a:rPr b="0" lang="ru-RU" sz="2000" spc="-1" strike="noStrike">
-                <a:solidFill>
-                  <a:srgbClr val="ffffff"/>
-                </a:solidFill>
-                <a:latin typeface="Golos Text"/>
-              </a:rPr>
-              <a:t>Data:</a:t>
-            </a:r>
-            <a:endParaRPr b="0" lang="en-US" sz="2000" spc="-1" strike="noStrike">
-              <a:latin typeface="Arial"/>
-            </a:endParaRPr>
-          </a:p>
-          <a:p>
-            <a:pPr marL="343080" indent="-343080">
-              <a:lnSpc>
-                <a:spcPct val="100000"/>
-              </a:lnSpc>
-              <a:spcBef>
-                <a:spcPts val="371"/>
-              </a:spcBef>
-              <a:buClr>
-                <a:srgbClr val="ffffff"/>
-              </a:buClr>
-              <a:buFont typeface="Arial"/>
-              <a:buChar char="•"/>
-              <a:tabLst>
-                <a:tab algn="l" pos="0"/>
-              </a:tabLst>
-            </a:pPr>
-            <a:r>
-              <a:rPr b="0" lang="ru-RU" sz="1850" spc="-1" strike="noStrike">
-                <a:solidFill>
-                  <a:srgbClr val="ffffff"/>
-                </a:solidFill>
-                <a:latin typeface="Golos Text"/>
-              </a:rPr>
-              <a:t>Transactional data, enhanced with an autoencoder.</a:t>
-            </a:r>
-            <a:endParaRPr b="0" lang="en-US" sz="1850" spc="-1" strike="noStrike">
-              <a:latin typeface="Arial"/>
-            </a:endParaRPr>
-          </a:p>
-          <a:p>
-            <a:pPr marL="343080" indent="-343080">
-              <a:lnSpc>
-                <a:spcPct val="100000"/>
-              </a:lnSpc>
-              <a:spcBef>
-                <a:spcPts val="371"/>
-              </a:spcBef>
-              <a:buClr>
-                <a:srgbClr val="ffffff"/>
-              </a:buClr>
-              <a:buFont typeface="Arial"/>
-              <a:buChar char="•"/>
-              <a:tabLst>
-                <a:tab algn="l" pos="0"/>
-              </a:tabLst>
-            </a:pPr>
-            <a:r>
-              <a:rPr b="0" lang="ru-RU" sz="1850" spc="-1" strike="noStrike">
-                <a:solidFill>
-                  <a:srgbClr val="ffffff"/>
-                </a:solidFill>
-                <a:latin typeface="Golos Text"/>
-              </a:rPr>
-              <a:t>78000 news headings processed with BERTopic.</a:t>
-            </a:r>
-            <a:endParaRPr b="0" lang="en-US" sz="1850" spc="-1" strike="noStrike">
-              <a:latin typeface="Arial"/>
-            </a:endParaRPr>
-          </a:p>
-          <a:p>
-            <a:pPr marL="343080" indent="-343080">
-              <a:lnSpc>
-                <a:spcPct val="100000"/>
-              </a:lnSpc>
-              <a:spcBef>
-                <a:spcPts val="371"/>
-              </a:spcBef>
-              <a:buClr>
-                <a:srgbClr val="ffffff"/>
-              </a:buClr>
-              <a:buFont typeface="Arial"/>
-              <a:buChar char="•"/>
-              <a:tabLst>
-                <a:tab algn="l" pos="0"/>
-              </a:tabLst>
-            </a:pPr>
-            <a:r>
-              <a:rPr b="0" lang="ru-RU" sz="1850" spc="-1" strike="noStrike">
-                <a:solidFill>
-                  <a:srgbClr val="ffffff"/>
-                </a:solidFill>
-                <a:latin typeface="Golos Text"/>
-              </a:rPr>
-              <a:t>Interpolated macroeconomical and COVID data.</a:t>
-            </a:r>
-            <a:endParaRPr b="0" lang="en-US" sz="1850" spc="-1" strike="noStrike">
-              <a:latin typeface="Arial"/>
-            </a:endParaRPr>
-          </a:p>
-        </p:txBody>
-      </p:sp>
-      <p:sp>
-        <p:nvSpPr>
-          <p:cNvPr id="152" name="PlaceHolder 2"/>
-          <p:cNvSpPr>
-            <a:spLocks noGrp="1"/>
-          </p:cNvSpPr>
-          <p:nvPr>
-            <p:ph/>
-          </p:nvPr>
-        </p:nvSpPr>
-        <p:spPr>
-          <a:xfrm>
-            <a:off x="609480" y="4141080"/>
-            <a:ext cx="5195160" cy="2185920"/>
-          </a:xfrm>
-          <a:prstGeom prst="rect">
-            <a:avLst/>
-          </a:prstGeom>
-          <a:noFill/>
-          <a:ln w="0">
-            <a:noFill/>
-          </a:ln>
-        </p:spPr>
-        <p:txBody>
-          <a:bodyPr lIns="90000" rIns="90000" tIns="45000" bIns="45000" anchor="t">
-            <a:normAutofit/>
-          </a:bodyPr>
-          <a:p>
-            <a:pPr>
-              <a:lnSpc>
-                <a:spcPct val="100000"/>
-              </a:lnSpc>
-              <a:spcBef>
-                <a:spcPts val="400"/>
-              </a:spcBef>
-              <a:buNone/>
-              <a:tabLst>
-                <a:tab algn="l" pos="0"/>
-              </a:tabLst>
-            </a:pPr>
-            <a:r>
-              <a:rPr b="0" lang="ru-RU" sz="2000" spc="-1" strike="noStrike">
-                <a:solidFill>
-                  <a:srgbClr val="ffffff"/>
-                </a:solidFill>
-                <a:latin typeface="Golos Text"/>
-              </a:rPr>
-              <a:t>Models:</a:t>
-            </a:r>
-            <a:endParaRPr b="0" lang="en-US" sz="2000" spc="-1" strike="noStrike">
-              <a:latin typeface="Arial"/>
-            </a:endParaRPr>
-          </a:p>
-          <a:p>
-            <a:pPr marL="343080" indent="-343080">
-              <a:lnSpc>
-                <a:spcPct val="100000"/>
-              </a:lnSpc>
-              <a:spcBef>
-                <a:spcPts val="400"/>
-              </a:spcBef>
-              <a:buClr>
-                <a:srgbClr val="ffffff"/>
-              </a:buClr>
-              <a:buFont typeface="Arial"/>
-              <a:buChar char="•"/>
-              <a:tabLst>
-                <a:tab algn="l" pos="0"/>
-              </a:tabLst>
-            </a:pPr>
-            <a:r>
-              <a:rPr b="0" lang="ru-RU" sz="2000" spc="-1" strike="noStrike">
-                <a:solidFill>
-                  <a:srgbClr val="ffffff"/>
-                </a:solidFill>
-                <a:latin typeface="Golos Text"/>
-              </a:rPr>
-              <a:t>Deep dense autoencoder (see report for the architecture)</a:t>
-            </a:r>
-            <a:endParaRPr b="0" lang="en-US" sz="2000" spc="-1" strike="noStrike">
-              <a:latin typeface="Arial"/>
-            </a:endParaRPr>
-          </a:p>
-          <a:p>
-            <a:pPr marL="343080" indent="-343080">
-              <a:lnSpc>
-                <a:spcPct val="100000"/>
-              </a:lnSpc>
-              <a:spcBef>
-                <a:spcPts val="400"/>
-              </a:spcBef>
-              <a:buClr>
-                <a:srgbClr val="ffffff"/>
-              </a:buClr>
-              <a:buFont typeface="Arial"/>
-              <a:buChar char="•"/>
-              <a:tabLst>
-                <a:tab algn="l" pos="0"/>
-              </a:tabLst>
-            </a:pPr>
-            <a:r>
-              <a:rPr b="0" lang="ru-RU" sz="2000" spc="-1" strike="noStrike">
-                <a:solidFill>
-                  <a:srgbClr val="ffffff"/>
-                </a:solidFill>
-                <a:latin typeface="Golos Text"/>
-              </a:rPr>
-              <a:t>BERTopic</a:t>
-            </a:r>
-            <a:endParaRPr b="0" lang="en-US" sz="2000" spc="-1" strike="noStrike">
-              <a:latin typeface="Arial"/>
-            </a:endParaRPr>
-          </a:p>
-          <a:p>
-            <a:pPr marL="343080" indent="-343080">
-              <a:lnSpc>
-                <a:spcPct val="100000"/>
-              </a:lnSpc>
-              <a:spcBef>
-                <a:spcPts val="400"/>
-              </a:spcBef>
-              <a:buClr>
-                <a:srgbClr val="ffffff"/>
-              </a:buClr>
-              <a:buFont typeface="Arial"/>
-              <a:buChar char="•"/>
-              <a:tabLst>
-                <a:tab algn="l" pos="0"/>
-              </a:tabLst>
-            </a:pPr>
-            <a:r>
-              <a:rPr b="0" lang="ru-RU" sz="2000" spc="-1" strike="noStrike">
-                <a:solidFill>
-                  <a:srgbClr val="ffffff"/>
-                </a:solidFill>
-                <a:latin typeface="Golos Text"/>
-              </a:rPr>
-              <a:t>ARIMAX</a:t>
-            </a:r>
-            <a:endParaRPr b="0" lang="en-US" sz="2000" spc="-1" strike="noStrike">
-              <a:latin typeface="Arial"/>
-            </a:endParaRPr>
-          </a:p>
-        </p:txBody>
-      </p:sp>
-      <p:sp>
-        <p:nvSpPr>
-          <p:cNvPr id="153" name="PlaceHolder 3"/>
-          <p:cNvSpPr>
-            <a:spLocks noGrp="1"/>
-          </p:cNvSpPr>
-          <p:nvPr>
-            <p:ph/>
-          </p:nvPr>
-        </p:nvSpPr>
-        <p:spPr>
-          <a:xfrm>
-            <a:off x="6386400" y="1412280"/>
-            <a:ext cx="4842000" cy="4914720"/>
-          </a:xfrm>
-          <a:prstGeom prst="rect">
-            <a:avLst/>
-          </a:prstGeom>
-          <a:noFill/>
-          <a:ln w="0">
-            <a:noFill/>
-          </a:ln>
-        </p:spPr>
-        <p:txBody>
-          <a:bodyPr lIns="90000" rIns="90000" tIns="45000" bIns="45000" anchor="t">
-            <a:normAutofit fontScale="88000"/>
-          </a:bodyPr>
-          <a:p>
-            <a:pPr>
-              <a:lnSpc>
-                <a:spcPct val="100000"/>
-              </a:lnSpc>
-              <a:spcBef>
-                <a:spcPts val="400"/>
-              </a:spcBef>
-              <a:buNone/>
-              <a:tabLst>
-                <a:tab algn="l" pos="0"/>
-              </a:tabLst>
-            </a:pPr>
-            <a:r>
-              <a:rPr b="0" lang="ru-RU" sz="2000" spc="-1" strike="noStrike">
-                <a:solidFill>
-                  <a:srgbClr val="ffffff"/>
-                </a:solidFill>
-                <a:latin typeface="Golos Text"/>
-              </a:rPr>
-              <a:t>Findings:</a:t>
-            </a:r>
-            <a:endParaRPr b="0" lang="en-US" sz="2000" spc="-1" strike="noStrike">
-              <a:latin typeface="Arial"/>
-            </a:endParaRPr>
-          </a:p>
-          <a:p>
-            <a:pPr marL="343080" indent="-343080">
-              <a:lnSpc>
-                <a:spcPct val="100000"/>
-              </a:lnSpc>
-              <a:spcBef>
-                <a:spcPts val="400"/>
-              </a:spcBef>
-              <a:buClr>
-                <a:srgbClr val="ffffff"/>
-              </a:buClr>
-              <a:buFont typeface="Arial"/>
-              <a:buChar char="•"/>
-              <a:tabLst>
-                <a:tab algn="l" pos="0"/>
-              </a:tabLst>
-            </a:pPr>
-            <a:r>
-              <a:rPr b="0" lang="ru-RU" sz="2000" spc="-1" strike="noStrike">
-                <a:solidFill>
-                  <a:srgbClr val="ffffff"/>
-                </a:solidFill>
-                <a:latin typeface="Golos Text"/>
-              </a:rPr>
-              <a:t>Mining and processing methods as well as ARIMAX models were implemented in Python3.</a:t>
-            </a:r>
-            <a:endParaRPr b="0" lang="en-US" sz="2000" spc="-1" strike="noStrike">
-              <a:latin typeface="Arial"/>
-            </a:endParaRPr>
-          </a:p>
-          <a:p>
-            <a:pPr marL="343080" indent="-343080">
-              <a:lnSpc>
-                <a:spcPct val="100000"/>
-              </a:lnSpc>
-              <a:spcBef>
-                <a:spcPts val="400"/>
-              </a:spcBef>
-              <a:buClr>
-                <a:srgbClr val="ffffff"/>
-              </a:buClr>
-              <a:buFont typeface="Arial"/>
-              <a:buChar char="•"/>
-              <a:tabLst>
-                <a:tab algn="l" pos="0"/>
-              </a:tabLst>
-            </a:pPr>
-            <a:r>
-              <a:rPr b="0" lang="ru-RU" sz="2000" spc="-1" strike="noStrike">
-                <a:solidFill>
-                  <a:srgbClr val="ffffff"/>
-                </a:solidFill>
-                <a:latin typeface="Golos Text"/>
-              </a:rPr>
-              <a:t>Some consumption categories show dependency on context such as news. The best predictions are achieved when context is carefully selected.</a:t>
-            </a:r>
-            <a:endParaRPr b="0" lang="en-US" sz="2000" spc="-1" strike="noStrike">
-              <a:latin typeface="Arial"/>
-            </a:endParaRPr>
-          </a:p>
-          <a:p>
-            <a:pPr marL="343080" indent="-343080">
-              <a:lnSpc>
-                <a:spcPct val="100000"/>
-              </a:lnSpc>
-              <a:spcBef>
-                <a:spcPts val="400"/>
-              </a:spcBef>
-              <a:buClr>
-                <a:srgbClr val="ffffff"/>
-              </a:buClr>
-              <a:buFont typeface="Arial"/>
-              <a:buChar char="•"/>
-              <a:tabLst>
-                <a:tab algn="l" pos="0"/>
-              </a:tabLst>
-            </a:pPr>
-            <a:r>
-              <a:rPr b="0" lang="ru-RU" sz="2000" spc="-1" strike="noStrike">
-                <a:solidFill>
-                  <a:srgbClr val="ffffff"/>
-                </a:solidFill>
-                <a:latin typeface="Golos Text"/>
-              </a:rPr>
-              <a:t>Time-lagged cross-correlation can be used to confirm or refuse causal hypotheses.</a:t>
-            </a:r>
-            <a:endParaRPr b="0" lang="en-US" sz="2000" spc="-1" strike="noStrike">
-              <a:latin typeface="Arial"/>
-            </a:endParaRPr>
-          </a:p>
-          <a:p>
-            <a:pPr>
-              <a:lnSpc>
-                <a:spcPct val="100000"/>
-              </a:lnSpc>
-              <a:spcBef>
-                <a:spcPts val="400"/>
-              </a:spcBef>
-              <a:buNone/>
-              <a:tabLst>
-                <a:tab algn="l" pos="0"/>
-              </a:tabLst>
-            </a:pPr>
-            <a:endParaRPr b="0" lang="en-US" sz="2000" spc="-1" strike="noStrike">
-              <a:latin typeface="Arial"/>
-            </a:endParaRPr>
-          </a:p>
-          <a:p>
-            <a:pPr>
-              <a:lnSpc>
-                <a:spcPct val="100000"/>
-              </a:lnSpc>
-              <a:spcBef>
-                <a:spcPts val="400"/>
-              </a:spcBef>
-              <a:buNone/>
-              <a:tabLst>
-                <a:tab algn="l" pos="0"/>
-              </a:tabLst>
-            </a:pPr>
-            <a:r>
-              <a:rPr b="0" lang="ru-RU" sz="2000" spc="-1" strike="noStrike">
-                <a:solidFill>
-                  <a:srgbClr val="ffffff"/>
-                </a:solidFill>
-                <a:latin typeface="Golos Text"/>
-              </a:rPr>
-              <a:t>Conclusion:</a:t>
-            </a:r>
-            <a:endParaRPr b="0" lang="en-US" sz="2000" spc="-1" strike="noStrike">
-              <a:latin typeface="Arial"/>
-            </a:endParaRPr>
-          </a:p>
-          <a:p>
-            <a:pPr marL="343080" indent="-343080">
-              <a:lnSpc>
-                <a:spcPct val="100000"/>
-              </a:lnSpc>
-              <a:spcBef>
-                <a:spcPts val="400"/>
-              </a:spcBef>
-              <a:buClr>
-                <a:srgbClr val="ffffff"/>
-              </a:buClr>
-              <a:buFont typeface="Arial"/>
-              <a:buChar char="•"/>
-              <a:tabLst>
-                <a:tab algn="l" pos="0"/>
-              </a:tabLst>
-            </a:pPr>
-            <a:r>
-              <a:rPr b="0" lang="ru-RU" sz="2000" spc="-1" strike="noStrike">
-                <a:solidFill>
-                  <a:srgbClr val="ffffff"/>
-                </a:solidFill>
-                <a:latin typeface="Golos Text"/>
-              </a:rPr>
-              <a:t>The Individual task was fully completed, although further research is needed.</a:t>
-            </a:r>
-            <a:endParaRPr b="0" lang="en-US" sz="2000" spc="-1" strike="noStrike">
-              <a:latin typeface="Arial"/>
-            </a:endParaRPr>
-          </a:p>
-        </p:txBody>
-      </p:sp>
-      <p:sp>
-        <p:nvSpPr>
-          <p:cNvPr id="154" name="PlaceHolder 4"/>
+          <p:cNvPr id="110" name="PlaceHolder 1"/>
           <p:cNvSpPr>
             <a:spLocks noGrp="1"/>
           </p:cNvSpPr>
@@ -8075,7 +5999,7 @@
         <p:spPr>
           <a:xfrm>
             <a:off x="609480" y="408600"/>
-            <a:ext cx="8388000" cy="702000"/>
+            <a:ext cx="9097200" cy="701280"/>
           </a:xfrm>
           <a:prstGeom prst="rect">
             <a:avLst/>
@@ -8087,7 +6011,7 @@
         </p:spPr>
         <p:txBody>
           <a:bodyPr lIns="90000" rIns="90000" tIns="45000" bIns="45000" anchor="ctr">
-            <a:normAutofit fontScale="94000"/>
+            <a:noAutofit/>
           </a:bodyPr>
           <a:p>
             <a:pPr>
@@ -8097,20 +6021,95 @@
               <a:buNone/>
             </a:pPr>
             <a:r>
-              <a:rPr b="1" lang="ru-RU" sz="4250" spc="-1" strike="noStrike">
+              <a:rPr b="1" lang="ru-RU" sz="2800" spc="-1" strike="noStrike">
+                <a:solidFill>
+                  <a:srgbClr val="ffffff"/>
+                </a:solidFill>
+                <a:latin typeface="Golos Text DemiBold"/>
+              </a:rPr>
+              <a:t>Consumption and context cross-correlation</a:t>
+            </a:r>
+            <a:endParaRPr b="0" lang="en-US" sz="2800" spc="-1" strike="noStrike">
+              <a:latin typeface="Arial"/>
+            </a:endParaRPr>
+          </a:p>
+        </p:txBody>
+      </p:sp>
+      <p:sp>
+        <p:nvSpPr>
+          <p:cNvPr id="111" name="TextBox 5"/>
+          <p:cNvSpPr/>
+          <p:nvPr/>
+        </p:nvSpPr>
+        <p:spPr>
+          <a:xfrm>
+            <a:off x="3582000" y="5486400"/>
+            <a:ext cx="5126040" cy="363960"/>
+          </a:xfrm>
+          <a:prstGeom prst="rect">
+            <a:avLst/>
+          </a:prstGeom>
+          <a:noFill/>
+          <a:ln w="0">
+            <a:noFill/>
+          </a:ln>
+        </p:spPr>
+        <p:style>
+          <a:lnRef idx="0"/>
+          <a:fillRef idx="0"/>
+          <a:effectRef idx="0"/>
+          <a:fontRef idx="minor"/>
+        </p:style>
+        <p:txBody>
+          <a:bodyPr numCol="1" spcCol="0" horzOverflow="overflow" vertOverflow="overflow" lIns="90000" rIns="90000" tIns="45000" bIns="45000" anchor="t">
+            <a:spAutoFit/>
+          </a:bodyPr>
+          <a:p>
+            <a:pPr>
+              <a:lnSpc>
+                <a:spcPct val="100000"/>
+              </a:lnSpc>
+              <a:buNone/>
+            </a:pPr>
+            <a:r>
+              <a:rPr b="0" i="1" lang="ru-RU" sz="1800" spc="-1" strike="noStrike">
                 <a:solidFill>
                   <a:srgbClr val="000000"/>
                 </a:solidFill>
-                <a:latin typeface="Golos Text DemiBold"/>
+                <a:latin typeface="Golos Text"/>
+                <a:ea typeface="DejaVu Sans"/>
               </a:rPr>
-              <a:t>Findings &amp; conclusion</a:t>
+              <a:t>Lag in days and Pearson cross-correlation</a:t>
             </a:r>
-            <a:endParaRPr b="0" lang="en-US" sz="4250" spc="-1" strike="noStrike">
-              <a:latin typeface="Arial"/>
-            </a:endParaRPr>
-          </a:p>
-        </p:txBody>
-      </p:sp>
+            <a:endParaRPr b="0" lang="en-US" sz="1800" spc="-1" strike="noStrike">
+              <a:latin typeface="Arial"/>
+            </a:endParaRPr>
+          </a:p>
+        </p:txBody>
+      </p:sp>
+      <p:pic>
+        <p:nvPicPr>
+          <p:cNvPr id="112" name="" descr=""/>
+          <p:cNvPicPr/>
+          <p:nvPr/>
+        </p:nvPicPr>
+        <p:blipFill>
+          <a:blip r:embed="rId1"/>
+          <a:stretch/>
+        </p:blipFill>
+        <p:spPr>
+          <a:xfrm>
+            <a:off x="559800" y="2057400"/>
+            <a:ext cx="11097720" cy="3381480"/>
+          </a:xfrm>
+          <a:prstGeom prst="rect">
+            <a:avLst/>
+          </a:prstGeom>
+          <a:ln w="0">
+            <a:noFill/>
+          </a:ln>
+        </p:spPr>
+      </p:pic>
     </p:spTree>
   </p:cSld>
   <mc:AlternateContent>
@@ -8574,230 +6573,4 @@
     </a:fmtScheme>
   </a:themeElements>
 </a:theme>
-</file>
-
-<file path=ppt/theme/theme3.xml><?xml version="1.0" encoding="utf-8"?>
-<a:theme xmlns:a="http://schemas.openxmlformats.org/drawingml/2006/main" name="Office Theme">
-  <a:themeElements>
-    <a:clrScheme name="Office">
-      <a:dk1>
-        <a:sysClr val="windowText" lastClr="000000"/>
-      </a:dk1>
-      <a:lt1>
-        <a:sysClr val="window" lastClr="FFFFFF"/>
-      </a:lt1>
-      <a:dk2>
-        <a:srgbClr val="000000"/>
-      </a:dk2>
-      <a:lt2>
-        <a:srgbClr val="f8f8f8"/>
-      </a:lt2>
-      <a:accent1>
-        <a:srgbClr val="ec0b43"/>
-      </a:accent1>
-      <a:accent2>
-        <a:srgbClr val="b2b2b2"/>
-      </a:accent2>
-      <a:accent3>
-        <a:srgbClr val="969696"/>
-      </a:accent3>
-      <a:accent4>
-        <a:srgbClr val="808080"/>
-      </a:accent4>
-      <a:accent5>
-        <a:srgbClr val="5f5f5f"/>
-      </a:accent5>
-      <a:accent6>
-        <a:srgbClr val="4d4d4d"/>
-      </a:accent6>
-      <a:hlink>
-        <a:srgbClr val="5f5f5f"/>
-      </a:hlink>
-      <a:folHlink>
-        <a:srgbClr val="919191"/>
-      </a:folHlink>
-    </a:clrScheme>
-    <a:fontScheme name="Office">
-      <a:majorFont>
-        <a:latin typeface="Arial"/>
-        <a:ea typeface="DejaVu Sans"/>
-        <a:cs typeface="DejaVu Sans"/>
-      </a:majorFont>
-      <a:minorFont>
-        <a:latin typeface="Arial"/>
-        <a:ea typeface="DejaVu Sans"/>
-        <a:cs typeface="DejaVu Sans"/>
-      </a:minorFont>
-    </a:fontScheme>
-    <a:fmtScheme name="Office">
-      <a:fillStyleLst>
-        <a:solidFill>
-          <a:schemeClr val="phClr"/>
-        </a:solidFill>
-        <a:gradFill rotWithShape="1">
-          <a:gsLst>
-            <a:gs pos="0">
-              <a:schemeClr val="phClr">
-                <a:tint val="50000"/>
-                <a:satMod val="300000"/>
-              </a:schemeClr>
-            </a:gs>
-            <a:gs pos="35000">
-              <a:schemeClr val="phClr">
-                <a:tint val="37000"/>
-                <a:satMod val="300000"/>
-              </a:schemeClr>
-            </a:gs>
-            <a:gs pos="100000">
-              <a:schemeClr val="phClr">
-                <a:tint val="15000"/>
-                <a:satMod val="350000"/>
-              </a:schemeClr>
-            </a:gs>
-          </a:gsLst>
-          <a:lin ang="16200000" scaled="1"/>
-        </a:gradFill>
-        <a:gradFill rotWithShape="1">
-          <a:gsLst>
-            <a:gs pos="0">
-              <a:schemeClr val="phClr">
-                <a:shade val="51000"/>
-                <a:satMod val="130000"/>
-              </a:schemeClr>
-            </a:gs>
-            <a:gs pos="80000">
-              <a:schemeClr val="phClr">
-                <a:shade val="93000"/>
-                <a:satMod val="130000"/>
-              </a:schemeClr>
-            </a:gs>
-            <a:gs pos="100000">
-              <a:schemeClr val="phClr">
-                <a:shade val="94000"/>
-                <a:satMod val="135000"/>
-              </a:schemeClr>
-            </a:gs>
-          </a:gsLst>
-          <a:lin ang="16200000" scaled="0"/>
-        </a:gradFill>
-      </a:fillStyleLst>
-      <a:lnStyleLst>
-        <a:ln w="9525" cap="flat" cmpd="sng" algn="ctr">
-          <a:solidFill>
-            <a:schemeClr val="phClr">
-              <a:shade val="95000"/>
-              <a:satMod val="105000"/>
-            </a:schemeClr>
-          </a:solidFill>
-          <a:prstDash val="solid"/>
-          <a:miter/>
-        </a:ln>
-        <a:ln w="25400" cap="flat" cmpd="sng" algn="ctr">
-          <a:solidFill>
-            <a:schemeClr val="phClr"/>
-          </a:solidFill>
-          <a:prstDash val="solid"/>
-          <a:miter/>
-        </a:ln>
-        <a:ln w="38100" cap="flat" cmpd="sng" algn="ctr">
-          <a:solidFill>
-            <a:schemeClr val="phClr"/>
-          </a:solidFill>
-          <a:prstDash val="solid"/>
-          <a:miter/>
-        </a:ln>
-      </a:lnStyleLst>
-      <a:effectStyleLst>
-        <a:effectStyle>
-          <a:effectLst>
-            <a:outerShdw blurRad="40000" dist="20000" dir="5400000" rotWithShape="0">
-              <a:srgbClr val="000000">
-                <a:alpha val="38000"/>
-              </a:srgbClr>
-            </a:outerShdw>
-          </a:effectLst>
-        </a:effectStyle>
-        <a:effectStyle>
-          <a:effectLst>
-            <a:outerShdw blurRad="40000" dist="23000" dir="5400000" rotWithShape="0">
-              <a:srgbClr val="000000">
-                <a:alpha val="35000"/>
-              </a:srgbClr>
-            </a:outerShdw>
-          </a:effectLst>
-        </a:effectStyle>
-        <a:effectStyle>
-          <a:effectLst>
-            <a:outerShdw blurRad="40000" dist="23000" dir="5400000" rotWithShape="0">
-              <a:srgbClr val="000000">
-                <a:alpha val="35000"/>
-              </a:srgbClr>
-            </a:outerShdw>
-          </a:effectLst>
-          <a:scene3d>
-            <a:camera prst="orthographicFront">
-              <a:rot lat="0" lon="0" rev="0"/>
-            </a:camera>
-            <a:lightRig rig="threePt" dir="t">
-              <a:rot lat="0" lon="0" rev="1200000"/>
-            </a:lightRig>
-          </a:scene3d>
-          <a:sp3d>
-            <a:bevelT w="63500" h="25400"/>
-          </a:sp3d>
-        </a:effectStyle>
-      </a:effectStyleLst>
-      <a:bgFillStyleLst>
-        <a:solidFill>
-          <a:schemeClr val="phClr"/>
-        </a:solidFill>
-        <a:gradFill rotWithShape="1">
-          <a:gsLst>
-            <a:gs pos="0">
-              <a:schemeClr val="phClr">
-                <a:tint val="40000"/>
-                <a:satMod val="350000"/>
-              </a:schemeClr>
-            </a:gs>
-            <a:gs pos="40000">
-              <a:schemeClr val="phClr">
-                <a:tint val="45000"/>
-                <a:shade val="99000"/>
-                <a:satMod val="350000"/>
-              </a:schemeClr>
-            </a:gs>
-            <a:gs pos="100000">
-              <a:schemeClr val="phClr">
-                <a:shade val="20000"/>
-                <a:satMod val="255000"/>
-              </a:schemeClr>
-            </a:gs>
-          </a:gsLst>
-          <a:path path="circle">
-            <a:fillToRect l="50000" t="-80000" r="50000" b="180000"/>
-          </a:path>
-        </a:gradFill>
-        <a:gradFill rotWithShape="1">
-          <a:gsLst>
-            <a:gs pos="0">
-              <a:schemeClr val="phClr">
-                <a:tint val="80000"/>
-                <a:satMod val="300000"/>
-              </a:schemeClr>
-            </a:gs>
-            <a:gs pos="100000">
-              <a:schemeClr val="phClr">
-                <a:shade val="30000"/>
-                <a:satMod val="200000"/>
-              </a:schemeClr>
-            </a:gs>
-          </a:gsLst>
-          <a:path path="circle">
-            <a:fillToRect l="50000" t="50000" r="50000" b="50000"/>
-          </a:path>
-        </a:gradFill>
-      </a:bgFillStyleLst>
-    </a:fmtScheme>
-  </a:themeElements>
-</a:theme>
 </file>
--- a/Grig-nir-1.pptx
+++ b/Grig-nir-1.pptx
@@ -17,6 +17,8 @@
     <p:sldId id="264" r:id="rId12"/>
     <p:sldId id="265" r:id="rId13"/>
     <p:sldId id="266" r:id="rId14"/>
+    <p:sldId id="267" r:id="rId15"/>
+    <p:sldId id="268" r:id="rId16"/>
   </p:sldIdLst>
   <p:sldSz cx="12192000" cy="6858000"/>
   <p:notesSz cx="7559675" cy="10691813"/>
@@ -647,6 +649,26 @@
           <a:chExt cx="0" cy="0"/>
         </a:xfrm>
       </p:grpSpPr>
+      <p:sp>
+        <p:nvSpPr>
+          <p:cNvPr id="2" name="PlaceHolder 1"/>
+          <p:cNvSpPr>
+            <a:spLocks noGrp="1"/>
+          </p:cNvSpPr>
+          <p:nvPr>
+            <p:ph type="sldNum" idx="1"/>
+          </p:nvPr>
+        </p:nvSpPr>
+        <p:spPr/>
+        <p:txBody>
+          <a:bodyPr/>
+          <a:p>
+            <a:fld id="{2E7E47C2-75AD-41E6-9848-7F0987C3161C}" type="slidenum">
+              <a:t>&lt;#&gt;</a:t>
+            </a:fld>
+          </a:p>
+        </p:txBody>
+      </p:sp>
     </p:spTree>
   </p:cSld>
 </p:sldLayout>
@@ -671,7 +693,7 @@
       </p:grpSpPr>
       <p:sp>
         <p:nvSpPr>
-          <p:cNvPr id="48" name="PlaceHolder 1"/>
+          <p:cNvPr id="49" name="PlaceHolder 1"/>
           <p:cNvSpPr>
             <a:spLocks noGrp="1"/>
           </p:cNvSpPr>
@@ -708,7 +730,7 @@
       </p:sp>
       <p:sp>
         <p:nvSpPr>
-          <p:cNvPr id="49" name="PlaceHolder 2"/>
+          <p:cNvPr id="50" name="PlaceHolder 2"/>
           <p:cNvSpPr>
             <a:spLocks noGrp="1"/>
           </p:cNvSpPr>
@@ -740,6 +762,26 @@
             <a:endParaRPr b="0" lang="en-US" sz="3200" spc="-1" strike="noStrike">
               <a:latin typeface="Arial"/>
             </a:endParaRPr>
+          </a:p>
+        </p:txBody>
+      </p:sp>
+      <p:sp>
+        <p:nvSpPr>
+          <p:cNvPr id="4" name="PlaceHolder 3"/>
+          <p:cNvSpPr>
+            <a:spLocks noGrp="1"/>
+          </p:cNvSpPr>
+          <p:nvPr>
+            <p:ph type="sldNum" idx="1"/>
+          </p:nvPr>
+        </p:nvSpPr>
+        <p:spPr/>
+        <p:txBody>
+          <a:bodyPr/>
+          <a:p>
+            <a:fld id="{A72EDD42-ABDF-4C78-A301-EE5F48DDA9F8}" type="slidenum">
+              <a:t>&lt;#&gt;</a:t>
+            </a:fld>
           </a:p>
         </p:txBody>
       </p:sp>
@@ -767,7 +809,7 @@
       </p:grpSpPr>
       <p:sp>
         <p:nvSpPr>
-          <p:cNvPr id="50" name="PlaceHolder 1"/>
+          <p:cNvPr id="51" name="PlaceHolder 1"/>
           <p:cNvSpPr>
             <a:spLocks noGrp="1"/>
           </p:cNvSpPr>
@@ -804,7 +846,7 @@
       </p:sp>
       <p:sp>
         <p:nvSpPr>
-          <p:cNvPr id="51" name="PlaceHolder 2"/>
+          <p:cNvPr id="52" name="PlaceHolder 2"/>
           <p:cNvSpPr>
             <a:spLocks noGrp="1"/>
           </p:cNvSpPr>
@@ -833,6 +875,26 @@
             <a:endParaRPr b="0" lang="en-US" sz="3200" spc="-1" strike="noStrike">
               <a:latin typeface="Arial"/>
             </a:endParaRPr>
+          </a:p>
+        </p:txBody>
+      </p:sp>
+      <p:sp>
+        <p:nvSpPr>
+          <p:cNvPr id="4" name="PlaceHolder 3"/>
+          <p:cNvSpPr>
+            <a:spLocks noGrp="1"/>
+          </p:cNvSpPr>
+          <p:nvPr>
+            <p:ph type="sldNum" idx="1"/>
+          </p:nvPr>
+        </p:nvSpPr>
+        <p:spPr/>
+        <p:txBody>
+          <a:bodyPr/>
+          <a:p>
+            <a:fld id="{C17C2A94-4EC7-4214-AD30-AD28C2B94044}" type="slidenum">
+              <a:t>&lt;#&gt;</a:t>
+            </a:fld>
           </a:p>
         </p:txBody>
       </p:sp>
@@ -860,7 +922,7 @@
       </p:grpSpPr>
       <p:sp>
         <p:nvSpPr>
-          <p:cNvPr id="52" name="PlaceHolder 1"/>
+          <p:cNvPr id="53" name="PlaceHolder 1"/>
           <p:cNvSpPr>
             <a:spLocks noGrp="1"/>
           </p:cNvSpPr>
@@ -897,7 +959,7 @@
       </p:sp>
       <p:sp>
         <p:nvSpPr>
-          <p:cNvPr id="53" name="PlaceHolder 2"/>
+          <p:cNvPr id="54" name="PlaceHolder 2"/>
           <p:cNvSpPr>
             <a:spLocks noGrp="1"/>
           </p:cNvSpPr>
@@ -931,7 +993,7 @@
       </p:sp>
       <p:sp>
         <p:nvSpPr>
-          <p:cNvPr id="54" name="PlaceHolder 3"/>
+          <p:cNvPr id="55" name="PlaceHolder 3"/>
           <p:cNvSpPr>
             <a:spLocks noGrp="1"/>
           </p:cNvSpPr>
@@ -960,6 +1022,26 @@
             <a:endParaRPr b="0" lang="en-US" sz="3200" spc="-1" strike="noStrike">
               <a:latin typeface="Arial"/>
             </a:endParaRPr>
+          </a:p>
+        </p:txBody>
+      </p:sp>
+      <p:sp>
+        <p:nvSpPr>
+          <p:cNvPr id="5" name="PlaceHolder 4"/>
+          <p:cNvSpPr>
+            <a:spLocks noGrp="1"/>
+          </p:cNvSpPr>
+          <p:nvPr>
+            <p:ph type="sldNum" idx="1"/>
+          </p:nvPr>
+        </p:nvSpPr>
+        <p:spPr/>
+        <p:txBody>
+          <a:bodyPr/>
+          <a:p>
+            <a:fld id="{8A6E4573-4A4C-44F1-8292-C6AD6AFE78B7}" type="slidenum">
+              <a:t>&lt;#&gt;</a:t>
+            </a:fld>
           </a:p>
         </p:txBody>
       </p:sp>
@@ -987,7 +1069,7 @@
       </p:grpSpPr>
       <p:sp>
         <p:nvSpPr>
-          <p:cNvPr id="55" name="PlaceHolder 1"/>
+          <p:cNvPr id="56" name="PlaceHolder 1"/>
           <p:cNvSpPr>
             <a:spLocks noGrp="1"/>
           </p:cNvSpPr>
@@ -1019,6 +1101,26 @@
             <a:endParaRPr b="0" lang="en-US" sz="4400" spc="-1" strike="noStrike">
               <a:latin typeface="Arial"/>
             </a:endParaRPr>
+          </a:p>
+        </p:txBody>
+      </p:sp>
+      <p:sp>
+        <p:nvSpPr>
+          <p:cNvPr id="3" name="PlaceHolder 2"/>
+          <p:cNvSpPr>
+            <a:spLocks noGrp="1"/>
+          </p:cNvSpPr>
+          <p:nvPr>
+            <p:ph type="sldNum" idx="1"/>
+          </p:nvPr>
+        </p:nvSpPr>
+        <p:spPr/>
+        <p:txBody>
+          <a:bodyPr/>
+          <a:p>
+            <a:fld id="{36B59956-8A0E-4DBF-9B4C-B77CE7DC7F95}" type="slidenum">
+              <a:t>&lt;#&gt;</a:t>
+            </a:fld>
           </a:p>
         </p:txBody>
       </p:sp>
@@ -1046,7 +1148,7 @@
       </p:grpSpPr>
       <p:sp>
         <p:nvSpPr>
-          <p:cNvPr id="56" name="PlaceHolder 1"/>
+          <p:cNvPr id="57" name="PlaceHolder 1"/>
           <p:cNvSpPr>
             <a:spLocks noGrp="1"/>
           </p:cNvSpPr>
@@ -1078,6 +1180,26 @@
             <a:endParaRPr b="0" lang="en-US" sz="3200" spc="-1" strike="noStrike">
               <a:latin typeface="Arial"/>
             </a:endParaRPr>
+          </a:p>
+        </p:txBody>
+      </p:sp>
+      <p:sp>
+        <p:nvSpPr>
+          <p:cNvPr id="3" name="PlaceHolder 2"/>
+          <p:cNvSpPr>
+            <a:spLocks noGrp="1"/>
+          </p:cNvSpPr>
+          <p:nvPr>
+            <p:ph type="sldNum" idx="1"/>
+          </p:nvPr>
+        </p:nvSpPr>
+        <p:spPr/>
+        <p:txBody>
+          <a:bodyPr/>
+          <a:p>
+            <a:fld id="{0A72EF76-9CF6-415F-B506-75780C2EA0D7}" type="slidenum">
+              <a:t>&lt;#&gt;</a:t>
+            </a:fld>
           </a:p>
         </p:txBody>
       </p:sp>
@@ -1105,7 +1227,7 @@
       </p:grpSpPr>
       <p:sp>
         <p:nvSpPr>
-          <p:cNvPr id="57" name="PlaceHolder 1"/>
+          <p:cNvPr id="58" name="PlaceHolder 1"/>
           <p:cNvSpPr>
             <a:spLocks noGrp="1"/>
           </p:cNvSpPr>
@@ -1142,7 +1264,7 @@
       </p:sp>
       <p:sp>
         <p:nvSpPr>
-          <p:cNvPr id="58" name="PlaceHolder 2"/>
+          <p:cNvPr id="59" name="PlaceHolder 2"/>
           <p:cNvSpPr>
             <a:spLocks noGrp="1"/>
           </p:cNvSpPr>
@@ -1176,7 +1298,7 @@
       </p:sp>
       <p:sp>
         <p:nvSpPr>
-          <p:cNvPr id="59" name="PlaceHolder 3"/>
+          <p:cNvPr id="60" name="PlaceHolder 3"/>
           <p:cNvSpPr>
             <a:spLocks noGrp="1"/>
           </p:cNvSpPr>
@@ -1210,7 +1332,7 @@
       </p:sp>
       <p:sp>
         <p:nvSpPr>
-          <p:cNvPr id="60" name="PlaceHolder 4"/>
+          <p:cNvPr id="61" name="PlaceHolder 4"/>
           <p:cNvSpPr>
             <a:spLocks noGrp="1"/>
           </p:cNvSpPr>
@@ -1239,6 +1361,26 @@
             <a:endParaRPr b="0" lang="en-US" sz="3200" spc="-1" strike="noStrike">
               <a:latin typeface="Arial"/>
             </a:endParaRPr>
+          </a:p>
+        </p:txBody>
+      </p:sp>
+      <p:sp>
+        <p:nvSpPr>
+          <p:cNvPr id="6" name="PlaceHolder 5"/>
+          <p:cNvSpPr>
+            <a:spLocks noGrp="1"/>
+          </p:cNvSpPr>
+          <p:nvPr>
+            <p:ph type="sldNum" idx="1"/>
+          </p:nvPr>
+        </p:nvSpPr>
+        <p:spPr/>
+        <p:txBody>
+          <a:bodyPr/>
+          <a:p>
+            <a:fld id="{AE27F50C-3A06-4C6B-B884-6E9A43F030A3}" type="slidenum">
+              <a:t>&lt;#&gt;</a:t>
+            </a:fld>
           </a:p>
         </p:txBody>
       </p:sp>
@@ -1362,7 +1504,7 @@
       </p:grpSpPr>
       <p:sp>
         <p:nvSpPr>
-          <p:cNvPr id="61" name="PlaceHolder 1"/>
+          <p:cNvPr id="62" name="PlaceHolder 1"/>
           <p:cNvSpPr>
             <a:spLocks noGrp="1"/>
           </p:cNvSpPr>
@@ -1399,7 +1541,7 @@
       </p:sp>
       <p:sp>
         <p:nvSpPr>
-          <p:cNvPr id="62" name="PlaceHolder 2"/>
+          <p:cNvPr id="63" name="PlaceHolder 2"/>
           <p:cNvSpPr>
             <a:spLocks noGrp="1"/>
           </p:cNvSpPr>
@@ -1433,7 +1575,7 @@
       </p:sp>
       <p:sp>
         <p:nvSpPr>
-          <p:cNvPr id="63" name="PlaceHolder 3"/>
+          <p:cNvPr id="64" name="PlaceHolder 3"/>
           <p:cNvSpPr>
             <a:spLocks noGrp="1"/>
           </p:cNvSpPr>
@@ -1467,7 +1609,7 @@
       </p:sp>
       <p:sp>
         <p:nvSpPr>
-          <p:cNvPr id="64" name="PlaceHolder 4"/>
+          <p:cNvPr id="65" name="PlaceHolder 4"/>
           <p:cNvSpPr>
             <a:spLocks noGrp="1"/>
           </p:cNvSpPr>
@@ -1496,6 +1638,26 @@
             <a:endParaRPr b="0" lang="en-US" sz="3200" spc="-1" strike="noStrike">
               <a:latin typeface="Arial"/>
             </a:endParaRPr>
+          </a:p>
+        </p:txBody>
+      </p:sp>
+      <p:sp>
+        <p:nvSpPr>
+          <p:cNvPr id="6" name="PlaceHolder 5"/>
+          <p:cNvSpPr>
+            <a:spLocks noGrp="1"/>
+          </p:cNvSpPr>
+          <p:nvPr>
+            <p:ph type="sldNum" idx="1"/>
+          </p:nvPr>
+        </p:nvSpPr>
+        <p:spPr/>
+        <p:txBody>
+          <a:bodyPr/>
+          <a:p>
+            <a:fld id="{7C0A530B-6690-4A49-8BB4-C06C2AA00193}" type="slidenum">
+              <a:t>&lt;#&gt;</a:t>
+            </a:fld>
           </a:p>
         </p:txBody>
       </p:sp>
@@ -1523,7 +1685,7 @@
       </p:grpSpPr>
       <p:sp>
         <p:nvSpPr>
-          <p:cNvPr id="65" name="PlaceHolder 1"/>
+          <p:cNvPr id="66" name="PlaceHolder 1"/>
           <p:cNvSpPr>
             <a:spLocks noGrp="1"/>
           </p:cNvSpPr>
@@ -1560,7 +1722,7 @@
       </p:sp>
       <p:sp>
         <p:nvSpPr>
-          <p:cNvPr id="66" name="PlaceHolder 2"/>
+          <p:cNvPr id="67" name="PlaceHolder 2"/>
           <p:cNvSpPr>
             <a:spLocks noGrp="1"/>
           </p:cNvSpPr>
@@ -1594,7 +1756,7 @@
       </p:sp>
       <p:sp>
         <p:nvSpPr>
-          <p:cNvPr id="67" name="PlaceHolder 3"/>
+          <p:cNvPr id="68" name="PlaceHolder 3"/>
           <p:cNvSpPr>
             <a:spLocks noGrp="1"/>
           </p:cNvSpPr>
@@ -1628,7 +1790,7 @@
       </p:sp>
       <p:sp>
         <p:nvSpPr>
-          <p:cNvPr id="68" name="PlaceHolder 4"/>
+          <p:cNvPr id="69" name="PlaceHolder 4"/>
           <p:cNvSpPr>
             <a:spLocks noGrp="1"/>
           </p:cNvSpPr>
@@ -1657,6 +1819,26 @@
             <a:endParaRPr b="0" lang="en-US" sz="3200" spc="-1" strike="noStrike">
               <a:latin typeface="Arial"/>
             </a:endParaRPr>
+          </a:p>
+        </p:txBody>
+      </p:sp>
+      <p:sp>
+        <p:nvSpPr>
+          <p:cNvPr id="6" name="PlaceHolder 5"/>
+          <p:cNvSpPr>
+            <a:spLocks noGrp="1"/>
+          </p:cNvSpPr>
+          <p:nvPr>
+            <p:ph type="sldNum" idx="1"/>
+          </p:nvPr>
+        </p:nvSpPr>
+        <p:spPr/>
+        <p:txBody>
+          <a:bodyPr/>
+          <a:p>
+            <a:fld id="{384C542D-C7BF-4410-979E-2D90B51BB60C}" type="slidenum">
+              <a:t>&lt;#&gt;</a:t>
+            </a:fld>
           </a:p>
         </p:txBody>
       </p:sp>
@@ -1684,7 +1866,7 @@
       </p:grpSpPr>
       <p:sp>
         <p:nvSpPr>
-          <p:cNvPr id="69" name="PlaceHolder 1"/>
+          <p:cNvPr id="70" name="PlaceHolder 1"/>
           <p:cNvSpPr>
             <a:spLocks noGrp="1"/>
           </p:cNvSpPr>
@@ -1721,7 +1903,7 @@
       </p:sp>
       <p:sp>
         <p:nvSpPr>
-          <p:cNvPr id="70" name="PlaceHolder 2"/>
+          <p:cNvPr id="71" name="PlaceHolder 2"/>
           <p:cNvSpPr>
             <a:spLocks noGrp="1"/>
           </p:cNvSpPr>
@@ -1755,7 +1937,7 @@
       </p:sp>
       <p:sp>
         <p:nvSpPr>
-          <p:cNvPr id="71" name="PlaceHolder 3"/>
+          <p:cNvPr id="72" name="PlaceHolder 3"/>
           <p:cNvSpPr>
             <a:spLocks noGrp="1"/>
           </p:cNvSpPr>
@@ -1784,6 +1966,26 @@
             <a:endParaRPr b="0" lang="en-US" sz="3200" spc="-1" strike="noStrike">
               <a:latin typeface="Arial"/>
             </a:endParaRPr>
+          </a:p>
+        </p:txBody>
+      </p:sp>
+      <p:sp>
+        <p:nvSpPr>
+          <p:cNvPr id="5" name="PlaceHolder 4"/>
+          <p:cNvSpPr>
+            <a:spLocks noGrp="1"/>
+          </p:cNvSpPr>
+          <p:nvPr>
+            <p:ph type="sldNum" idx="1"/>
+          </p:nvPr>
+        </p:nvSpPr>
+        <p:spPr/>
+        <p:txBody>
+          <a:bodyPr/>
+          <a:p>
+            <a:fld id="{128467B4-C781-4FFA-9281-2F6869651D67}" type="slidenum">
+              <a:t>&lt;#&gt;</a:t>
+            </a:fld>
           </a:p>
         </p:txBody>
       </p:sp>
@@ -1811,7 +2013,7 @@
       </p:grpSpPr>
       <p:sp>
         <p:nvSpPr>
-          <p:cNvPr id="72" name="PlaceHolder 1"/>
+          <p:cNvPr id="73" name="PlaceHolder 1"/>
           <p:cNvSpPr>
             <a:spLocks noGrp="1"/>
           </p:cNvSpPr>
@@ -1848,7 +2050,7 @@
       </p:sp>
       <p:sp>
         <p:nvSpPr>
-          <p:cNvPr id="73" name="PlaceHolder 2"/>
+          <p:cNvPr id="74" name="PlaceHolder 2"/>
           <p:cNvSpPr>
             <a:spLocks noGrp="1"/>
           </p:cNvSpPr>
@@ -1882,7 +2084,7 @@
       </p:sp>
       <p:sp>
         <p:nvSpPr>
-          <p:cNvPr id="74" name="PlaceHolder 3"/>
+          <p:cNvPr id="75" name="PlaceHolder 3"/>
           <p:cNvSpPr>
             <a:spLocks noGrp="1"/>
           </p:cNvSpPr>
@@ -1916,7 +2118,7 @@
       </p:sp>
       <p:sp>
         <p:nvSpPr>
-          <p:cNvPr id="75" name="PlaceHolder 4"/>
+          <p:cNvPr id="76" name="PlaceHolder 4"/>
           <p:cNvSpPr>
             <a:spLocks noGrp="1"/>
           </p:cNvSpPr>
@@ -1950,7 +2152,7 @@
       </p:sp>
       <p:sp>
         <p:nvSpPr>
-          <p:cNvPr id="76" name="PlaceHolder 5"/>
+          <p:cNvPr id="77" name="PlaceHolder 5"/>
           <p:cNvSpPr>
             <a:spLocks noGrp="1"/>
           </p:cNvSpPr>
@@ -1979,6 +2181,26 @@
             <a:endParaRPr b="0" lang="en-US" sz="3200" spc="-1" strike="noStrike">
               <a:latin typeface="Arial"/>
             </a:endParaRPr>
+          </a:p>
+        </p:txBody>
+      </p:sp>
+      <p:sp>
+        <p:nvSpPr>
+          <p:cNvPr id="7" name="PlaceHolder 6"/>
+          <p:cNvSpPr>
+            <a:spLocks noGrp="1"/>
+          </p:cNvSpPr>
+          <p:nvPr>
+            <p:ph type="sldNum" idx="1"/>
+          </p:nvPr>
+        </p:nvSpPr>
+        <p:spPr/>
+        <p:txBody>
+          <a:bodyPr/>
+          <a:p>
+            <a:fld id="{20071CD7-545B-437D-9E5C-CC904B2FA0B0}" type="slidenum">
+              <a:t>&lt;#&gt;</a:t>
+            </a:fld>
           </a:p>
         </p:txBody>
       </p:sp>
@@ -2006,7 +2228,7 @@
       </p:grpSpPr>
       <p:sp>
         <p:nvSpPr>
-          <p:cNvPr id="77" name="PlaceHolder 1"/>
+          <p:cNvPr id="78" name="PlaceHolder 1"/>
           <p:cNvSpPr>
             <a:spLocks noGrp="1"/>
           </p:cNvSpPr>
@@ -2043,7 +2265,7 @@
       </p:sp>
       <p:sp>
         <p:nvSpPr>
-          <p:cNvPr id="78" name="PlaceHolder 2"/>
+          <p:cNvPr id="79" name="PlaceHolder 2"/>
           <p:cNvSpPr>
             <a:spLocks noGrp="1"/>
           </p:cNvSpPr>
@@ -2077,7 +2299,7 @@
       </p:sp>
       <p:sp>
         <p:nvSpPr>
-          <p:cNvPr id="79" name="PlaceHolder 3"/>
+          <p:cNvPr id="80" name="PlaceHolder 3"/>
           <p:cNvSpPr>
             <a:spLocks noGrp="1"/>
           </p:cNvSpPr>
@@ -2111,7 +2333,7 @@
       </p:sp>
       <p:sp>
         <p:nvSpPr>
-          <p:cNvPr id="80" name="PlaceHolder 4"/>
+          <p:cNvPr id="81" name="PlaceHolder 4"/>
           <p:cNvSpPr>
             <a:spLocks noGrp="1"/>
           </p:cNvSpPr>
@@ -2145,7 +2367,7 @@
       </p:sp>
       <p:sp>
         <p:nvSpPr>
-          <p:cNvPr id="81" name="PlaceHolder 5"/>
+          <p:cNvPr id="82" name="PlaceHolder 5"/>
           <p:cNvSpPr>
             <a:spLocks noGrp="1"/>
           </p:cNvSpPr>
@@ -2179,7 +2401,7 @@
       </p:sp>
       <p:sp>
         <p:nvSpPr>
-          <p:cNvPr id="82" name="PlaceHolder 6"/>
+          <p:cNvPr id="83" name="PlaceHolder 6"/>
           <p:cNvSpPr>
             <a:spLocks noGrp="1"/>
           </p:cNvSpPr>
@@ -2213,7 +2435,7 @@
       </p:sp>
       <p:sp>
         <p:nvSpPr>
-          <p:cNvPr id="83" name="PlaceHolder 7"/>
+          <p:cNvPr id="84" name="PlaceHolder 7"/>
           <p:cNvSpPr>
             <a:spLocks noGrp="1"/>
           </p:cNvSpPr>
@@ -2242,6 +2464,26 @@
             <a:endParaRPr b="0" lang="en-US" sz="3200" spc="-1" strike="noStrike">
               <a:latin typeface="Arial"/>
             </a:endParaRPr>
+          </a:p>
+        </p:txBody>
+      </p:sp>
+      <p:sp>
+        <p:nvSpPr>
+          <p:cNvPr id="9" name="PlaceHolder 8"/>
+          <p:cNvSpPr>
+            <a:spLocks noGrp="1"/>
+          </p:cNvSpPr>
+          <p:nvPr>
+            <p:ph type="sldNum" idx="1"/>
+          </p:nvPr>
+        </p:nvSpPr>
+        <p:spPr/>
+        <p:txBody>
+          <a:bodyPr/>
+          <a:p>
+            <a:fld id="{FCB4EFE6-DF47-4939-A89B-BCFD92BE6A2A}" type="slidenum">
+              <a:t>&lt;#&gt;</a:t>
+            </a:fld>
           </a:p>
         </p:txBody>
       </p:sp>
@@ -3105,7 +3347,7 @@
         <p:spPr>
           <a:xfrm>
             <a:off x="-1153440" y="5512320"/>
-            <a:ext cx="182880" cy="459720"/>
+            <a:ext cx="182160" cy="459000"/>
           </a:xfrm>
           <a:prstGeom prst="rect">
             <a:avLst/>
@@ -3131,7 +3373,7 @@
         <p:spPr>
           <a:xfrm>
             <a:off x="-1153440" y="5512320"/>
-            <a:ext cx="182880" cy="459720"/>
+            <a:ext cx="182160" cy="459000"/>
           </a:xfrm>
           <a:prstGeom prst="rect">
             <a:avLst/>
@@ -3157,7 +3399,7 @@
         <p:spPr>
           <a:xfrm>
             <a:off x="6797880" y="653760"/>
-            <a:ext cx="182880" cy="459720"/>
+            <a:ext cx="182160" cy="459000"/>
           </a:xfrm>
           <a:prstGeom prst="rect">
             <a:avLst/>
@@ -3183,7 +3425,7 @@
         <p:spPr>
           <a:xfrm>
             <a:off x="7881120" y="569520"/>
-            <a:ext cx="182880" cy="459720"/>
+            <a:ext cx="182160" cy="459000"/>
           </a:xfrm>
           <a:prstGeom prst="rect">
             <a:avLst/>
@@ -3209,7 +3451,7 @@
         <p:spPr>
           <a:xfrm>
             <a:off x="6797880" y="653760"/>
-            <a:ext cx="182880" cy="459720"/>
+            <a:ext cx="182160" cy="459000"/>
           </a:xfrm>
           <a:prstGeom prst="rect">
             <a:avLst/>
@@ -3235,7 +3477,7 @@
         <p:spPr>
           <a:xfrm>
             <a:off x="7881120" y="569520"/>
-            <a:ext cx="182880" cy="459720"/>
+            <a:ext cx="182160" cy="459000"/>
           </a:xfrm>
           <a:prstGeom prst="rect">
             <a:avLst/>
@@ -3532,7 +3774,7 @@
         <p:spPr>
           <a:xfrm>
             <a:off x="-1153440" y="5512320"/>
-            <a:ext cx="182880" cy="459720"/>
+            <a:ext cx="182160" cy="459000"/>
           </a:xfrm>
           <a:prstGeom prst="rect">
             <a:avLst/>
@@ -3558,7 +3800,7 @@
         <p:spPr>
           <a:xfrm>
             <a:off x="-1153440" y="5512320"/>
-            <a:ext cx="182880" cy="459720"/>
+            <a:ext cx="182160" cy="459000"/>
           </a:xfrm>
           <a:prstGeom prst="rect">
             <a:avLst/>
@@ -3797,6 +4039,57 @@
             </a:r>
             <a:endParaRPr b="0" lang="en-US" sz="2000" spc="-1" strike="noStrike">
               <a:latin typeface="Arial"/>
+            </a:endParaRPr>
+          </a:p>
+        </p:txBody>
+      </p:sp>
+      <p:sp>
+        <p:nvSpPr>
+          <p:cNvPr id="48" name="PlaceHolder 3"/>
+          <p:cNvSpPr>
+            <a:spLocks noGrp="1"/>
+          </p:cNvSpPr>
+          <p:nvPr>
+            <p:ph type="sldNum" idx="1"/>
+          </p:nvPr>
+        </p:nvSpPr>
+        <p:spPr>
+          <a:xfrm>
+            <a:off x="8741520" y="6247440"/>
+            <a:ext cx="2840400" cy="472680"/>
+          </a:xfrm>
+          <a:prstGeom prst="rect">
+            <a:avLst/>
+          </a:prstGeom>
+          <a:noFill/>
+          <a:ln w="0">
+            <a:noFill/>
+          </a:ln>
+        </p:spPr>
+        <p:txBody>
+          <a:bodyPr lIns="0" rIns="0" tIns="0" bIns="0" anchor="t">
+            <a:noAutofit/>
+          </a:bodyPr>
+          <a:lstStyle>
+            <a:lvl1pPr algn="r">
+              <a:buNone/>
+              <a:defRPr b="0" lang="en-US" sz="1400" spc="-1" strike="noStrike">
+                <a:latin typeface="Times New Roman"/>
+              </a:defRPr>
+            </a:lvl1pPr>
+          </a:lstStyle>
+          <a:p>
+            <a:pPr algn="r">
+              <a:buNone/>
+            </a:pPr>
+            <a:fld id="{3DBF8A52-52F7-4AB9-A3F3-4429C85C7C54}" type="slidenum">
+              <a:rPr b="0" lang="en-US" sz="1400" spc="-1" strike="noStrike">
+                <a:latin typeface="Times New Roman"/>
+              </a:rPr>
+              <a:t>&lt;number&gt;</a:t>
+            </a:fld>
+            <a:endParaRPr b="0" lang="en-US" sz="1400" spc="-1" strike="noStrike">
+              <a:latin typeface="Times New Roman"/>
             </a:endParaRPr>
           </a:p>
         </p:txBody>
@@ -3848,7 +4141,7 @@
       </p:grpSpPr>
       <p:sp>
         <p:nvSpPr>
-          <p:cNvPr id="84" name="PlaceHolder 1"/>
+          <p:cNvPr id="85" name="PlaceHolder 1"/>
           <p:cNvSpPr>
             <a:spLocks noGrp="1"/>
           </p:cNvSpPr>
@@ -3859,7 +4152,7 @@
         <p:spPr>
           <a:xfrm>
             <a:off x="1828800" y="2287080"/>
-            <a:ext cx="8532720" cy="2284560"/>
+            <a:ext cx="8532000" cy="2283840"/>
           </a:xfrm>
           <a:prstGeom prst="rect">
             <a:avLst/>
@@ -3888,7 +4181,17 @@
                 <a:latin typeface="Golos Text DemiBold"/>
                 <a:ea typeface="Noto Sans CJK SC"/>
               </a:rPr>
-              <a:t>A study of the influence of news reports and other contextual open-source</a:t>
+              <a:t>A study of the influence of news reports and </a:t>
+            </a:r>
+            <a:r>
+              <a:rPr b="1" lang="ru-RU" sz="2800" spc="-1" strike="noStrike">
+                <a:solidFill>
+                  <a:srgbClr val="ffffff"/>
+                </a:solidFill>
+                <a:latin typeface="Golos Text DemiBold"/>
+                <a:ea typeface="Noto Sans CJK SC"/>
+              </a:rPr>
+              <a:t>other contextual open-source</a:t>
             </a:r>
             <a:endParaRPr b="0" lang="en-US" sz="2800" spc="-1" strike="noStrike">
               <a:latin typeface="Arial"/>
@@ -3906,7 +4209,14 @@
                 <a:latin typeface="Golos Text DemiBold"/>
                 <a:ea typeface="Noto Sans CJK SC"/>
               </a:rPr>
-              <a:t>information on the consumer behavior of bank card users</a:t>
+              <a:t>information on the consumer behavior of </a:t>
+            </a:r>
+            <a:r>
+              <a:rPr b="1" lang="ru-RU" sz="2800" spc="-1" strike="noStrike">
+                <a:latin typeface="Golos Text DemiBold"/>
+                <a:ea typeface="Noto Sans CJK SC"/>
+              </a:rPr>
+              <a:t>bank card users</a:t>
             </a:r>
             <a:endParaRPr b="0" lang="en-US" sz="2800" spc="-1" strike="noStrike">
               <a:latin typeface="Arial"/>
@@ -3916,14 +4226,14 @@
       </p:sp>
       <p:sp>
         <p:nvSpPr>
-          <p:cNvPr id="85" name="PlaceHolder 5"/>
+          <p:cNvPr id="86" name="PlaceHolder 5"/>
           <p:cNvSpPr/>
           <p:nvPr/>
         </p:nvSpPr>
         <p:spPr>
           <a:xfrm>
             <a:off x="6782760" y="4572000"/>
-            <a:ext cx="5103720" cy="1828800"/>
+            <a:ext cx="5103000" cy="1828080"/>
           </a:xfrm>
           <a:prstGeom prst="rect">
             <a:avLst/>
@@ -4062,7 +4372,7 @@
       </p:grpSpPr>
       <p:sp>
         <p:nvSpPr>
-          <p:cNvPr id="113" name="PlaceHolder 1"/>
+          <p:cNvPr id="122" name="PlaceHolder 1"/>
           <p:cNvSpPr>
             <a:spLocks noGrp="1"/>
           </p:cNvSpPr>
@@ -4073,7 +4383,7 @@
         <p:spPr>
           <a:xfrm>
             <a:off x="609480" y="408600"/>
-            <a:ext cx="9097200" cy="701280"/>
+            <a:ext cx="9096480" cy="700560"/>
           </a:xfrm>
           <a:prstGeom prst="rect">
             <a:avLst/>
@@ -4095,30 +4405,30 @@
               <a:buNone/>
             </a:pPr>
             <a:r>
-              <a:rPr b="1" lang="ru-RU" sz="4250" spc="-1" strike="noStrike">
+              <a:rPr b="1" lang="ru-RU" sz="2800" spc="-1" strike="noStrike">
                 <a:solidFill>
                   <a:srgbClr val="ffffff"/>
                 </a:solidFill>
                 <a:latin typeface="Golos Text DemiBold"/>
               </a:rPr>
-              <a:t>Findings &amp; conclusion</a:t>
-            </a:r>
-            <a:endParaRPr b="0" lang="en-US" sz="4250" spc="-1" strike="noStrike">
-              <a:latin typeface="Arial"/>
-            </a:endParaRPr>
-          </a:p>
-        </p:txBody>
-      </p:sp>
-      <p:sp>
-        <p:nvSpPr>
-          <p:cNvPr id="114" name="PlaceHolder 9"/>
+              <a:t>Consumption and context cross-correlation</a:t>
+            </a:r>
+            <a:endParaRPr b="0" lang="en-US" sz="2800" spc="-1" strike="noStrike">
+              <a:latin typeface="Arial"/>
+            </a:endParaRPr>
+          </a:p>
+        </p:txBody>
+      </p:sp>
+      <p:sp>
+        <p:nvSpPr>
+          <p:cNvPr id="123" name="TextBox 5"/>
           <p:cNvSpPr/>
           <p:nvPr/>
         </p:nvSpPr>
         <p:spPr>
           <a:xfrm>
-            <a:off x="914400" y="1715040"/>
-            <a:ext cx="9600840" cy="4228200"/>
+            <a:off x="3582000" y="5486400"/>
+            <a:ext cx="5125320" cy="363960"/>
           </a:xfrm>
           <a:prstGeom prst="rect">
             <a:avLst/>
@@ -4135,8 +4445,449 @@
           <a:fontRef idx="minor"/>
         </p:style>
         <p:txBody>
+          <a:bodyPr numCol="1" spcCol="0" horzOverflow="overflow" vertOverflow="overflow" lIns="90000" rIns="90000" tIns="45000" bIns="45000" anchor="t">
+            <a:spAutoFit/>
+          </a:bodyPr>
+          <a:p>
+            <a:pPr>
+              <a:lnSpc>
+                <a:spcPct val="100000"/>
+              </a:lnSpc>
+              <a:buNone/>
+            </a:pPr>
+            <a:r>
+              <a:rPr b="0" i="1" lang="ru-RU" sz="1800" spc="-1" strike="noStrike">
+                <a:solidFill>
+                  <a:srgbClr val="000000"/>
+                </a:solidFill>
+                <a:latin typeface="Golos Text"/>
+                <a:ea typeface="DejaVu Sans"/>
+              </a:rPr>
+              <a:t>Lag in days and Pearson cross-correlation</a:t>
+            </a:r>
+            <a:endParaRPr b="0" lang="en-US" sz="1800" spc="-1" strike="noStrike">
+              <a:latin typeface="Arial"/>
+            </a:endParaRPr>
+          </a:p>
+        </p:txBody>
+      </p:sp>
+      <p:pic>
+        <p:nvPicPr>
+          <p:cNvPr id="124" name="" descr=""/>
+          <p:cNvPicPr/>
+          <p:nvPr/>
+        </p:nvPicPr>
+        <p:blipFill>
+          <a:blip r:embed="rId1"/>
+          <a:stretch/>
+        </p:blipFill>
+        <p:spPr>
+          <a:xfrm>
+            <a:off x="559800" y="2057400"/>
+            <a:ext cx="11097000" cy="3380760"/>
+          </a:xfrm>
+          <a:prstGeom prst="rect">
+            <a:avLst/>
+          </a:prstGeom>
+          <a:ln w="0">
+            <a:noFill/>
+          </a:ln>
+        </p:spPr>
+      </p:pic>
+      <p:sp>
+        <p:nvSpPr>
+          <p:cNvPr id="125" name="TextBox 20"/>
+          <p:cNvSpPr/>
+          <p:nvPr/>
+        </p:nvSpPr>
+        <p:spPr>
+          <a:xfrm>
+            <a:off x="11165400" y="6341040"/>
+            <a:ext cx="914400" cy="516960"/>
+          </a:xfrm>
+          <a:prstGeom prst="rect">
+            <a:avLst/>
+          </a:prstGeom>
+          <a:noFill/>
+          <a:ln w="0">
+            <a:noFill/>
+          </a:ln>
+        </p:spPr>
+        <p:style>
+          <a:lnRef idx="0"/>
+          <a:fillRef idx="0"/>
+          <a:effectRef idx="0"/>
+          <a:fontRef idx="minor"/>
+        </p:style>
+        <p:txBody>
+          <a:bodyPr numCol="1" spcCol="0" horzOverflow="overflow" vertOverflow="overflow" lIns="90000" rIns="90000" tIns="45000" bIns="45000" anchor="t">
+            <a:spAutoFit/>
+          </a:bodyPr>
+          <a:p>
+            <a:pPr algn="r">
+              <a:lnSpc>
+                <a:spcPct val="100000"/>
+              </a:lnSpc>
+              <a:buNone/>
+            </a:pPr>
+            <a:r>
+              <a:rPr b="1" lang="ru-RU" sz="2800" spc="-1" strike="noStrike">
+                <a:solidFill>
+                  <a:srgbClr val="ffffff"/>
+                </a:solidFill>
+                <a:latin typeface="Golos Text"/>
+                <a:ea typeface="DejaVu Sans"/>
+              </a:rPr>
+              <a:t>10</a:t>
+            </a:r>
+            <a:endParaRPr b="1" lang="en-US" sz="2800" spc="-1" strike="noStrike">
+              <a:solidFill>
+                <a:srgbClr val="ffffff"/>
+              </a:solidFill>
+              <a:latin typeface="Arial"/>
+            </a:endParaRPr>
+          </a:p>
+        </p:txBody>
+      </p:sp>
+    </p:spTree>
+  </p:cSld>
+  <mc:AlternateContent>
+    <mc:Choice Requires="p14">
+      <p:transition spd="slow" p14:dur="2000"/>
+    </mc:Choice>
+    <mc:Fallback>
+      <p:transition spd="slow"/>
+    </mc:Fallback>
+  </mc:AlternateContent>
+</p:sld>
+</file>
+
+<file path=ppt/slides/slide11.xml><?xml version="1.0" encoding="utf-8"?>
+<p:sld xmlns:a="http://schemas.openxmlformats.org/drawingml/2006/main" xmlns:p="http://schemas.openxmlformats.org/presentationml/2006/main" xmlns:r="http://schemas.openxmlformats.org/officeDocument/2006/relationships" xmlns:p14="http://schemas.microsoft.com/office/powerpoint/2010/main" xmlns:p15="http://schemas.microsoft.com/office/powerpoint/2012/main" xmlns:mc="http://schemas.openxmlformats.org/markup-compatibility/2006">
+  <p:cSld>
+    <p:spTree>
+      <p:nvGrpSpPr>
+        <p:cNvPr id="1" name=""/>
+        <p:cNvGrpSpPr/>
+        <p:nvPr/>
+      </p:nvGrpSpPr>
+      <p:grpSpPr>
+        <a:xfrm>
+          <a:off x="0" y="0"/>
+          <a:ext cx="0" cy="0"/>
+          <a:chOff x="0" y="0"/>
+          <a:chExt cx="0" cy="0"/>
+        </a:xfrm>
+      </p:grpSpPr>
+      <p:sp>
+        <p:nvSpPr>
+          <p:cNvPr id="126" name="PlaceHolder 1"/>
+          <p:cNvSpPr>
+            <a:spLocks noGrp="1"/>
+          </p:cNvSpPr>
+          <p:nvPr>
+            <p:ph type="title"/>
+          </p:nvPr>
+        </p:nvSpPr>
+        <p:spPr>
+          <a:xfrm>
+            <a:off x="609480" y="408600"/>
+            <a:ext cx="9096480" cy="700560"/>
+          </a:xfrm>
+          <a:prstGeom prst="rect">
+            <a:avLst/>
+          </a:prstGeom>
+          <a:noFill/>
+          <a:ln w="0">
+            <a:noFill/>
+          </a:ln>
+        </p:spPr>
+        <p:txBody>
+          <a:bodyPr lIns="90000" rIns="90000" tIns="45000" bIns="45000" anchor="ctr">
+            <a:noAutofit/>
+          </a:bodyPr>
+          <a:p>
+            <a:pPr>
+              <a:lnSpc>
+                <a:spcPct val="100000"/>
+              </a:lnSpc>
+              <a:buNone/>
+            </a:pPr>
+            <a:r>
+              <a:rPr b="1" lang="ru-RU" sz="2800" spc="-1" strike="noStrike">
+                <a:solidFill>
+                  <a:srgbClr val="ffffff"/>
+                </a:solidFill>
+                <a:latin typeface="Golos Text DemiBold"/>
+              </a:rPr>
+              <a:t>Context choice automation</a:t>
+            </a:r>
+            <a:endParaRPr b="0" lang="en-US" sz="2800" spc="-1" strike="noStrike">
+              <a:latin typeface="Arial"/>
+            </a:endParaRPr>
+          </a:p>
+        </p:txBody>
+      </p:sp>
+      <p:sp>
+        <p:nvSpPr>
+          <p:cNvPr id="127" name="TextBox 8"/>
+          <p:cNvSpPr/>
+          <p:nvPr/>
+        </p:nvSpPr>
+        <p:spPr>
+          <a:xfrm>
+            <a:off x="685800" y="5579640"/>
+            <a:ext cx="3657240" cy="363960"/>
+          </a:xfrm>
+          <a:prstGeom prst="rect">
+            <a:avLst/>
+          </a:prstGeom>
+          <a:noFill/>
+          <a:ln w="0">
+            <a:noFill/>
+          </a:ln>
+        </p:spPr>
+        <p:style>
+          <a:lnRef idx="0"/>
+          <a:fillRef idx="0"/>
+          <a:effectRef idx="0"/>
+          <a:fontRef idx="minor"/>
+        </p:style>
+        <p:txBody>
+          <a:bodyPr numCol="1" spcCol="0" horzOverflow="overflow" vertOverflow="overflow" lIns="90000" rIns="90000" tIns="45000" bIns="45000" anchor="t">
+            <a:spAutoFit/>
+          </a:bodyPr>
+          <a:p>
+            <a:pPr>
+              <a:lnSpc>
+                <a:spcPct val="100000"/>
+              </a:lnSpc>
+              <a:buNone/>
+            </a:pPr>
+            <a:r>
+              <a:rPr b="0" i="1" lang="ru-RU" sz="1800" spc="-1" strike="noStrike">
+                <a:solidFill>
+                  <a:srgbClr val="000000"/>
+                </a:solidFill>
+                <a:latin typeface="Golos Text"/>
+                <a:ea typeface="DejaVu Sans"/>
+              </a:rPr>
+              <a:t>ARIMAX auto context picking</a:t>
+            </a:r>
+            <a:endParaRPr b="0" lang="en-US" sz="1800" spc="-1" strike="noStrike">
+              <a:latin typeface="Arial"/>
+            </a:endParaRPr>
+          </a:p>
+        </p:txBody>
+      </p:sp>
+      <p:pic>
+        <p:nvPicPr>
+          <p:cNvPr id="128" name="" descr=""/>
+          <p:cNvPicPr/>
+          <p:nvPr/>
+        </p:nvPicPr>
+        <p:blipFill>
+          <a:blip r:embed="rId1"/>
+          <a:stretch/>
+        </p:blipFill>
+        <p:spPr>
+          <a:xfrm>
+            <a:off x="4343400" y="2414160"/>
+            <a:ext cx="6876720" cy="3757680"/>
+          </a:xfrm>
+          <a:prstGeom prst="rect">
+            <a:avLst/>
+          </a:prstGeom>
+          <a:ln w="0">
+            <a:noFill/>
+          </a:ln>
+        </p:spPr>
+      </p:pic>
+      <p:pic>
+        <p:nvPicPr>
+          <p:cNvPr id="129" name="" descr=""/>
+          <p:cNvPicPr/>
+          <p:nvPr/>
+        </p:nvPicPr>
+        <p:blipFill>
+          <a:blip r:embed="rId2"/>
+          <a:stretch/>
+        </p:blipFill>
+        <p:spPr>
+          <a:xfrm>
+            <a:off x="685800" y="1600200"/>
+            <a:ext cx="6830640" cy="3757680"/>
+          </a:xfrm>
+          <a:prstGeom prst="rect">
+            <a:avLst/>
+          </a:prstGeom>
+          <a:ln w="0">
+            <a:noFill/>
+          </a:ln>
+        </p:spPr>
+      </p:pic>
+      <p:sp>
+        <p:nvSpPr>
+          <p:cNvPr id="130" name="TextBox 21"/>
+          <p:cNvSpPr/>
+          <p:nvPr/>
+        </p:nvSpPr>
+        <p:spPr>
+          <a:xfrm>
+            <a:off x="11165400" y="6341040"/>
+            <a:ext cx="914400" cy="516960"/>
+          </a:xfrm>
+          <a:prstGeom prst="rect">
+            <a:avLst/>
+          </a:prstGeom>
+          <a:noFill/>
+          <a:ln w="0">
+            <a:noFill/>
+          </a:ln>
+        </p:spPr>
+        <p:style>
+          <a:lnRef idx="0"/>
+          <a:fillRef idx="0"/>
+          <a:effectRef idx="0"/>
+          <a:fontRef idx="minor"/>
+        </p:style>
+        <p:txBody>
+          <a:bodyPr numCol="1" spcCol="0" horzOverflow="overflow" vertOverflow="overflow" lIns="90000" rIns="90000" tIns="45000" bIns="45000" anchor="t">
+            <a:spAutoFit/>
+          </a:bodyPr>
+          <a:p>
+            <a:pPr algn="r">
+              <a:lnSpc>
+                <a:spcPct val="100000"/>
+              </a:lnSpc>
+              <a:buNone/>
+            </a:pPr>
+            <a:r>
+              <a:rPr b="1" lang="ru-RU" sz="2800" spc="-1" strike="noStrike">
+                <a:solidFill>
+                  <a:srgbClr val="ffffff"/>
+                </a:solidFill>
+                <a:latin typeface="Golos Text"/>
+                <a:ea typeface="DejaVu Sans"/>
+              </a:rPr>
+              <a:t>11</a:t>
+            </a:r>
+            <a:endParaRPr b="1" lang="en-US" sz="2800" spc="-1" strike="noStrike">
+              <a:solidFill>
+                <a:srgbClr val="ffffff"/>
+              </a:solidFill>
+              <a:latin typeface="Arial"/>
+            </a:endParaRPr>
+          </a:p>
+        </p:txBody>
+      </p:sp>
+    </p:spTree>
+  </p:cSld>
+  <mc:AlternateContent>
+    <mc:Choice Requires="p14">
+      <p:transition spd="slow" p14:dur="2000"/>
+    </mc:Choice>
+    <mc:Fallback>
+      <p:transition spd="slow"/>
+    </mc:Fallback>
+  </mc:AlternateContent>
+</p:sld>
+</file>
+
+<file path=ppt/slides/slide12.xml><?xml version="1.0" encoding="utf-8"?>
+<p:sld xmlns:a="http://schemas.openxmlformats.org/drawingml/2006/main" xmlns:p="http://schemas.openxmlformats.org/presentationml/2006/main" xmlns:r="http://schemas.openxmlformats.org/officeDocument/2006/relationships" xmlns:p14="http://schemas.microsoft.com/office/powerpoint/2010/main" xmlns:p15="http://schemas.microsoft.com/office/powerpoint/2012/main" xmlns:mc="http://schemas.openxmlformats.org/markup-compatibility/2006">
+  <p:cSld>
+    <p:spTree>
+      <p:nvGrpSpPr>
+        <p:cNvPr id="1" name=""/>
+        <p:cNvGrpSpPr/>
+        <p:nvPr/>
+      </p:nvGrpSpPr>
+      <p:grpSpPr>
+        <a:xfrm>
+          <a:off x="0" y="0"/>
+          <a:ext cx="0" cy="0"/>
+          <a:chOff x="0" y="0"/>
+          <a:chExt cx="0" cy="0"/>
+        </a:xfrm>
+      </p:grpSpPr>
+      <p:sp>
+        <p:nvSpPr>
+          <p:cNvPr id="131" name="PlaceHolder 1"/>
+          <p:cNvSpPr>
+            <a:spLocks noGrp="1"/>
+          </p:cNvSpPr>
+          <p:nvPr>
+            <p:ph type="title"/>
+          </p:nvPr>
+        </p:nvSpPr>
+        <p:spPr>
+          <a:xfrm>
+            <a:off x="609480" y="408600"/>
+            <a:ext cx="9096480" cy="700560"/>
+          </a:xfrm>
+          <a:prstGeom prst="rect">
+            <a:avLst/>
+          </a:prstGeom>
+          <a:noFill/>
+          <a:ln w="0">
+            <a:noFill/>
+          </a:ln>
+        </p:spPr>
+        <p:txBody>
+          <a:bodyPr lIns="90000" rIns="90000" tIns="45000" bIns="45000" anchor="ctr">
+            <a:noAutofit/>
+          </a:bodyPr>
+          <a:p>
+            <a:pPr>
+              <a:lnSpc>
+                <a:spcPct val="100000"/>
+              </a:lnSpc>
+              <a:buNone/>
+            </a:pPr>
+            <a:r>
+              <a:rPr b="1" lang="ru-RU" sz="4250" spc="-1" strike="noStrike">
+                <a:solidFill>
+                  <a:srgbClr val="ffffff"/>
+                </a:solidFill>
+                <a:latin typeface="Golos Text DemiBold"/>
+              </a:rPr>
+              <a:t>Findings &amp; conclusion</a:t>
+            </a:r>
+            <a:endParaRPr b="0" lang="en-US" sz="4250" spc="-1" strike="noStrike">
+              <a:latin typeface="Arial"/>
+            </a:endParaRPr>
+          </a:p>
+        </p:txBody>
+      </p:sp>
+      <p:sp>
+        <p:nvSpPr>
+          <p:cNvPr id="132" name="PlaceHolder 9"/>
+          <p:cNvSpPr/>
+          <p:nvPr/>
+        </p:nvSpPr>
+        <p:spPr>
+          <a:xfrm>
+            <a:off x="914400" y="1715040"/>
+            <a:ext cx="9600120" cy="4227480"/>
+          </a:xfrm>
+          <a:prstGeom prst="rect">
+            <a:avLst/>
+          </a:prstGeom>
+          <a:noFill/>
+          <a:ln w="0">
+            <a:noFill/>
+          </a:ln>
+        </p:spPr>
+        <p:style>
+          <a:lnRef idx="0"/>
+          <a:fillRef idx="0"/>
+          <a:effectRef idx="0"/>
+          <a:fontRef idx="minor"/>
+        </p:style>
+        <p:txBody>
           <a:bodyPr lIns="90000" rIns="90000" tIns="45000" bIns="45000" anchor="t">
-            <a:normAutofit/>
+            <a:normAutofit fontScale="94000"/>
           </a:bodyPr>
           <a:p>
             <a:pPr>
@@ -4157,6 +4908,7 @@
                   <a:srgbClr val="000000"/>
                 </a:solidFill>
                 <a:latin typeface="Golos text"/>
+                <a:ea typeface="DejaVu Sans"/>
               </a:rPr>
               <a:t>Findings:</a:t>
             </a:r>
@@ -4188,6 +4940,7 @@
                   <a:srgbClr val="000000"/>
                 </a:solidFill>
                 <a:latin typeface="Golos text"/>
+                <a:ea typeface="DejaVu Sans"/>
               </a:rPr>
               <a:t>Mining and processing methods as well as ARIMAX models were implemented in Python3.</a:t>
             </a:r>
@@ -4219,6 +4972,7 @@
                   <a:srgbClr val="000000"/>
                 </a:solidFill>
                 <a:latin typeface="Golos text"/>
+                <a:ea typeface="DejaVu Sans"/>
               </a:rPr>
               <a:t>Some consumption categories show dependency on context such as news. The best predictions are achieved when context is carefully selected.</a:t>
             </a:r>
@@ -4250,51 +5004,9 @@
                   <a:srgbClr val="000000"/>
                 </a:solidFill>
                 <a:latin typeface="Golos text"/>
+                <a:ea typeface="DejaVu Sans"/>
               </a:rPr>
               <a:t>Time-lagged cross-correlation can be used to confirm or refuse causal hypotheses.</a:t>
-            </a:r>
-            <a:endParaRPr b="0" lang="en-US" sz="2000" spc="-1" strike="noStrike">
-              <a:latin typeface="Arial"/>
-            </a:endParaRPr>
-          </a:p>
-          <a:p>
-            <a:pPr>
-              <a:lnSpc>
-                <a:spcPct val="100000"/>
-              </a:lnSpc>
-              <a:spcBef>
-                <a:spcPts val="400"/>
-              </a:spcBef>
-              <a:buNone/>
-              <a:tabLst>
-                <a:tab algn="l" pos="0"/>
-              </a:tabLst>
-            </a:pPr>
-            <a:endParaRPr b="0" lang="en-US" sz="2000" spc="-1" strike="noStrike">
-              <a:latin typeface="Arial"/>
-            </a:endParaRPr>
-          </a:p>
-          <a:p>
-            <a:pPr>
-              <a:lnSpc>
-                <a:spcPct val="100000"/>
-              </a:lnSpc>
-              <a:spcBef>
-                <a:spcPts val="400"/>
-              </a:spcBef>
-              <a:buNone/>
-              <a:tabLst>
-                <a:tab algn="l" pos="0"/>
-              </a:tabLst>
-            </a:pPr>
-            <a:r>
-              <a:rPr b="1" lang="ru-RU" sz="2000" spc="-1" strike="noStrike">
-                <a:solidFill>
-                  <a:srgbClr val="000000"/>
-                </a:solidFill>
-                <a:latin typeface="Golos text"/>
-              </a:rPr>
-              <a:t>Conclusion:</a:t>
             </a:r>
             <a:endParaRPr b="0" lang="en-US" sz="2000" spc="-1" strike="noStrike">
               <a:latin typeface="Arial"/>
@@ -4324,10 +5036,174 @@
                   <a:srgbClr val="000000"/>
                 </a:solidFill>
                 <a:latin typeface="Golos text"/>
-              </a:rPr>
-              <a:t>The Individual task was fully completed, although further research is needed.</a:t>
+                <a:ea typeface="DejaVu Sans"/>
+              </a:rPr>
+              <a:t>Picking context can be automated.</a:t>
             </a:r>
             <a:endParaRPr b="0" lang="en-US" sz="2000" spc="-1" strike="noStrike">
+              <a:latin typeface="Arial"/>
+            </a:endParaRPr>
+          </a:p>
+          <a:p>
+            <a:pPr marL="216000" indent="-216000">
+              <a:lnSpc>
+                <a:spcPct val="100000"/>
+              </a:lnSpc>
+              <a:spcBef>
+                <a:spcPts val="400"/>
+              </a:spcBef>
+              <a:buClr>
+                <a:srgbClr val="000000"/>
+              </a:buClr>
+              <a:buSzPct val="45000"/>
+              <a:buFont typeface="Wingdings" charset="2"/>
+              <a:buChar char=""/>
+              <a:tabLst>
+                <a:tab algn="l" pos="0"/>
+              </a:tabLst>
+            </a:pPr>
+            <a:r>
+              <a:rPr b="0" lang="ru-RU" sz="2000" spc="-1" strike="noStrike">
+                <a:solidFill>
+                  <a:srgbClr val="000000"/>
+                </a:solidFill>
+                <a:latin typeface="Golos text"/>
+                <a:ea typeface="DejaVu Sans"/>
+              </a:rPr>
+              <a:t>Autoregressive models seem to perform poorly on non-stationary data.</a:t>
+            </a:r>
+            <a:endParaRPr b="0" lang="en-US" sz="2000" spc="-1" strike="noStrike">
+              <a:latin typeface="Arial"/>
+            </a:endParaRPr>
+          </a:p>
+          <a:p>
+            <a:pPr>
+              <a:lnSpc>
+                <a:spcPct val="100000"/>
+              </a:lnSpc>
+              <a:spcBef>
+                <a:spcPts val="400"/>
+              </a:spcBef>
+              <a:buNone/>
+              <a:tabLst>
+                <a:tab algn="l" pos="0"/>
+              </a:tabLst>
+            </a:pPr>
+            <a:endParaRPr b="0" lang="en-US" sz="2000" spc="-1" strike="noStrike">
+              <a:latin typeface="Arial"/>
+            </a:endParaRPr>
+          </a:p>
+          <a:p>
+            <a:pPr>
+              <a:lnSpc>
+                <a:spcPct val="100000"/>
+              </a:lnSpc>
+              <a:spcBef>
+                <a:spcPts val="400"/>
+              </a:spcBef>
+              <a:buNone/>
+              <a:tabLst>
+                <a:tab algn="l" pos="0"/>
+              </a:tabLst>
+            </a:pPr>
+            <a:r>
+              <a:rPr b="1" lang="ru-RU" sz="2000" spc="-1" strike="noStrike">
+                <a:solidFill>
+                  <a:srgbClr val="000000"/>
+                </a:solidFill>
+                <a:latin typeface="Golos text"/>
+                <a:ea typeface="DejaVu Sans"/>
+              </a:rPr>
+              <a:t>Conclusion:</a:t>
+            </a:r>
+            <a:endParaRPr b="0" lang="en-US" sz="2000" spc="-1" strike="noStrike">
+              <a:latin typeface="Arial"/>
+            </a:endParaRPr>
+          </a:p>
+          <a:p>
+            <a:pPr marL="216000" indent="-216000">
+              <a:lnSpc>
+                <a:spcPct val="100000"/>
+              </a:lnSpc>
+              <a:spcBef>
+                <a:spcPts val="400"/>
+              </a:spcBef>
+              <a:buClr>
+                <a:srgbClr val="000000"/>
+              </a:buClr>
+              <a:buSzPct val="45000"/>
+              <a:buFont typeface="Wingdings" charset="2"/>
+              <a:buChar char=""/>
+              <a:tabLst>
+                <a:tab algn="l" pos="0"/>
+              </a:tabLst>
+            </a:pPr>
+            <a:r>
+              <a:rPr b="0" lang="ru-RU" sz="2000" spc="-1" strike="noStrike">
+                <a:solidFill>
+                  <a:srgbClr val="000000"/>
+                </a:solidFill>
+                <a:latin typeface="Golos text"/>
+                <a:ea typeface="DejaVu Sans"/>
+              </a:rPr>
+              <a:t>The Individual task was fully completed, although further research and implementation of non-autoregressive models is needed.</a:t>
+            </a:r>
+            <a:endParaRPr b="0" lang="en-US" sz="2000" spc="-1" strike="noStrike">
+              <a:latin typeface="Arial"/>
+            </a:endParaRPr>
+          </a:p>
+        </p:txBody>
+      </p:sp>
+      <p:sp>
+        <p:nvSpPr>
+          <p:cNvPr id="133" name="TextBox 22"/>
+          <p:cNvSpPr/>
+          <p:nvPr/>
+        </p:nvSpPr>
+        <p:spPr>
+          <a:xfrm>
+            <a:off x="11165400" y="6341040"/>
+            <a:ext cx="914400" cy="516960"/>
+          </a:xfrm>
+          <a:prstGeom prst="rect">
+            <a:avLst/>
+          </a:prstGeom>
+          <a:noFill/>
+          <a:ln w="0">
+            <a:noFill/>
+          </a:ln>
+        </p:spPr>
+        <p:style>
+          <a:lnRef idx="0"/>
+          <a:fillRef idx="0"/>
+          <a:effectRef idx="0"/>
+          <a:fontRef idx="minor"/>
+        </p:style>
+        <p:txBody>
+          <a:bodyPr numCol="1" spcCol="0" horzOverflow="overflow" vertOverflow="overflow" lIns="90000" rIns="90000" tIns="45000" bIns="45000" anchor="t">
+            <a:spAutoFit/>
+          </a:bodyPr>
+          <a:p>
+            <a:pPr algn="r">
+              <a:lnSpc>
+                <a:spcPct val="100000"/>
+              </a:lnSpc>
+              <a:buNone/>
+            </a:pPr>
+            <a:r>
+              <a:rPr b="1" lang="ru-RU" sz="2800" spc="-1" strike="noStrike">
+                <a:solidFill>
+                  <a:srgbClr val="ffffff"/>
+                </a:solidFill>
+                <a:latin typeface="Golos Text"/>
+                <a:ea typeface="DejaVu Sans"/>
+              </a:rPr>
+              <a:t>12</a:t>
+            </a:r>
+            <a:endParaRPr b="1" lang="en-US" sz="2800" spc="-1" strike="noStrike">
+              <a:solidFill>
+                <a:srgbClr val="ffffff"/>
+              </a:solidFill>
               <a:latin typeface="Arial"/>
             </a:endParaRPr>
           </a:p>
@@ -4346,7 +5222,7 @@
 </p:sld>
 </file>
 
-<file path=ppt/slides/slide11.xml><?xml version="1.0" encoding="utf-8"?>
+<file path=ppt/slides/slide13.xml><?xml version="1.0" encoding="utf-8"?>
 <p:sld xmlns:a="http://schemas.openxmlformats.org/drawingml/2006/main" xmlns:p="http://schemas.openxmlformats.org/presentationml/2006/main" xmlns:r="http://schemas.openxmlformats.org/officeDocument/2006/relationships" xmlns:p14="http://schemas.microsoft.com/office/powerpoint/2010/main" xmlns:p15="http://schemas.microsoft.com/office/powerpoint/2012/main" xmlns:mc="http://schemas.openxmlformats.org/markup-compatibility/2006">
   <p:cSld>
     <p:bg>
@@ -4373,7 +5249,7 @@
       </p:grpSpPr>
       <p:sp>
         <p:nvSpPr>
-          <p:cNvPr id="115" name="PlaceHolder 1"/>
+          <p:cNvPr id="134" name="PlaceHolder 1"/>
           <p:cNvSpPr>
             <a:spLocks noGrp="1"/>
           </p:cNvSpPr>
@@ -4384,7 +5260,7 @@
         <p:spPr>
           <a:xfrm>
             <a:off x="1734840" y="2959200"/>
-            <a:ext cx="8532720" cy="938160"/>
+            <a:ext cx="8532000" cy="937440"/>
           </a:xfrm>
           <a:prstGeom prst="rect">
             <a:avLst/>
@@ -4452,14 +5328,14 @@
       </p:grpSpPr>
       <p:sp>
         <p:nvSpPr>
-          <p:cNvPr id="86" name="Заголовок 1"/>
+          <p:cNvPr id="87" name="Заголовок 1"/>
           <p:cNvSpPr/>
           <p:nvPr/>
         </p:nvSpPr>
         <p:spPr>
           <a:xfrm>
             <a:off x="502560" y="408600"/>
-            <a:ext cx="9097200" cy="701280"/>
+            <a:ext cx="9096480" cy="700560"/>
           </a:xfrm>
           <a:prstGeom prst="rect">
             <a:avLst/>
@@ -4494,7 +5370,7 @@
                 <a:latin typeface="Golos Text DemiBold"/>
                 <a:ea typeface="DejaVu Sans"/>
               </a:rPr>
-              <a:t>Application</a:t>
+              <a:t>Goal, object and subject of research</a:t>
             </a:r>
             <a:endParaRPr b="0" lang="en-US" sz="2800" spc="-1" strike="noStrike">
               <a:latin typeface="Arial"/>
@@ -4502,29 +5378,373 @@
           </a:p>
         </p:txBody>
       </p:sp>
-      <p:pic>
-        <p:nvPicPr>
-          <p:cNvPr id="87" name="" descr=""/>
-          <p:cNvPicPr/>
+      <p:sp>
+        <p:nvSpPr>
+          <p:cNvPr id="88" name="TextBox 7"/>
+          <p:cNvSpPr/>
           <p:nvPr/>
-        </p:nvPicPr>
-        <p:blipFill>
-          <a:blip r:embed="rId1"/>
-          <a:stretch/>
-        </p:blipFill>
-        <p:spPr>
-          <a:xfrm>
-            <a:off x="1329840" y="2171160"/>
-            <a:ext cx="8957160" cy="3543840"/>
-          </a:xfrm>
-          <a:prstGeom prst="rect">
-            <a:avLst/>
-          </a:prstGeom>
-          <a:ln w="0">
-            <a:noFill/>
-          </a:ln>
-        </p:spPr>
-      </p:pic>
+        </p:nvSpPr>
+        <p:spPr>
+          <a:xfrm>
+            <a:off x="914400" y="1828800"/>
+            <a:ext cx="5715000" cy="4250160"/>
+          </a:xfrm>
+          <a:prstGeom prst="rect">
+            <a:avLst/>
+          </a:prstGeom>
+          <a:noFill/>
+          <a:ln w="0">
+            <a:noFill/>
+          </a:ln>
+        </p:spPr>
+        <p:style>
+          <a:lnRef idx="0"/>
+          <a:fillRef idx="0"/>
+          <a:effectRef idx="0"/>
+          <a:fontRef idx="minor"/>
+        </p:style>
+        <p:txBody>
+          <a:bodyPr numCol="1" spcCol="0" horzOverflow="overflow" vertOverflow="overflow" lIns="90000" rIns="90000" tIns="45000" bIns="45000" anchor="t">
+            <a:spAutoFit/>
+          </a:bodyPr>
+          <a:p>
+            <a:pPr>
+              <a:lnSpc>
+                <a:spcPct val="100000"/>
+              </a:lnSpc>
+              <a:buNone/>
+            </a:pPr>
+            <a:r>
+              <a:rPr b="1" lang="ru-RU" sz="2100" spc="-1" strike="noStrike">
+                <a:solidFill>
+                  <a:srgbClr val="000000"/>
+                </a:solidFill>
+                <a:latin typeface="Golos Text"/>
+                <a:ea typeface="DejaVu Sans"/>
+              </a:rPr>
+              <a:t>Goal:</a:t>
+            </a:r>
+            <a:r>
+              <a:rPr b="0" lang="ru-RU" sz="2100" spc="-1" strike="noStrike">
+                <a:solidFill>
+                  <a:srgbClr val="000000"/>
+                </a:solidFill>
+                <a:latin typeface="Golos Text"/>
+                <a:ea typeface="DejaVu Sans"/>
+              </a:rPr>
+              <a:t> to use open-source context information to increase consumption forecasting quality and to identify exogenous impact of this information on consumption</a:t>
+            </a:r>
+            <a:endParaRPr b="0" lang="en-US" sz="2100" spc="-1" strike="noStrike">
+              <a:latin typeface="Arial"/>
+            </a:endParaRPr>
+          </a:p>
+          <a:p>
+            <a:pPr>
+              <a:lnSpc>
+                <a:spcPct val="100000"/>
+              </a:lnSpc>
+              <a:buNone/>
+            </a:pPr>
+            <a:endParaRPr b="0" lang="en-US" sz="2100" spc="-1" strike="noStrike">
+              <a:latin typeface="Arial"/>
+            </a:endParaRPr>
+          </a:p>
+          <a:p>
+            <a:pPr>
+              <a:lnSpc>
+                <a:spcPct val="100000"/>
+              </a:lnSpc>
+              <a:buNone/>
+            </a:pPr>
+            <a:r>
+              <a:rPr b="1" lang="ru-RU" sz="2100" spc="-1" strike="noStrike">
+                <a:solidFill>
+                  <a:srgbClr val="000000"/>
+                </a:solidFill>
+                <a:latin typeface="Golos Text"/>
+                <a:ea typeface="DejaVu Sans"/>
+              </a:rPr>
+              <a:t>Tasks:</a:t>
+            </a:r>
+            <a:r>
+              <a:rPr b="0" lang="ru-RU" sz="2100" spc="-1" strike="noStrike">
+                <a:solidFill>
+                  <a:srgbClr val="000000"/>
+                </a:solidFill>
+                <a:latin typeface="Golos Text"/>
+                <a:ea typeface="DejaVu Sans"/>
+              </a:rPr>
+              <a:t> </a:t>
+            </a:r>
+            <a:endParaRPr b="0" lang="en-US" sz="2100" spc="-1" strike="noStrike">
+              <a:latin typeface="Arial"/>
+            </a:endParaRPr>
+          </a:p>
+          <a:p>
+            <a:pPr>
+              <a:lnSpc>
+                <a:spcPct val="100000"/>
+              </a:lnSpc>
+              <a:buNone/>
+            </a:pPr>
+            <a:r>
+              <a:rPr b="0" lang="ru-RU" sz="2100" spc="-1" strike="noStrike">
+                <a:solidFill>
+                  <a:srgbClr val="000000"/>
+                </a:solidFill>
+                <a:latin typeface="Golos Text"/>
+                <a:ea typeface="DejaVu Sans"/>
+              </a:rPr>
+              <a:t>1) review relevant literature</a:t>
+            </a:r>
+            <a:endParaRPr b="0" lang="en-US" sz="2100" spc="-1" strike="noStrike">
+              <a:latin typeface="Arial"/>
+            </a:endParaRPr>
+          </a:p>
+          <a:p>
+            <a:pPr>
+              <a:lnSpc>
+                <a:spcPct val="100000"/>
+              </a:lnSpc>
+              <a:buNone/>
+            </a:pPr>
+            <a:r>
+              <a:rPr b="0" lang="ru-RU" sz="2100" spc="-1" strike="noStrike">
+                <a:solidFill>
+                  <a:srgbClr val="000000"/>
+                </a:solidFill>
+                <a:latin typeface="Golos Text"/>
+                <a:ea typeface="DejaVu Sans"/>
+              </a:rPr>
+              <a:t>2) scrape and process context info</a:t>
+            </a:r>
+            <a:endParaRPr b="0" lang="en-US" sz="2100" spc="-1" strike="noStrike">
+              <a:latin typeface="Arial"/>
+            </a:endParaRPr>
+          </a:p>
+          <a:p>
+            <a:pPr>
+              <a:lnSpc>
+                <a:spcPct val="100000"/>
+              </a:lnSpc>
+              <a:buNone/>
+            </a:pPr>
+            <a:r>
+              <a:rPr b="0" lang="ru-RU" sz="2100" spc="-1" strike="noStrike">
+                <a:solidFill>
+                  <a:srgbClr val="000000"/>
+                </a:solidFill>
+                <a:latin typeface="Golos Text"/>
+                <a:ea typeface="DejaVu Sans"/>
+              </a:rPr>
+              <a:t>3) implement forecasting model </a:t>
+            </a:r>
+            <a:r>
+              <a:rPr b="0" lang="ru-RU" sz="2100" spc="-1" strike="noStrike">
+                <a:solidFill>
+                  <a:srgbClr val="000000"/>
+                </a:solidFill>
+                <a:latin typeface="Golos Text"/>
+                <a:ea typeface="DejaVu Sans"/>
+              </a:rPr>
+              <a:t>	</a:t>
+            </a:r>
+            <a:r>
+              <a:rPr b="0" lang="ru-RU" sz="2100" spc="-1" strike="noStrike">
+                <a:solidFill>
+                  <a:srgbClr val="000000"/>
+                </a:solidFill>
+                <a:latin typeface="Golos Text"/>
+                <a:ea typeface="DejaVu Sans"/>
+              </a:rPr>
+              <a:t>        (preferrably dynamic)</a:t>
+            </a:r>
+            <a:endParaRPr b="0" lang="en-US" sz="2100" spc="-1" strike="noStrike">
+              <a:latin typeface="Arial"/>
+            </a:endParaRPr>
+          </a:p>
+          <a:p>
+            <a:pPr>
+              <a:lnSpc>
+                <a:spcPct val="100000"/>
+              </a:lnSpc>
+              <a:buNone/>
+            </a:pPr>
+            <a:r>
+              <a:rPr b="0" lang="ru-RU" sz="2100" spc="-1" strike="noStrike">
+                <a:solidFill>
+                  <a:srgbClr val="000000"/>
+                </a:solidFill>
+                <a:latin typeface="Golos Text"/>
+                <a:ea typeface="DejaVu Sans"/>
+              </a:rPr>
+              <a:t>4) evaluate model quality on real         data</a:t>
+            </a:r>
+            <a:endParaRPr b="0" lang="en-US" sz="2100" spc="-1" strike="noStrike">
+              <a:latin typeface="Arial"/>
+            </a:endParaRPr>
+          </a:p>
+        </p:txBody>
+      </p:sp>
+      <p:sp>
+        <p:nvSpPr>
+          <p:cNvPr id="89" name="TextBox 9"/>
+          <p:cNvSpPr/>
+          <p:nvPr/>
+        </p:nvSpPr>
+        <p:spPr>
+          <a:xfrm>
+            <a:off x="7086600" y="1828800"/>
+            <a:ext cx="3609360" cy="3930120"/>
+          </a:xfrm>
+          <a:prstGeom prst="rect">
+            <a:avLst/>
+          </a:prstGeom>
+          <a:noFill/>
+          <a:ln w="0">
+            <a:noFill/>
+          </a:ln>
+        </p:spPr>
+        <p:style>
+          <a:lnRef idx="0"/>
+          <a:fillRef idx="0"/>
+          <a:effectRef idx="0"/>
+          <a:fontRef idx="minor"/>
+        </p:style>
+        <p:txBody>
+          <a:bodyPr numCol="1" spcCol="0" horzOverflow="overflow" vertOverflow="overflow" lIns="90000" rIns="90000" tIns="45000" bIns="45000" anchor="t">
+            <a:spAutoFit/>
+          </a:bodyPr>
+          <a:p>
+            <a:pPr>
+              <a:lnSpc>
+                <a:spcPct val="100000"/>
+              </a:lnSpc>
+              <a:buNone/>
+            </a:pPr>
+            <a:r>
+              <a:rPr b="1" lang="ru-RU" sz="2100" spc="-1" strike="noStrike">
+                <a:solidFill>
+                  <a:srgbClr val="000000"/>
+                </a:solidFill>
+                <a:latin typeface="Golos Text"/>
+                <a:ea typeface="DejaVu Sans"/>
+              </a:rPr>
+              <a:t>Object:</a:t>
+            </a:r>
+            <a:r>
+              <a:rPr b="0" lang="ru-RU" sz="2100" spc="-1" strike="noStrike">
+                <a:solidFill>
+                  <a:srgbClr val="000000"/>
+                </a:solidFill>
+                <a:latin typeface="Golos Text"/>
+                <a:ea typeface="DejaVu Sans"/>
+              </a:rPr>
+              <a:t> impact of context information (news) on consumption of bank card users</a:t>
+            </a:r>
+            <a:endParaRPr b="0" lang="en-US" sz="2100" spc="-1" strike="noStrike">
+              <a:latin typeface="Arial"/>
+            </a:endParaRPr>
+          </a:p>
+          <a:p>
+            <a:pPr>
+              <a:lnSpc>
+                <a:spcPct val="100000"/>
+              </a:lnSpc>
+              <a:buNone/>
+            </a:pPr>
+            <a:endParaRPr b="0" lang="en-US" sz="2100" spc="-1" strike="noStrike">
+              <a:latin typeface="Arial"/>
+            </a:endParaRPr>
+          </a:p>
+          <a:p>
+            <a:pPr>
+              <a:lnSpc>
+                <a:spcPct val="100000"/>
+              </a:lnSpc>
+              <a:buNone/>
+            </a:pPr>
+            <a:r>
+              <a:rPr b="1" lang="ru-RU" sz="2100" spc="-1" strike="noStrike">
+                <a:solidFill>
+                  <a:srgbClr val="000000"/>
+                </a:solidFill>
+                <a:latin typeface="Golos Text"/>
+                <a:ea typeface="DejaVu Sans"/>
+              </a:rPr>
+              <a:t>Subject:</a:t>
+            </a:r>
+            <a:r>
+              <a:rPr b="0" lang="ru-RU" sz="2100" spc="-1" strike="noStrike">
+                <a:solidFill>
+                  <a:srgbClr val="000000"/>
+                </a:solidFill>
+                <a:latin typeface="Golos Text"/>
+                <a:ea typeface="DejaVu Sans"/>
+              </a:rPr>
+              <a:t> correlations between transactions in different categories and context time series (news topic, macroeconomical data, etc.)</a:t>
+            </a:r>
+            <a:endParaRPr b="0" lang="en-US" sz="2100" spc="-1" strike="noStrike">
+              <a:latin typeface="Arial"/>
+            </a:endParaRPr>
+          </a:p>
+        </p:txBody>
+      </p:sp>
+      <p:sp>
+        <p:nvSpPr>
+          <p:cNvPr id="90" name="TextBox 11"/>
+          <p:cNvSpPr/>
+          <p:nvPr/>
+        </p:nvSpPr>
+        <p:spPr>
+          <a:xfrm>
+            <a:off x="11165400" y="6341040"/>
+            <a:ext cx="914400" cy="516960"/>
+          </a:xfrm>
+          <a:prstGeom prst="rect">
+            <a:avLst/>
+          </a:prstGeom>
+          <a:noFill/>
+          <a:ln w="0">
+            <a:noFill/>
+          </a:ln>
+        </p:spPr>
+        <p:style>
+          <a:lnRef idx="0"/>
+          <a:fillRef idx="0"/>
+          <a:effectRef idx="0"/>
+          <a:fontRef idx="minor"/>
+        </p:style>
+        <p:txBody>
+          <a:bodyPr numCol="1" spcCol="0" horzOverflow="overflow" vertOverflow="overflow" lIns="90000" rIns="90000" tIns="45000" bIns="45000" anchor="t">
+            <a:spAutoFit/>
+          </a:bodyPr>
+          <a:p>
+            <a:pPr algn="r">
+              <a:lnSpc>
+                <a:spcPct val="100000"/>
+              </a:lnSpc>
+              <a:buNone/>
+            </a:pPr>
+            <a:r>
+              <a:rPr b="1" lang="ru-RU" sz="2800" spc="-1" strike="noStrike">
+                <a:solidFill>
+                  <a:srgbClr val="ffffff"/>
+                </a:solidFill>
+                <a:latin typeface="Golos Text"/>
+                <a:ea typeface="DejaVu Sans"/>
+              </a:rPr>
+              <a:t>2</a:t>
+            </a:r>
+            <a:endParaRPr b="1" lang="en-US" sz="2800" spc="-1" strike="noStrike">
+              <a:solidFill>
+                <a:srgbClr val="ffffff"/>
+              </a:solidFill>
+              <a:latin typeface="Arial"/>
+            </a:endParaRPr>
+          </a:p>
+        </p:txBody>
+      </p:sp>
     </p:spTree>
   </p:cSld>
   <mc:AlternateContent>
@@ -4557,14 +5777,14 @@
       </p:grpSpPr>
       <p:sp>
         <p:nvSpPr>
-          <p:cNvPr id="88" name="Заголовок 3"/>
+          <p:cNvPr id="91" name="Заголовок 4"/>
           <p:cNvSpPr/>
           <p:nvPr/>
         </p:nvSpPr>
         <p:spPr>
           <a:xfrm>
             <a:off x="502560" y="408600"/>
-            <a:ext cx="9097200" cy="701280"/>
+            <a:ext cx="9096480" cy="700560"/>
           </a:xfrm>
           <a:prstGeom prst="rect">
             <a:avLst/>
@@ -4599,7 +5819,7 @@
                 <a:latin typeface="Golos Text DemiBold"/>
                 <a:ea typeface="DejaVu Sans"/>
               </a:rPr>
-              <a:t>Literature overview</a:t>
+              <a:t>Application</a:t>
             </a:r>
             <a:endParaRPr b="0" lang="en-US" sz="2800" spc="-1" strike="noStrike">
               <a:latin typeface="Arial"/>
@@ -4609,7 +5829,7 @@
       </p:sp>
       <p:pic>
         <p:nvPicPr>
-          <p:cNvPr id="89" name="" descr=""/>
+          <p:cNvPr id="92" name="" descr=""/>
           <p:cNvPicPr/>
           <p:nvPr/>
         </p:nvPicPr>
@@ -4619,8 +5839,8 @@
         </p:blipFill>
         <p:spPr>
           <a:xfrm>
-            <a:off x="1004760" y="1820880"/>
-            <a:ext cx="9281880" cy="4122360"/>
+            <a:off x="1329840" y="2171160"/>
+            <a:ext cx="8956440" cy="3543120"/>
           </a:xfrm>
           <a:prstGeom prst="rect">
             <a:avLst/>
@@ -4630,6 +5850,61 @@
           </a:ln>
         </p:spPr>
       </p:pic>
+      <p:sp>
+        <p:nvSpPr>
+          <p:cNvPr id="93" name="TextBox 13"/>
+          <p:cNvSpPr/>
+          <p:nvPr/>
+        </p:nvSpPr>
+        <p:spPr>
+          <a:xfrm>
+            <a:off x="11165400" y="6341040"/>
+            <a:ext cx="914400" cy="516960"/>
+          </a:xfrm>
+          <a:prstGeom prst="rect">
+            <a:avLst/>
+          </a:prstGeom>
+          <a:noFill/>
+          <a:ln w="0">
+            <a:noFill/>
+          </a:ln>
+        </p:spPr>
+        <p:style>
+          <a:lnRef idx="0"/>
+          <a:fillRef idx="0"/>
+          <a:effectRef idx="0"/>
+          <a:fontRef idx="minor"/>
+        </p:style>
+        <p:txBody>
+          <a:bodyPr numCol="1" spcCol="0" horzOverflow="overflow" vertOverflow="overflow" lIns="90000" rIns="90000" tIns="45000" bIns="45000" anchor="t">
+            <a:spAutoFit/>
+          </a:bodyPr>
+          <a:p>
+            <a:pPr algn="r">
+              <a:lnSpc>
+                <a:spcPct val="100000"/>
+              </a:lnSpc>
+              <a:buNone/>
+            </a:pPr>
+            <a:r>
+              <a:rPr b="1" lang="ru-RU" sz="2800" spc="-1" strike="noStrike">
+                <a:solidFill>
+                  <a:srgbClr val="ffffff"/>
+                </a:solidFill>
+                <a:latin typeface="Golos Text"/>
+                <a:ea typeface="DejaVu Sans"/>
+              </a:rPr>
+              <a:t>3</a:t>
+            </a:r>
+            <a:endParaRPr b="1" lang="en-US" sz="2800" spc="-1" strike="noStrike">
+              <a:solidFill>
+                <a:srgbClr val="ffffff"/>
+              </a:solidFill>
+              <a:latin typeface="Arial"/>
+            </a:endParaRPr>
+          </a:p>
+        </p:txBody>
+      </p:sp>
     </p:spTree>
   </p:cSld>
   <mc:AlternateContent>
@@ -4662,14 +5937,14 @@
       </p:grpSpPr>
       <p:sp>
         <p:nvSpPr>
-          <p:cNvPr id="90" name="Заголовок 2"/>
+          <p:cNvPr id="94" name="Заголовок 3"/>
           <p:cNvSpPr/>
           <p:nvPr/>
         </p:nvSpPr>
         <p:spPr>
           <a:xfrm>
             <a:off x="502560" y="408600"/>
-            <a:ext cx="9097200" cy="701280"/>
+            <a:ext cx="9096480" cy="700560"/>
           </a:xfrm>
           <a:prstGeom prst="rect">
             <a:avLst/>
@@ -4704,7 +5979,7 @@
                 <a:latin typeface="Golos Text DemiBold"/>
                 <a:ea typeface="DejaVu Sans"/>
               </a:rPr>
-              <a:t>Plan of the experiment</a:t>
+              <a:t>Literature overview</a:t>
             </a:r>
             <a:endParaRPr b="0" lang="en-US" sz="2800" spc="-1" strike="noStrike">
               <a:latin typeface="Arial"/>
@@ -4714,7 +5989,7 @@
       </p:sp>
       <p:pic>
         <p:nvPicPr>
-          <p:cNvPr id="91" name="" descr=""/>
+          <p:cNvPr id="95" name="" descr=""/>
           <p:cNvPicPr/>
           <p:nvPr/>
         </p:nvPicPr>
@@ -4724,8 +5999,8 @@
         </p:blipFill>
         <p:spPr>
           <a:xfrm>
-            <a:off x="1143000" y="1600200"/>
-            <a:ext cx="8686440" cy="4638960"/>
+            <a:off x="1004760" y="1820880"/>
+            <a:ext cx="9281160" cy="4121640"/>
           </a:xfrm>
           <a:prstGeom prst="rect">
             <a:avLst/>
@@ -4735,6 +6010,61 @@
           </a:ln>
         </p:spPr>
       </p:pic>
+      <p:sp>
+        <p:nvSpPr>
+          <p:cNvPr id="96" name="TextBox 14"/>
+          <p:cNvSpPr/>
+          <p:nvPr/>
+        </p:nvSpPr>
+        <p:spPr>
+          <a:xfrm>
+            <a:off x="11165400" y="6341040"/>
+            <a:ext cx="914400" cy="516960"/>
+          </a:xfrm>
+          <a:prstGeom prst="rect">
+            <a:avLst/>
+          </a:prstGeom>
+          <a:noFill/>
+          <a:ln w="0">
+            <a:noFill/>
+          </a:ln>
+        </p:spPr>
+        <p:style>
+          <a:lnRef idx="0"/>
+          <a:fillRef idx="0"/>
+          <a:effectRef idx="0"/>
+          <a:fontRef idx="minor"/>
+        </p:style>
+        <p:txBody>
+          <a:bodyPr numCol="1" spcCol="0" horzOverflow="overflow" vertOverflow="overflow" lIns="90000" rIns="90000" tIns="45000" bIns="45000" anchor="t">
+            <a:spAutoFit/>
+          </a:bodyPr>
+          <a:p>
+            <a:pPr algn="r">
+              <a:lnSpc>
+                <a:spcPct val="100000"/>
+              </a:lnSpc>
+              <a:buNone/>
+            </a:pPr>
+            <a:r>
+              <a:rPr b="1" lang="ru-RU" sz="2800" spc="-1" strike="noStrike">
+                <a:solidFill>
+                  <a:srgbClr val="ffffff"/>
+                </a:solidFill>
+                <a:latin typeface="Golos Text"/>
+                <a:ea typeface="DejaVu Sans"/>
+              </a:rPr>
+              <a:t>4</a:t>
+            </a:r>
+            <a:endParaRPr b="1" lang="en-US" sz="2800" spc="-1" strike="noStrike">
+              <a:solidFill>
+                <a:srgbClr val="ffffff"/>
+              </a:solidFill>
+              <a:latin typeface="Arial"/>
+            </a:endParaRPr>
+          </a:p>
+        </p:txBody>
+      </p:sp>
     </p:spTree>
   </p:cSld>
   <mc:AlternateContent>
@@ -4765,9 +6095,61 @@
           <a:chExt cx="0" cy="0"/>
         </a:xfrm>
       </p:grpSpPr>
+      <p:sp>
+        <p:nvSpPr>
+          <p:cNvPr id="97" name="Заголовок 2"/>
+          <p:cNvSpPr/>
+          <p:nvPr/>
+        </p:nvSpPr>
+        <p:spPr>
+          <a:xfrm>
+            <a:off x="502560" y="408600"/>
+            <a:ext cx="9096480" cy="700560"/>
+          </a:xfrm>
+          <a:prstGeom prst="rect">
+            <a:avLst/>
+          </a:prstGeom>
+          <a:noFill/>
+          <a:ln w="0">
+            <a:noFill/>
+          </a:ln>
+        </p:spPr>
+        <p:style>
+          <a:lnRef idx="0"/>
+          <a:fillRef idx="0"/>
+          <a:effectRef idx="0"/>
+          <a:fontRef idx="minor"/>
+        </p:style>
+        <p:txBody>
+          <a:bodyPr lIns="90000" rIns="90000" tIns="45000" bIns="45000" anchor="ctr">
+            <a:noAutofit/>
+          </a:bodyPr>
+          <a:p>
+            <a:pPr>
+              <a:lnSpc>
+                <a:spcPct val="100000"/>
+              </a:lnSpc>
+              <a:buNone/>
+            </a:pPr>
+            <a:r>
+              <a:rPr b="1" lang="ru-RU" sz="2800" spc="-1" strike="noStrike">
+                <a:solidFill>
+                  <a:srgbClr val="ffffff"/>
+                </a:solidFill>
+                <a:latin typeface="Golos Text DemiBold"/>
+                <a:ea typeface="DejaVu Sans"/>
+              </a:rPr>
+              <a:t>Plan of the experiment</a:t>
+            </a:r>
+            <a:endParaRPr b="0" lang="en-US" sz="2800" spc="-1" strike="noStrike">
+              <a:latin typeface="Arial"/>
+            </a:endParaRPr>
+          </a:p>
+        </p:txBody>
+      </p:sp>
       <p:pic>
         <p:nvPicPr>
-          <p:cNvPr id="92" name="Рисунок 2" descr=""/>
+          <p:cNvPr id="98" name="" descr=""/>
           <p:cNvPicPr/>
           <p:nvPr/>
         </p:nvPicPr>
@@ -4777,8 +6159,8 @@
         </p:blipFill>
         <p:spPr>
           <a:xfrm>
-            <a:off x="457200" y="2057400"/>
-            <a:ext cx="6786000" cy="3386880"/>
+            <a:off x="1143000" y="1600200"/>
+            <a:ext cx="8685720" cy="4638240"/>
           </a:xfrm>
           <a:prstGeom prst="rect">
             <a:avLst/>
@@ -4788,88 +6170,16 @@
           </a:ln>
         </p:spPr>
       </p:pic>
-      <p:pic>
-        <p:nvPicPr>
-          <p:cNvPr id="93" name="Рисунок 5" descr=""/>
-          <p:cNvPicPr/>
-          <p:nvPr/>
-        </p:nvPicPr>
-        <p:blipFill>
-          <a:blip r:embed="rId2"/>
-          <a:stretch/>
-        </p:blipFill>
-        <p:spPr>
-          <a:xfrm>
-            <a:off x="6629400" y="2057400"/>
-            <a:ext cx="5104440" cy="3409200"/>
-          </a:xfrm>
-          <a:prstGeom prst="rect">
-            <a:avLst/>
-          </a:prstGeom>
-          <a:ln w="0">
-            <a:noFill/>
-          </a:ln>
-        </p:spPr>
-      </p:pic>
-      <p:sp>
-        <p:nvSpPr>
-          <p:cNvPr id="94" name="PlaceHolder 1"/>
-          <p:cNvSpPr>
-            <a:spLocks noGrp="1"/>
-          </p:cNvSpPr>
-          <p:nvPr>
-            <p:ph type="title"/>
-          </p:nvPr>
-        </p:nvSpPr>
-        <p:spPr>
-          <a:xfrm>
-            <a:off x="609480" y="408600"/>
-            <a:ext cx="9097200" cy="701280"/>
-          </a:xfrm>
-          <a:prstGeom prst="rect">
-            <a:avLst/>
-          </a:prstGeom>
-          <a:noFill/>
-          <a:ln w="0">
-            <a:noFill/>
-          </a:ln>
-        </p:spPr>
-        <p:txBody>
-          <a:bodyPr lIns="90000" rIns="90000" tIns="45000" bIns="45000" anchor="ctr">
-            <a:noAutofit/>
-          </a:bodyPr>
-          <a:p>
-            <a:pPr>
-              <a:lnSpc>
-                <a:spcPct val="100000"/>
-              </a:lnSpc>
-              <a:buNone/>
-            </a:pPr>
-            <a:r>
-              <a:rPr b="1" lang="ru-RU" sz="2800" spc="-1" strike="noStrike">
-                <a:solidFill>
-                  <a:srgbClr val="ffffff"/>
-                </a:solidFill>
-                <a:latin typeface="Golos Text DemiBold"/>
-              </a:rPr>
-              <a:t>Data overview</a:t>
-            </a:r>
-            <a:endParaRPr b="0" lang="en-US" sz="2800" spc="-1" strike="noStrike">
-              <a:latin typeface="Arial"/>
-            </a:endParaRPr>
-          </a:p>
-        </p:txBody>
-      </p:sp>
-      <p:sp>
-        <p:nvSpPr>
-          <p:cNvPr id="95" name="TextBox 1"/>
+      <p:sp>
+        <p:nvSpPr>
+          <p:cNvPr id="99" name="TextBox 15"/>
           <p:cNvSpPr/>
           <p:nvPr/>
         </p:nvSpPr>
         <p:spPr>
           <a:xfrm>
-            <a:off x="2514600" y="1828800"/>
-            <a:ext cx="3244320" cy="363960"/>
+            <a:off x="11165400" y="6341040"/>
+            <a:ext cx="914400" cy="516960"/>
           </a:xfrm>
           <a:prstGeom prst="rect">
             <a:avLst/>
@@ -4890,167 +6200,26 @@
             <a:spAutoFit/>
           </a:bodyPr>
           <a:p>
-            <a:pPr>
+            <a:pPr algn="r">
               <a:lnSpc>
                 <a:spcPct val="100000"/>
               </a:lnSpc>
               <a:buNone/>
             </a:pPr>
             <a:r>
-              <a:rPr b="0" i="1" lang="ru-RU" sz="1800" spc="-1" strike="noStrike">
+              <a:rPr b="1" lang="ru-RU" sz="2800" spc="-1" strike="noStrike">
                 <a:solidFill>
-                  <a:srgbClr val="000000"/>
+                  <a:srgbClr val="ffffff"/>
                 </a:solidFill>
                 <a:latin typeface="Golos Text"/>
                 <a:ea typeface="DejaVu Sans"/>
               </a:rPr>
-              <a:t>Synthetic transactions</a:t>
-            </a:r>
-            <a:endParaRPr b="0" lang="en-US" sz="1800" spc="-1" strike="noStrike">
-              <a:latin typeface="Arial"/>
-            </a:endParaRPr>
-          </a:p>
-        </p:txBody>
-      </p:sp>
-      <p:sp>
-        <p:nvSpPr>
-          <p:cNvPr id="96" name="TextBox 3"/>
-          <p:cNvSpPr/>
-          <p:nvPr/>
-        </p:nvSpPr>
-        <p:spPr>
-          <a:xfrm>
-            <a:off x="7688520" y="1828800"/>
-            <a:ext cx="3656520" cy="363960"/>
-          </a:xfrm>
-          <a:prstGeom prst="rect">
-            <a:avLst/>
-          </a:prstGeom>
-          <a:noFill/>
-          <a:ln w="0">
-            <a:noFill/>
-          </a:ln>
-        </p:spPr>
-        <p:style>
-          <a:lnRef idx="0"/>
-          <a:fillRef idx="0"/>
-          <a:effectRef idx="0"/>
-          <a:fontRef idx="minor"/>
-        </p:style>
-        <p:txBody>
-          <a:bodyPr numCol="1" spcCol="0" horzOverflow="overflow" vertOverflow="overflow" lIns="90000" rIns="90000" tIns="45000" bIns="45000" anchor="t">
-            <a:spAutoFit/>
-          </a:bodyPr>
-          <a:p>
-            <a:pPr>
-              <a:lnSpc>
-                <a:spcPct val="100000"/>
-              </a:lnSpc>
-              <a:buNone/>
-            </a:pPr>
-            <a:r>
-              <a:rPr b="0" i="1" lang="ru-RU" sz="1800" spc="-1" strike="noStrike">
-                <a:solidFill>
-                  <a:srgbClr val="000000"/>
-                </a:solidFill>
-                <a:latin typeface="Golos Text"/>
-                <a:ea typeface="DejaVu Sans"/>
-              </a:rPr>
-              <a:t>News after topic analysis</a:t>
-            </a:r>
-            <a:endParaRPr b="0" lang="en-US" sz="1800" spc="-1" strike="noStrike">
-              <a:latin typeface="Arial"/>
-            </a:endParaRPr>
-          </a:p>
-        </p:txBody>
-      </p:sp>
-      <p:sp>
-        <p:nvSpPr>
-          <p:cNvPr id="97" name="TextBox 4"/>
-          <p:cNvSpPr/>
-          <p:nvPr/>
-        </p:nvSpPr>
-        <p:spPr>
-          <a:xfrm>
-            <a:off x="1828800" y="5533200"/>
-            <a:ext cx="8914320" cy="638280"/>
-          </a:xfrm>
-          <a:prstGeom prst="rect">
-            <a:avLst/>
-          </a:prstGeom>
-          <a:noFill/>
-          <a:ln w="0">
-            <a:noFill/>
-          </a:ln>
-        </p:spPr>
-        <p:style>
-          <a:lnRef idx="0"/>
-          <a:fillRef idx="0"/>
-          <a:effectRef idx="0"/>
-          <a:fontRef idx="minor"/>
-        </p:style>
-        <p:txBody>
-          <a:bodyPr numCol="1" spcCol="0" horzOverflow="overflow" vertOverflow="overflow" lIns="90000" rIns="90000" tIns="45000" bIns="45000" anchor="t">
-            <a:spAutoFit/>
-          </a:bodyPr>
-          <a:p>
-            <a:pPr>
-              <a:lnSpc>
-                <a:spcPct val="100000"/>
-              </a:lnSpc>
-              <a:buNone/>
-            </a:pPr>
-            <a:r>
-              <a:rPr b="0" lang="ru-RU" sz="1800" spc="-1" strike="noStrike">
-                <a:solidFill>
-                  <a:srgbClr val="000000"/>
-                </a:solidFill>
-                <a:latin typeface="Golos Text"/>
-                <a:ea typeface="DejaVu Sans"/>
-              </a:rPr>
-              <a:t>Additionally, </a:t>
-            </a:r>
-            <a:r>
-              <a:rPr b="1" lang="ru-RU" sz="1800" spc="-1" strike="noStrike">
-                <a:solidFill>
-                  <a:srgbClr val="000000"/>
-                </a:solidFill>
-                <a:latin typeface="Golos Text"/>
-                <a:ea typeface="DejaVu Sans"/>
-              </a:rPr>
-              <a:t>20</a:t>
-            </a:r>
-            <a:r>
-              <a:rPr b="0" lang="ru-RU" sz="1800" spc="-1" strike="noStrike">
-                <a:solidFill>
-                  <a:srgbClr val="000000"/>
-                </a:solidFill>
-                <a:latin typeface="Golos Text"/>
-                <a:ea typeface="DejaVu Sans"/>
-              </a:rPr>
-              <a:t> macroeconomical and epidemiological </a:t>
-            </a:r>
-            <a:r>
-              <a:rPr b="1" lang="ru-RU" sz="1800" spc="-1" strike="noStrike">
-                <a:solidFill>
-                  <a:srgbClr val="000000"/>
-                </a:solidFill>
-                <a:latin typeface="Golos Text"/>
-                <a:ea typeface="DejaVu Sans"/>
-              </a:rPr>
-              <a:t>time series</a:t>
-            </a:r>
-            <a:r>
-              <a:rPr b="0" lang="ru-RU" sz="1800" spc="-1" strike="noStrike">
-                <a:solidFill>
-                  <a:srgbClr val="000000"/>
-                </a:solidFill>
-                <a:latin typeface="Golos Text"/>
-                <a:ea typeface="DejaVu Sans"/>
-              </a:rPr>
-              <a:t> were added to the context. </a:t>
-            </a:r>
-            <a:endParaRPr b="0" lang="en-US" sz="1800" spc="-1" strike="noStrike">
+              <a:t>5</a:t>
+            </a:r>
+            <a:endParaRPr b="1" lang="en-US" sz="2800" spc="-1" strike="noStrike">
+              <a:solidFill>
+                <a:srgbClr val="ffffff"/>
+              </a:solidFill>
               <a:latin typeface="Arial"/>
             </a:endParaRPr>
           </a:p>
@@ -5088,7 +6257,7 @@
       </p:grpSpPr>
       <p:pic>
         <p:nvPicPr>
-          <p:cNvPr id="98" name="Рисунок 6" descr=""/>
+          <p:cNvPr id="100" name="Рисунок 2" descr=""/>
           <p:cNvPicPr/>
           <p:nvPr/>
         </p:nvPicPr>
@@ -5098,8 +6267,8 @@
         </p:blipFill>
         <p:spPr>
           <a:xfrm>
-            <a:off x="686880" y="1354320"/>
-            <a:ext cx="8272080" cy="4147560"/>
+            <a:off x="457200" y="2057400"/>
+            <a:ext cx="6785280" cy="3386160"/>
           </a:xfrm>
           <a:prstGeom prst="rect">
             <a:avLst/>
@@ -5109,9 +6278,32 @@
           </a:ln>
         </p:spPr>
       </p:pic>
-      <p:sp>
-        <p:nvSpPr>
-          <p:cNvPr id="99" name="PlaceHolder 1"/>
+      <p:pic>
+        <p:nvPicPr>
+          <p:cNvPr id="101" name="Рисунок 5" descr=""/>
+          <p:cNvPicPr/>
+          <p:nvPr/>
+        </p:nvPicPr>
+        <p:blipFill>
+          <a:blip r:embed="rId2"/>
+          <a:stretch/>
+        </p:blipFill>
+        <p:spPr>
+          <a:xfrm>
+            <a:off x="6629400" y="2057400"/>
+            <a:ext cx="5103720" cy="3408480"/>
+          </a:xfrm>
+          <a:prstGeom prst="rect">
+            <a:avLst/>
+          </a:prstGeom>
+          <a:ln w="0">
+            <a:noFill/>
+          </a:ln>
+        </p:spPr>
+      </p:pic>
+      <p:sp>
+        <p:nvSpPr>
+          <p:cNvPr id="102" name="PlaceHolder 1"/>
           <p:cNvSpPr>
             <a:spLocks noGrp="1"/>
           </p:cNvSpPr>
@@ -5122,7 +6314,7 @@
         <p:spPr>
           <a:xfrm>
             <a:off x="609480" y="408600"/>
-            <a:ext cx="9097200" cy="701280"/>
+            <a:ext cx="9096480" cy="700560"/>
           </a:xfrm>
           <a:prstGeom prst="rect">
             <a:avLst/>
@@ -5150,7 +6342,7 @@
                 </a:solidFill>
                 <a:latin typeface="Golos Text DemiBold"/>
               </a:rPr>
-              <a:t>ARIMAX using the whole context</a:t>
+              <a:t>Data overview</a:t>
             </a:r>
             <a:endParaRPr b="0" lang="en-US" sz="2800" spc="-1" strike="noStrike">
               <a:latin typeface="Arial"/>
@@ -5160,14 +6352,14 @@
       </p:sp>
       <p:sp>
         <p:nvSpPr>
-          <p:cNvPr id="100" name="TextBox 2"/>
+          <p:cNvPr id="103" name="TextBox 1"/>
           <p:cNvSpPr/>
           <p:nvPr/>
         </p:nvSpPr>
         <p:spPr>
           <a:xfrm>
-            <a:off x="8276040" y="2971800"/>
-            <a:ext cx="3381480" cy="1369800"/>
+            <a:off x="2514600" y="1828800"/>
+            <a:ext cx="3243600" cy="363960"/>
           </a:xfrm>
           <a:prstGeom prst="rect">
             <a:avLst/>
@@ -5195,31 +6387,31 @@
               <a:buNone/>
             </a:pPr>
             <a:r>
-              <a:rPr b="0" lang="ru-RU" sz="2100" spc="-1" strike="noStrike">
+              <a:rPr b="0" i="1" lang="ru-RU" sz="1800" spc="-1" strike="noStrike">
                 <a:solidFill>
                   <a:srgbClr val="000000"/>
                 </a:solidFill>
                 <a:latin typeface="Golos Text"/>
                 <a:ea typeface="DejaVu Sans"/>
               </a:rPr>
-              <a:t>Error metrics are averaged across 10 runs with different prediction dates.</a:t>
-            </a:r>
-            <a:endParaRPr b="0" lang="en-US" sz="2100" spc="-1" strike="noStrike">
-              <a:latin typeface="Arial"/>
-            </a:endParaRPr>
-          </a:p>
-        </p:txBody>
-      </p:sp>
-      <p:sp>
-        <p:nvSpPr>
-          <p:cNvPr id="101" name="TextBox 6"/>
+              <a:t>Synthetic transactions</a:t>
+            </a:r>
+            <a:endParaRPr b="0" lang="en-US" sz="1800" spc="-1" strike="noStrike">
+              <a:latin typeface="Arial"/>
+            </a:endParaRPr>
+          </a:p>
+        </p:txBody>
+      </p:sp>
+      <p:sp>
+        <p:nvSpPr>
+          <p:cNvPr id="104" name="TextBox 3"/>
           <p:cNvSpPr/>
           <p:nvPr/>
         </p:nvSpPr>
         <p:spPr>
           <a:xfrm>
-            <a:off x="1249560" y="5574600"/>
-            <a:ext cx="10466640" cy="638280"/>
+            <a:off x="7688520" y="1828800"/>
+            <a:ext cx="3655800" cy="363960"/>
           </a:xfrm>
           <a:prstGeom prst="rect">
             <a:avLst/>
@@ -5254,19 +6446,156 @@
                 <a:latin typeface="Golos Text"/>
                 <a:ea typeface="DejaVu Sans"/>
               </a:rPr>
-              <a:t>ARIMAX consumption forecast using the whole context is of low quality. </a:t>
-            </a:r>
-            <a:r>
-              <a:rPr b="1" i="1" lang="ru-RU" sz="1800" spc="-1" strike="noStrike">
+              <a:t>News after topic analysis</a:t>
+            </a:r>
+            <a:endParaRPr b="0" lang="en-US" sz="1800" spc="-1" strike="noStrike">
+              <a:latin typeface="Arial"/>
+            </a:endParaRPr>
+          </a:p>
+        </p:txBody>
+      </p:sp>
+      <p:sp>
+        <p:nvSpPr>
+          <p:cNvPr id="105" name="TextBox 4"/>
+          <p:cNvSpPr/>
+          <p:nvPr/>
+        </p:nvSpPr>
+        <p:spPr>
+          <a:xfrm>
+            <a:off x="1828800" y="5533200"/>
+            <a:ext cx="8913600" cy="638280"/>
+          </a:xfrm>
+          <a:prstGeom prst="rect">
+            <a:avLst/>
+          </a:prstGeom>
+          <a:noFill/>
+          <a:ln w="0">
+            <a:noFill/>
+          </a:ln>
+        </p:spPr>
+        <p:style>
+          <a:lnRef idx="0"/>
+          <a:fillRef idx="0"/>
+          <a:effectRef idx="0"/>
+          <a:fontRef idx="minor"/>
+        </p:style>
+        <p:txBody>
+          <a:bodyPr numCol="1" spcCol="0" horzOverflow="overflow" vertOverflow="overflow" lIns="90000" rIns="90000" tIns="45000" bIns="45000" anchor="t">
+            <a:spAutoFit/>
+          </a:bodyPr>
+          <a:p>
+            <a:pPr>
+              <a:lnSpc>
+                <a:spcPct val="100000"/>
+              </a:lnSpc>
+              <a:buNone/>
+            </a:pPr>
+            <a:r>
+              <a:rPr b="0" lang="ru-RU" sz="1800" spc="-1" strike="noStrike">
                 <a:solidFill>
                   <a:srgbClr val="000000"/>
                 </a:solidFill>
                 <a:latin typeface="Golos Text"/>
                 <a:ea typeface="DejaVu Sans"/>
               </a:rPr>
-              <a:t>Selection of exogenous variables is required.</a:t>
+              <a:t>Additionally, </a:t>
+            </a:r>
+            <a:r>
+              <a:rPr b="1" lang="ru-RU" sz="1800" spc="-1" strike="noStrike">
+                <a:solidFill>
+                  <a:srgbClr val="000000"/>
+                </a:solidFill>
+                <a:latin typeface="Golos Text"/>
+                <a:ea typeface="DejaVu Sans"/>
+              </a:rPr>
+              <a:t>20</a:t>
+            </a:r>
+            <a:r>
+              <a:rPr b="0" lang="ru-RU" sz="1800" spc="-1" strike="noStrike">
+                <a:solidFill>
+                  <a:srgbClr val="000000"/>
+                </a:solidFill>
+                <a:latin typeface="Golos Text"/>
+                <a:ea typeface="DejaVu Sans"/>
+              </a:rPr>
+              <a:t> macroeconomical and epidemiological </a:t>
+            </a:r>
+            <a:r>
+              <a:rPr b="1" lang="ru-RU" sz="1800" spc="-1" strike="noStrike">
+                <a:solidFill>
+                  <a:srgbClr val="000000"/>
+                </a:solidFill>
+                <a:latin typeface="Golos Text"/>
+                <a:ea typeface="DejaVu Sans"/>
+              </a:rPr>
+              <a:t>time series</a:t>
+            </a:r>
+            <a:r>
+              <a:rPr b="0" lang="ru-RU" sz="1800" spc="-1" strike="noStrike">
+                <a:solidFill>
+                  <a:srgbClr val="000000"/>
+                </a:solidFill>
+                <a:latin typeface="Golos Text"/>
+                <a:ea typeface="DejaVu Sans"/>
+              </a:rPr>
+              <a:t> were added to the context. </a:t>
             </a:r>
             <a:endParaRPr b="0" lang="en-US" sz="1800" spc="-1" strike="noStrike">
+              <a:latin typeface="Arial"/>
+            </a:endParaRPr>
+          </a:p>
+        </p:txBody>
+      </p:sp>
+      <p:sp>
+        <p:nvSpPr>
+          <p:cNvPr id="106" name="TextBox 16"/>
+          <p:cNvSpPr/>
+          <p:nvPr/>
+        </p:nvSpPr>
+        <p:spPr>
+          <a:xfrm>
+            <a:off x="11165400" y="6341040"/>
+            <a:ext cx="914400" cy="516960"/>
+          </a:xfrm>
+          <a:prstGeom prst="rect">
+            <a:avLst/>
+          </a:prstGeom>
+          <a:noFill/>
+          <a:ln w="0">
+            <a:noFill/>
+          </a:ln>
+        </p:spPr>
+        <p:style>
+          <a:lnRef idx="0"/>
+          <a:fillRef idx="0"/>
+          <a:effectRef idx="0"/>
+          <a:fontRef idx="minor"/>
+        </p:style>
+        <p:txBody>
+          <a:bodyPr numCol="1" spcCol="0" horzOverflow="overflow" vertOverflow="overflow" lIns="90000" rIns="90000" tIns="45000" bIns="45000" anchor="t">
+            <a:spAutoFit/>
+          </a:bodyPr>
+          <a:p>
+            <a:pPr algn="r">
+              <a:lnSpc>
+                <a:spcPct val="100000"/>
+              </a:lnSpc>
+              <a:buNone/>
+            </a:pPr>
+            <a:r>
+              <a:rPr b="1" lang="ru-RU" sz="2800" spc="-1" strike="noStrike">
+                <a:solidFill>
+                  <a:srgbClr val="ffffff"/>
+                </a:solidFill>
+                <a:latin typeface="Golos Text"/>
+                <a:ea typeface="DejaVu Sans"/>
+              </a:rPr>
+              <a:t>6</a:t>
+            </a:r>
+            <a:endParaRPr b="1" lang="en-US" sz="2800" spc="-1" strike="noStrike">
+              <a:solidFill>
+                <a:srgbClr val="ffffff"/>
+              </a:solidFill>
               <a:latin typeface="Arial"/>
             </a:endParaRPr>
           </a:p>
@@ -5304,7 +6633,7 @@
       </p:grpSpPr>
       <p:pic>
         <p:nvPicPr>
-          <p:cNvPr id="102" name="Рисунок 8" descr=""/>
+          <p:cNvPr id="107" name="Рисунок 6" descr=""/>
           <p:cNvPicPr/>
           <p:nvPr/>
         </p:nvPicPr>
@@ -5314,8 +6643,8 @@
         </p:blipFill>
         <p:spPr>
           <a:xfrm>
-            <a:off x="651240" y="2165040"/>
-            <a:ext cx="8034480" cy="4006080"/>
+            <a:off x="686880" y="1354320"/>
+            <a:ext cx="8271360" cy="4146840"/>
           </a:xfrm>
           <a:prstGeom prst="rect">
             <a:avLst/>
@@ -5327,7 +6656,7 @@
       </p:pic>
       <p:sp>
         <p:nvSpPr>
-          <p:cNvPr id="103" name="PlaceHolder 1"/>
+          <p:cNvPr id="108" name="PlaceHolder 1"/>
           <p:cNvSpPr>
             <a:spLocks noGrp="1"/>
           </p:cNvSpPr>
@@ -5338,7 +6667,7 @@
         <p:spPr>
           <a:xfrm>
             <a:off x="609480" y="408600"/>
-            <a:ext cx="9097200" cy="701280"/>
+            <a:ext cx="9096480" cy="700560"/>
           </a:xfrm>
           <a:prstGeom prst="rect">
             <a:avLst/>
@@ -5366,7 +6695,7 @@
                 </a:solidFill>
                 <a:latin typeface="Golos Text DemiBold"/>
               </a:rPr>
-              <a:t>ARIMAX predictions for the best categories</a:t>
+              <a:t>ARIMAX using the whole context</a:t>
             </a:r>
             <a:endParaRPr b="0" lang="en-US" sz="2800" spc="-1" strike="noStrike">
               <a:latin typeface="Arial"/>
@@ -5376,14 +6705,14 @@
       </p:sp>
       <p:sp>
         <p:nvSpPr>
-          <p:cNvPr id="104" name="TextBox 6"/>
+          <p:cNvPr id="109" name="TextBox 2"/>
           <p:cNvSpPr/>
           <p:nvPr/>
         </p:nvSpPr>
         <p:spPr>
           <a:xfrm>
-            <a:off x="3612600" y="1801080"/>
-            <a:ext cx="2329920" cy="363960"/>
+            <a:off x="8276040" y="2971800"/>
+            <a:ext cx="3380760" cy="1369800"/>
           </a:xfrm>
           <a:prstGeom prst="rect">
             <a:avLst/>
@@ -5411,6 +6740,68 @@
               <a:buNone/>
             </a:pPr>
             <a:r>
+              <a:rPr b="0" lang="ru-RU" sz="2100" spc="-1" strike="noStrike">
+                <a:solidFill>
+                  <a:srgbClr val="000000"/>
+                </a:solidFill>
+                <a:latin typeface="Golos Text"/>
+                <a:ea typeface="DejaVu Sans"/>
+              </a:rPr>
+              <a:t>Error metrics are averaged across 10 runs with different prediction dates.</a:t>
+            </a:r>
+            <a:endParaRPr b="0" lang="en-US" sz="2100" spc="-1" strike="noStrike">
+              <a:latin typeface="Arial"/>
+            </a:endParaRPr>
+          </a:p>
+        </p:txBody>
+      </p:sp>
+      <p:sp>
+        <p:nvSpPr>
+          <p:cNvPr id="110" name="TextBox 6"/>
+          <p:cNvSpPr/>
+          <p:nvPr/>
+        </p:nvSpPr>
+        <p:spPr>
+          <a:xfrm>
+            <a:off x="1249560" y="5574600"/>
+            <a:ext cx="10465920" cy="638280"/>
+          </a:xfrm>
+          <a:prstGeom prst="rect">
+            <a:avLst/>
+          </a:prstGeom>
+          <a:noFill/>
+          <a:ln w="0">
+            <a:noFill/>
+          </a:ln>
+        </p:spPr>
+        <p:style>
+          <a:lnRef idx="0"/>
+          <a:fillRef idx="0"/>
+          <a:effectRef idx="0"/>
+          <a:fontRef idx="minor"/>
+        </p:style>
+        <p:txBody>
+          <a:bodyPr numCol="1" spcCol="0" horzOverflow="overflow" vertOverflow="overflow" lIns="90000" rIns="90000" tIns="45000" bIns="45000" anchor="t">
+            <a:spAutoFit/>
+          </a:bodyPr>
+          <a:p>
+            <a:pPr>
+              <a:lnSpc>
+                <a:spcPct val="100000"/>
+              </a:lnSpc>
+              <a:buNone/>
+            </a:pPr>
+            <a:r>
+              <a:rPr b="0" i="1" lang="ru-RU" sz="1800" spc="-1" strike="noStrike">
+                <a:solidFill>
+                  <a:srgbClr val="000000"/>
+                </a:solidFill>
+                <a:latin typeface="Golos Text"/>
+                <a:ea typeface="DejaVu Sans"/>
+              </a:rPr>
+              <a:t>ARIMAX consumption forecast using the whole context is of low quality. </a:t>
+            </a:r>
+            <a:r>
               <a:rPr b="1" i="1" lang="ru-RU" sz="1800" spc="-1" strike="noStrike">
                 <a:solidFill>
                   <a:srgbClr val="000000"/>
@@ -5418,7 +6809,7 @@
                 <a:latin typeface="Golos Text"/>
                 <a:ea typeface="DejaVu Sans"/>
               </a:rPr>
-              <a:t>Health – 3.14%</a:t>
+              <a:t>Selection of exogenous variables is required.</a:t>
             </a:r>
             <a:endParaRPr b="0" lang="en-US" sz="1800" spc="-1" strike="noStrike">
               <a:latin typeface="Arial"/>
@@ -5428,14 +6819,14 @@
       </p:sp>
       <p:sp>
         <p:nvSpPr>
-          <p:cNvPr id="105" name="TextBox 12"/>
+          <p:cNvPr id="111" name="TextBox 17"/>
           <p:cNvSpPr/>
           <p:nvPr/>
         </p:nvSpPr>
         <p:spPr>
           <a:xfrm>
-            <a:off x="8144640" y="2503800"/>
-            <a:ext cx="3284280" cy="3138840"/>
+            <a:off x="11165400" y="6341040"/>
+            <a:ext cx="914400" cy="516960"/>
           </a:xfrm>
           <a:prstGeom prst="rect">
             <a:avLst/>
@@ -5456,158 +6847,26 @@
             <a:spAutoFit/>
           </a:bodyPr>
           <a:p>
-            <a:pPr>
+            <a:pPr algn="r">
               <a:lnSpc>
                 <a:spcPct val="100000"/>
               </a:lnSpc>
               <a:buNone/>
             </a:pPr>
             <a:r>
-              <a:rPr b="1" lang="ru-RU" sz="2000" spc="-1" strike="noStrike">
+              <a:rPr b="1" lang="ru-RU" sz="2800" spc="-1" strike="noStrike">
                 <a:solidFill>
-                  <a:srgbClr val="000000"/>
+                  <a:srgbClr val="ffffff"/>
                 </a:solidFill>
                 <a:latin typeface="Golos Text"/>
                 <a:ea typeface="DejaVu Sans"/>
               </a:rPr>
-              <a:t>5 best topics</a:t>
-            </a:r>
-            <a:r>
-              <a:rPr b="0" lang="ru-RU" sz="2000" spc="-1" strike="noStrike">
-                <a:solidFill>
-                  <a:srgbClr val="000000"/>
-                </a:solidFill>
-                <a:latin typeface="Golos Text"/>
-                <a:ea typeface="DejaVu Sans"/>
-              </a:rPr>
-              <a:t>, used for the model:</a:t>
-            </a:r>
-            <a:endParaRPr b="0" lang="en-US" sz="2000" spc="-1" strike="noStrike">
-              <a:latin typeface="Arial"/>
-            </a:endParaRPr>
-          </a:p>
-          <a:p>
-            <a:pPr marL="285840" indent="-285840">
-              <a:lnSpc>
-                <a:spcPct val="100000"/>
-              </a:lnSpc>
-              <a:buClr>
-                <a:srgbClr val="000000"/>
-              </a:buClr>
-              <a:buFont typeface="Arial"/>
-              <a:buChar char="•"/>
-            </a:pPr>
-            <a:r>
-              <a:rPr b="0" lang="ru-RU" sz="2000" spc="-1" strike="noStrike">
-                <a:solidFill>
-                  <a:srgbClr val="000000"/>
-                </a:solidFill>
-                <a:latin typeface="Golos Text"/>
-                <a:ea typeface="DejaVu Sans"/>
-              </a:rPr>
-              <a:t>Real estate affordability, Russia</a:t>
-            </a:r>
-            <a:endParaRPr b="0" lang="en-US" sz="2000" spc="-1" strike="noStrike">
-              <a:latin typeface="Arial"/>
-            </a:endParaRPr>
-          </a:p>
-          <a:p>
-            <a:pPr marL="285840" indent="-285840">
-              <a:lnSpc>
-                <a:spcPct val="100000"/>
-              </a:lnSpc>
-              <a:buClr>
-                <a:srgbClr val="000000"/>
-              </a:buClr>
-              <a:buFont typeface="Arial"/>
-              <a:buChar char="•"/>
-            </a:pPr>
-            <a:r>
-              <a:rPr b="0" lang="ru-RU" sz="2000" spc="-1" strike="noStrike">
-                <a:solidFill>
-                  <a:srgbClr val="000000"/>
-                </a:solidFill>
-                <a:latin typeface="Golos Text"/>
-                <a:ea typeface="DejaVu Sans"/>
-              </a:rPr>
-              <a:t>Real estate affordability, SPb</a:t>
-            </a:r>
-            <a:endParaRPr b="0" lang="en-US" sz="2000" spc="-1" strike="noStrike">
-              <a:latin typeface="Arial"/>
-            </a:endParaRPr>
-          </a:p>
-          <a:p>
-            <a:pPr marL="285840" indent="-285840">
-              <a:lnSpc>
-                <a:spcPct val="100000"/>
-              </a:lnSpc>
-              <a:buClr>
-                <a:srgbClr val="000000"/>
-              </a:buClr>
-              <a:buFont typeface="Arial"/>
-              <a:buChar char="•"/>
-            </a:pPr>
-            <a:r>
-              <a:rPr b="0" lang="ru-RU" sz="2000" spc="-1" strike="noStrike">
-                <a:solidFill>
-                  <a:srgbClr val="000000"/>
-                </a:solidFill>
-                <a:latin typeface="Golos Text"/>
-                <a:ea typeface="DejaVu Sans"/>
-              </a:rPr>
-              <a:t>COVID news</a:t>
-            </a:r>
-            <a:endParaRPr b="0" lang="en-US" sz="2000" spc="-1" strike="noStrike">
-              <a:latin typeface="Arial"/>
-            </a:endParaRPr>
-          </a:p>
-          <a:p>
-            <a:pPr marL="285840" indent="-285840">
-              <a:lnSpc>
-                <a:spcPct val="100000"/>
-              </a:lnSpc>
-              <a:buClr>
-                <a:srgbClr val="000000"/>
-              </a:buClr>
-              <a:buFont typeface="Arial"/>
-              <a:buChar char="•"/>
-            </a:pPr>
-            <a:r>
-              <a:rPr b="0" lang="ru-RU" sz="2000" spc="-1" strike="noStrike">
-                <a:solidFill>
-                  <a:srgbClr val="000000"/>
-                </a:solidFill>
-                <a:latin typeface="Golos Text"/>
-                <a:ea typeface="DejaVu Sans"/>
-              </a:rPr>
-              <a:t>GDP</a:t>
-            </a:r>
-            <a:endParaRPr b="0" lang="en-US" sz="2000" spc="-1" strike="noStrike">
-              <a:latin typeface="Arial"/>
-            </a:endParaRPr>
-          </a:p>
-          <a:p>
-            <a:pPr marL="285840" indent="-285840">
-              <a:lnSpc>
-                <a:spcPct val="100000"/>
-              </a:lnSpc>
-              <a:buClr>
-                <a:srgbClr val="000000"/>
-              </a:buClr>
-              <a:buFont typeface="Arial"/>
-              <a:buChar char="•"/>
-            </a:pPr>
-            <a:r>
-              <a:rPr b="0" lang="ru-RU" sz="2000" spc="-1" strike="noStrike">
-                <a:solidFill>
-                  <a:srgbClr val="000000"/>
-                </a:solidFill>
-                <a:latin typeface="Golos Text"/>
-                <a:ea typeface="DejaVu Sans"/>
-              </a:rPr>
-              <a:t>COVID-19 in Russia, new cases</a:t>
-            </a:r>
-            <a:endParaRPr b="0" lang="en-US" sz="2000" spc="-1" strike="noStrike">
+              <a:t>7</a:t>
+            </a:r>
+            <a:endParaRPr b="1" lang="en-US" sz="2800" spc="-1" strike="noStrike">
+              <a:solidFill>
+                <a:srgbClr val="ffffff"/>
+              </a:solidFill>
               <a:latin typeface="Arial"/>
             </a:endParaRPr>
           </a:p>
@@ -5645,7 +6904,7 @@
       </p:grpSpPr>
       <p:pic>
         <p:nvPicPr>
-          <p:cNvPr id="106" name="Рисунок 7" descr=""/>
+          <p:cNvPr id="112" name="Рисунок 8" descr=""/>
           <p:cNvPicPr/>
           <p:nvPr/>
         </p:nvPicPr>
@@ -5655,8 +6914,8 @@
         </p:blipFill>
         <p:spPr>
           <a:xfrm>
-            <a:off x="565920" y="1889280"/>
-            <a:ext cx="8577000" cy="4281840"/>
+            <a:off x="651240" y="2165040"/>
+            <a:ext cx="8033760" cy="4005360"/>
           </a:xfrm>
           <a:prstGeom prst="rect">
             <a:avLst/>
@@ -5668,7 +6927,7 @@
       </p:pic>
       <p:sp>
         <p:nvSpPr>
-          <p:cNvPr id="107" name="PlaceHolder 1"/>
+          <p:cNvPr id="113" name="PlaceHolder 1"/>
           <p:cNvSpPr>
             <a:spLocks noGrp="1"/>
           </p:cNvSpPr>
@@ -5679,7 +6938,7 @@
         <p:spPr>
           <a:xfrm>
             <a:off x="609480" y="408600"/>
-            <a:ext cx="9097200" cy="701280"/>
+            <a:ext cx="9096480" cy="700560"/>
           </a:xfrm>
           <a:prstGeom prst="rect">
             <a:avLst/>
@@ -5707,7 +6966,7 @@
                 </a:solidFill>
                 <a:latin typeface="Golos Text DemiBold"/>
               </a:rPr>
-              <a:t>ARIMAX prediction enhancement via adding exogenous variables</a:t>
+              <a:t>ARIMAX predictions for the best categories</a:t>
             </a:r>
             <a:endParaRPr b="0" lang="en-US" sz="2800" spc="-1" strike="noStrike">
               <a:latin typeface="Arial"/>
@@ -5717,14 +6976,14 @@
       </p:sp>
       <p:sp>
         <p:nvSpPr>
-          <p:cNvPr id="108" name="TextBox 2"/>
+          <p:cNvPr id="114" name="TextBox 6"/>
           <p:cNvSpPr/>
           <p:nvPr/>
         </p:nvSpPr>
         <p:spPr>
           <a:xfrm>
-            <a:off x="3200400" y="1525320"/>
-            <a:ext cx="2993040" cy="363960"/>
+            <a:off x="3612600" y="1801080"/>
+            <a:ext cx="2329200" cy="363960"/>
           </a:xfrm>
           <a:prstGeom prst="rect">
             <a:avLst/>
@@ -5759,37 +7018,7 @@
                 <a:latin typeface="Golos Text"/>
                 <a:ea typeface="DejaVu Sans"/>
               </a:rPr>
-              <a:t>Kids – 29.96</a:t>
-            </a:r>
-            <a:r>
-              <a:rPr b="1" i="1" lang="ru-RU" sz="1800" spc="-1" strike="noStrike">
-                <a:solidFill>
-                  <a:srgbClr val="000000"/>
-                </a:solidFill>
-                <a:latin typeface="Golos Text"/>
-                <a:ea typeface="Calibri"/>
-              </a:rPr>
-              <a:t> </a:t>
-            </a:r>
-            <a:r>
-              <a:rPr b="1" lang="ru-RU" sz="1800" spc="-1" strike="noStrike">
-                <a:solidFill>
-                  <a:srgbClr val="000000"/>
-                </a:solidFill>
-                <a:latin typeface="Golos Text"/>
-                <a:ea typeface="Calibri"/>
-              </a:rPr>
-              <a:t>→ </a:t>
-            </a:r>
-            <a:r>
-              <a:rPr b="1" i="1" lang="ru-RU" sz="1800" spc="-1" strike="noStrike">
-                <a:solidFill>
-                  <a:srgbClr val="000000"/>
-                </a:solidFill>
-                <a:latin typeface="Golos Text"/>
-                <a:ea typeface="DejaVu Sans"/>
-              </a:rPr>
-              <a:t>7.13%</a:t>
+              <a:t>Health – 3.14%</a:t>
             </a:r>
             <a:endParaRPr b="0" lang="en-US" sz="1800" spc="-1" strike="noStrike">
               <a:latin typeface="Arial"/>
@@ -5799,14 +7028,14 @@
       </p:sp>
       <p:sp>
         <p:nvSpPr>
-          <p:cNvPr id="109" name="TextBox 10"/>
+          <p:cNvPr id="115" name="TextBox 12"/>
           <p:cNvSpPr/>
           <p:nvPr/>
         </p:nvSpPr>
         <p:spPr>
           <a:xfrm>
-            <a:off x="8578800" y="2333160"/>
-            <a:ext cx="2850120" cy="3335400"/>
+            <a:off x="8144640" y="2503800"/>
+            <a:ext cx="3283560" cy="3138840"/>
           </a:xfrm>
           <a:prstGeom prst="rect">
             <a:avLst/>
@@ -5834,16 +7063,26 @@
               <a:buNone/>
             </a:pPr>
             <a:r>
-              <a:rPr b="1" lang="ru-RU" sz="1800" spc="-1" strike="noStrike">
+              <a:rPr b="1" lang="ru-RU" sz="2000" spc="-1" strike="noStrike">
                 <a:solidFill>
                   <a:srgbClr val="000000"/>
                 </a:solidFill>
                 <a:latin typeface="Golos Text"/>
                 <a:ea typeface="DejaVu Sans"/>
               </a:rPr>
-              <a:t>Added variables:</a:t>
-            </a:r>
-            <a:endParaRPr b="0" lang="en-US" sz="1800" spc="-1" strike="noStrike">
+              <a:t>5 best topics</a:t>
+            </a:r>
+            <a:r>
+              <a:rPr b="0" lang="ru-RU" sz="2000" spc="-1" strike="noStrike">
+                <a:solidFill>
+                  <a:srgbClr val="000000"/>
+                </a:solidFill>
+                <a:latin typeface="Golos Text"/>
+                <a:ea typeface="DejaVu Sans"/>
+              </a:rPr>
+              <a:t>, used for the model:</a:t>
+            </a:r>
+            <a:endParaRPr b="0" lang="en-US" sz="2000" spc="-1" strike="noStrike">
               <a:latin typeface="Arial"/>
             </a:endParaRPr>
           </a:p>
@@ -5859,16 +7098,16 @@
               <a:buChar char="•"/>
             </a:pPr>
             <a:r>
-              <a:rPr b="0" lang="ru-RU" sz="1800" spc="-1" strike="noStrike">
+              <a:rPr b="0" lang="ru-RU" sz="2000" spc="-1" strike="noStrike">
                 <a:solidFill>
                   <a:srgbClr val="000000"/>
                 </a:solidFill>
                 <a:latin typeface="Golos Text"/>
                 <a:ea typeface="DejaVu Sans"/>
               </a:rPr>
-              <a:t>Consumer price index</a:t>
-            </a:r>
-            <a:endParaRPr b="0" lang="en-US" sz="1800" spc="-1" strike="noStrike">
+              <a:t>Real estate affordability, Russia</a:t>
+            </a:r>
+            <a:endParaRPr b="0" lang="en-US" sz="2000" spc="-1" strike="noStrike">
               <a:latin typeface="Arial"/>
             </a:endParaRPr>
           </a:p>
@@ -5884,16 +7123,16 @@
               <a:buChar char="•"/>
             </a:pPr>
             <a:r>
-              <a:rPr b="0" lang="ru-RU" sz="1800" spc="-1" strike="noStrike">
+              <a:rPr b="0" lang="ru-RU" sz="2000" spc="-1" strike="noStrike">
                 <a:solidFill>
                   <a:srgbClr val="000000"/>
                 </a:solidFill>
                 <a:latin typeface="Golos Text"/>
                 <a:ea typeface="DejaVu Sans"/>
               </a:rPr>
-              <a:t>Consumer price index, food</a:t>
-            </a:r>
-            <a:endParaRPr b="0" lang="en-US" sz="1800" spc="-1" strike="noStrike">
+              <a:t>Real estate affordability, SPb</a:t>
+            </a:r>
+            <a:endParaRPr b="0" lang="en-US" sz="2000" spc="-1" strike="noStrike">
               <a:latin typeface="Arial"/>
             </a:endParaRPr>
           </a:p>
@@ -5909,48 +7148,121 @@
               <a:buChar char="•"/>
             </a:pPr>
             <a:r>
-              <a:rPr b="0" lang="ru-RU" sz="1800" spc="-1" strike="noStrike">
+              <a:rPr b="0" lang="ru-RU" sz="2000" spc="-1" strike="noStrike">
                 <a:solidFill>
                   <a:srgbClr val="000000"/>
                 </a:solidFill>
                 <a:latin typeface="Golos Text"/>
                 <a:ea typeface="DejaVu Sans"/>
               </a:rPr>
-              <a:t>Consumer price index, services</a:t>
-            </a:r>
-            <a:endParaRPr b="0" lang="en-US" sz="1800" spc="-1" strike="noStrike">
-              <a:latin typeface="Arial"/>
-            </a:endParaRPr>
-          </a:p>
-          <a:p>
-            <a:pPr>
+              <a:t>COVID news</a:t>
+            </a:r>
+            <a:endParaRPr b="0" lang="en-US" sz="2000" spc="-1" strike="noStrike">
+              <a:latin typeface="Arial"/>
+            </a:endParaRPr>
+          </a:p>
+          <a:p>
+            <a:pPr marL="285840" indent="-285840">
               <a:lnSpc>
                 <a:spcPct val="100000"/>
               </a:lnSpc>
-              <a:buNone/>
-            </a:pPr>
-            <a:endParaRPr b="0" lang="en-US" sz="1500" spc="-1" strike="noStrike">
-              <a:latin typeface="Arial"/>
-            </a:endParaRPr>
-          </a:p>
-          <a:p>
-            <a:pPr>
-              <a:lnSpc>
-                <a:spcPct val="100000"/>
-              </a:lnSpc>
-              <a:buNone/>
-            </a:pPr>
-            <a:r>
-              <a:rPr b="0" lang="ru-RU" sz="1800" spc="-1" strike="noStrike">
+              <a:buClr>
+                <a:srgbClr val="000000"/>
+              </a:buClr>
+              <a:buFont typeface="Arial"/>
+              <a:buChar char="•"/>
+            </a:pPr>
+            <a:r>
+              <a:rPr b="0" lang="ru-RU" sz="2000" spc="-1" strike="noStrike">
                 <a:solidFill>
                   <a:srgbClr val="000000"/>
                 </a:solidFill>
                 <a:latin typeface="Golos Text"/>
                 <a:ea typeface="DejaVu Sans"/>
               </a:rPr>
-              <a:t>First two topics are negatively correlated with consumption with zero day lag.</a:t>
-            </a:r>
-            <a:endParaRPr b="0" lang="en-US" sz="1800" spc="-1" strike="noStrike">
+              <a:t>GDP</a:t>
+            </a:r>
+            <a:endParaRPr b="0" lang="en-US" sz="2000" spc="-1" strike="noStrike">
+              <a:latin typeface="Arial"/>
+            </a:endParaRPr>
+          </a:p>
+          <a:p>
+            <a:pPr marL="285840" indent="-285840">
+              <a:lnSpc>
+                <a:spcPct val="100000"/>
+              </a:lnSpc>
+              <a:buClr>
+                <a:srgbClr val="000000"/>
+              </a:buClr>
+              <a:buFont typeface="Arial"/>
+              <a:buChar char="•"/>
+            </a:pPr>
+            <a:r>
+              <a:rPr b="0" lang="ru-RU" sz="2000" spc="-1" strike="noStrike">
+                <a:solidFill>
+                  <a:srgbClr val="000000"/>
+                </a:solidFill>
+                <a:latin typeface="Golos Text"/>
+                <a:ea typeface="DejaVu Sans"/>
+              </a:rPr>
+              <a:t>COVID-19 in Russia, new cases</a:t>
+            </a:r>
+            <a:endParaRPr b="0" lang="en-US" sz="2000" spc="-1" strike="noStrike">
+              <a:latin typeface="Arial"/>
+            </a:endParaRPr>
+          </a:p>
+        </p:txBody>
+      </p:sp>
+      <p:sp>
+        <p:nvSpPr>
+          <p:cNvPr id="116" name="TextBox 18"/>
+          <p:cNvSpPr/>
+          <p:nvPr/>
+        </p:nvSpPr>
+        <p:spPr>
+          <a:xfrm>
+            <a:off x="11165400" y="6341040"/>
+            <a:ext cx="914400" cy="516960"/>
+          </a:xfrm>
+          <a:prstGeom prst="rect">
+            <a:avLst/>
+          </a:prstGeom>
+          <a:noFill/>
+          <a:ln w="0">
+            <a:noFill/>
+          </a:ln>
+        </p:spPr>
+        <p:style>
+          <a:lnRef idx="0"/>
+          <a:fillRef idx="0"/>
+          <a:effectRef idx="0"/>
+          <a:fontRef idx="minor"/>
+        </p:style>
+        <p:txBody>
+          <a:bodyPr numCol="1" spcCol="0" horzOverflow="overflow" vertOverflow="overflow" lIns="90000" rIns="90000" tIns="45000" bIns="45000" anchor="t">
+            <a:spAutoFit/>
+          </a:bodyPr>
+          <a:p>
+            <a:pPr algn="r">
+              <a:lnSpc>
+                <a:spcPct val="100000"/>
+              </a:lnSpc>
+              <a:buNone/>
+            </a:pPr>
+            <a:r>
+              <a:rPr b="1" lang="ru-RU" sz="2800" spc="-1" strike="noStrike">
+                <a:solidFill>
+                  <a:srgbClr val="ffffff"/>
+                </a:solidFill>
+                <a:latin typeface="Golos Text"/>
+                <a:ea typeface="DejaVu Sans"/>
+              </a:rPr>
+              <a:t>8</a:t>
+            </a:r>
+            <a:endParaRPr b="1" lang="en-US" sz="2800" spc="-1" strike="noStrike">
+              <a:solidFill>
+                <a:srgbClr val="ffffff"/>
+              </a:solidFill>
               <a:latin typeface="Arial"/>
             </a:endParaRPr>
           </a:p>
@@ -5986,110 +7298,9 @@
           <a:chExt cx="0" cy="0"/>
         </a:xfrm>
       </p:grpSpPr>
-      <p:sp>
-        <p:nvSpPr>
-          <p:cNvPr id="110" name="PlaceHolder 1"/>
-          <p:cNvSpPr>
-            <a:spLocks noGrp="1"/>
-          </p:cNvSpPr>
-          <p:nvPr>
-            <p:ph type="title"/>
-          </p:nvPr>
-        </p:nvSpPr>
-        <p:spPr>
-          <a:xfrm>
-            <a:off x="609480" y="408600"/>
-            <a:ext cx="9097200" cy="701280"/>
-          </a:xfrm>
-          <a:prstGeom prst="rect">
-            <a:avLst/>
-          </a:prstGeom>
-          <a:noFill/>
-          <a:ln w="0">
-            <a:noFill/>
-          </a:ln>
-        </p:spPr>
-        <p:txBody>
-          <a:bodyPr lIns="90000" rIns="90000" tIns="45000" bIns="45000" anchor="ctr">
-            <a:noAutofit/>
-          </a:bodyPr>
-          <a:p>
-            <a:pPr>
-              <a:lnSpc>
-                <a:spcPct val="100000"/>
-              </a:lnSpc>
-              <a:buNone/>
-            </a:pPr>
-            <a:r>
-              <a:rPr b="1" lang="ru-RU" sz="2800" spc="-1" strike="noStrike">
-                <a:solidFill>
-                  <a:srgbClr val="ffffff"/>
-                </a:solidFill>
-                <a:latin typeface="Golos Text DemiBold"/>
-              </a:rPr>
-              <a:t>Consumption and context cross-correlation</a:t>
-            </a:r>
-            <a:endParaRPr b="0" lang="en-US" sz="2800" spc="-1" strike="noStrike">
-              <a:latin typeface="Arial"/>
-            </a:endParaRPr>
-          </a:p>
-        </p:txBody>
-      </p:sp>
-      <p:sp>
-        <p:nvSpPr>
-          <p:cNvPr id="111" name="TextBox 5"/>
-          <p:cNvSpPr/>
-          <p:nvPr/>
-        </p:nvSpPr>
-        <p:spPr>
-          <a:xfrm>
-            <a:off x="3582000" y="5486400"/>
-            <a:ext cx="5126040" cy="363960"/>
-          </a:xfrm>
-          <a:prstGeom prst="rect">
-            <a:avLst/>
-          </a:prstGeom>
-          <a:noFill/>
-          <a:ln w="0">
-            <a:noFill/>
-          </a:ln>
-        </p:spPr>
-        <p:style>
-          <a:lnRef idx="0"/>
-          <a:fillRef idx="0"/>
-          <a:effectRef idx="0"/>
-          <a:fontRef idx="minor"/>
-        </p:style>
-        <p:txBody>
-          <a:bodyPr numCol="1" spcCol="0" horzOverflow="overflow" vertOverflow="overflow" lIns="90000" rIns="90000" tIns="45000" bIns="45000" anchor="t">
-            <a:spAutoFit/>
-          </a:bodyPr>
-          <a:p>
-            <a:pPr>
-              <a:lnSpc>
-                <a:spcPct val="100000"/>
-              </a:lnSpc>
-              <a:buNone/>
-            </a:pPr>
-            <a:r>
-              <a:rPr b="0" i="1" lang="ru-RU" sz="1800" spc="-1" strike="noStrike">
-                <a:solidFill>
-                  <a:srgbClr val="000000"/>
-                </a:solidFill>
-                <a:latin typeface="Golos Text"/>
-                <a:ea typeface="DejaVu Sans"/>
-              </a:rPr>
-              <a:t>Lag in days and Pearson cross-correlation</a:t>
-            </a:r>
-            <a:endParaRPr b="0" lang="en-US" sz="1800" spc="-1" strike="noStrike">
-              <a:latin typeface="Arial"/>
-            </a:endParaRPr>
-          </a:p>
-        </p:txBody>
-      </p:sp>
       <p:pic>
         <p:nvPicPr>
-          <p:cNvPr id="112" name="" descr=""/>
+          <p:cNvPr id="117" name="Рисунок 7" descr=""/>
           <p:cNvPicPr/>
           <p:nvPr/>
         </p:nvPicPr>
@@ -6099,8 +7310,8 @@
         </p:blipFill>
         <p:spPr>
           <a:xfrm>
-            <a:off x="559800" y="2057400"/>
-            <a:ext cx="11097720" cy="3381480"/>
+            <a:off x="565920" y="1889280"/>
+            <a:ext cx="8576280" cy="4281120"/>
           </a:xfrm>
           <a:prstGeom prst="rect">
             <a:avLst/>
@@ -6110,6 +7321,351 @@
           </a:ln>
         </p:spPr>
       </p:pic>
+      <p:sp>
+        <p:nvSpPr>
+          <p:cNvPr id="118" name="PlaceHolder 1"/>
+          <p:cNvSpPr>
+            <a:spLocks noGrp="1"/>
+          </p:cNvSpPr>
+          <p:nvPr>
+            <p:ph type="title"/>
+          </p:nvPr>
+        </p:nvSpPr>
+        <p:spPr>
+          <a:xfrm>
+            <a:off x="609480" y="408600"/>
+            <a:ext cx="9096480" cy="700560"/>
+          </a:xfrm>
+          <a:prstGeom prst="rect">
+            <a:avLst/>
+          </a:prstGeom>
+          <a:noFill/>
+          <a:ln w="0">
+            <a:noFill/>
+          </a:ln>
+        </p:spPr>
+        <p:txBody>
+          <a:bodyPr lIns="90000" rIns="90000" tIns="45000" bIns="45000" anchor="ctr">
+            <a:noAutofit/>
+          </a:bodyPr>
+          <a:p>
+            <a:pPr>
+              <a:lnSpc>
+                <a:spcPct val="100000"/>
+              </a:lnSpc>
+              <a:buNone/>
+            </a:pPr>
+            <a:r>
+              <a:rPr b="1" lang="ru-RU" sz="2800" spc="-1" strike="noStrike">
+                <a:solidFill>
+                  <a:srgbClr val="ffffff"/>
+                </a:solidFill>
+                <a:latin typeface="Golos Text DemiBold"/>
+              </a:rPr>
+              <a:t>ARIMAX prediction enhancement via adding exogenous variables</a:t>
+            </a:r>
+            <a:endParaRPr b="0" lang="en-US" sz="2800" spc="-1" strike="noStrike">
+              <a:latin typeface="Arial"/>
+            </a:endParaRPr>
+          </a:p>
+        </p:txBody>
+      </p:sp>
+      <p:sp>
+        <p:nvSpPr>
+          <p:cNvPr id="119" name="TextBox 2"/>
+          <p:cNvSpPr/>
+          <p:nvPr/>
+        </p:nvSpPr>
+        <p:spPr>
+          <a:xfrm>
+            <a:off x="3200400" y="1525320"/>
+            <a:ext cx="2992320" cy="363960"/>
+          </a:xfrm>
+          <a:prstGeom prst="rect">
+            <a:avLst/>
+          </a:prstGeom>
+          <a:noFill/>
+          <a:ln w="0">
+            <a:noFill/>
+          </a:ln>
+        </p:spPr>
+        <p:style>
+          <a:lnRef idx="0"/>
+          <a:fillRef idx="0"/>
+          <a:effectRef idx="0"/>
+          <a:fontRef idx="minor"/>
+        </p:style>
+        <p:txBody>
+          <a:bodyPr numCol="1" spcCol="0" horzOverflow="overflow" vertOverflow="overflow" lIns="90000" rIns="90000" tIns="45000" bIns="45000" anchor="t">
+            <a:spAutoFit/>
+          </a:bodyPr>
+          <a:p>
+            <a:pPr>
+              <a:lnSpc>
+                <a:spcPct val="100000"/>
+              </a:lnSpc>
+              <a:buNone/>
+            </a:pPr>
+            <a:r>
+              <a:rPr b="1" i="1" lang="ru-RU" sz="1800" spc="-1" strike="noStrike">
+                <a:solidFill>
+                  <a:srgbClr val="000000"/>
+                </a:solidFill>
+                <a:latin typeface="Golos Text"/>
+                <a:ea typeface="DejaVu Sans"/>
+              </a:rPr>
+              <a:t>Kids – 29.96</a:t>
+            </a:r>
+            <a:r>
+              <a:rPr b="1" i="1" lang="ru-RU" sz="1800" spc="-1" strike="noStrike">
+                <a:solidFill>
+                  <a:srgbClr val="000000"/>
+                </a:solidFill>
+                <a:latin typeface="Golos Text"/>
+                <a:ea typeface="Calibri"/>
+              </a:rPr>
+              <a:t> </a:t>
+            </a:r>
+            <a:r>
+              <a:rPr b="1" lang="ru-RU" sz="1800" spc="-1" strike="noStrike">
+                <a:solidFill>
+                  <a:srgbClr val="000000"/>
+                </a:solidFill>
+                <a:latin typeface="Golos Text"/>
+                <a:ea typeface="Calibri"/>
+              </a:rPr>
+              <a:t>→ </a:t>
+            </a:r>
+            <a:r>
+              <a:rPr b="1" i="1" lang="ru-RU" sz="1800" spc="-1" strike="noStrike">
+                <a:solidFill>
+                  <a:srgbClr val="000000"/>
+                </a:solidFill>
+                <a:latin typeface="Golos Text"/>
+                <a:ea typeface="DejaVu Sans"/>
+              </a:rPr>
+              <a:t>7.13%</a:t>
+            </a:r>
+            <a:endParaRPr b="0" lang="en-US" sz="1800" spc="-1" strike="noStrike">
+              <a:latin typeface="Arial"/>
+            </a:endParaRPr>
+          </a:p>
+        </p:txBody>
+      </p:sp>
+      <p:sp>
+        <p:nvSpPr>
+          <p:cNvPr id="120" name="TextBox 10"/>
+          <p:cNvSpPr/>
+          <p:nvPr/>
+        </p:nvSpPr>
+        <p:spPr>
+          <a:xfrm>
+            <a:off x="8578800" y="2333160"/>
+            <a:ext cx="2849400" cy="3335400"/>
+          </a:xfrm>
+          <a:prstGeom prst="rect">
+            <a:avLst/>
+          </a:prstGeom>
+          <a:noFill/>
+          <a:ln w="0">
+            <a:noFill/>
+          </a:ln>
+        </p:spPr>
+        <p:style>
+          <a:lnRef idx="0"/>
+          <a:fillRef idx="0"/>
+          <a:effectRef idx="0"/>
+          <a:fontRef idx="minor"/>
+        </p:style>
+        <p:txBody>
+          <a:bodyPr numCol="1" spcCol="0" horzOverflow="overflow" vertOverflow="overflow" lIns="90000" rIns="90000" tIns="45000" bIns="45000" anchor="t">
+            <a:spAutoFit/>
+          </a:bodyPr>
+          <a:p>
+            <a:pPr>
+              <a:lnSpc>
+                <a:spcPct val="100000"/>
+              </a:lnSpc>
+              <a:buNone/>
+            </a:pPr>
+            <a:r>
+              <a:rPr b="1" lang="ru-RU" sz="1800" spc="-1" strike="noStrike">
+                <a:solidFill>
+                  <a:srgbClr val="000000"/>
+                </a:solidFill>
+                <a:latin typeface="Golos Text"/>
+                <a:ea typeface="DejaVu Sans"/>
+              </a:rPr>
+              <a:t>Added variables:</a:t>
+            </a:r>
+            <a:endParaRPr b="0" lang="en-US" sz="1800" spc="-1" strike="noStrike">
+              <a:latin typeface="Arial"/>
+            </a:endParaRPr>
+          </a:p>
+          <a:p>
+            <a:pPr marL="285840" indent="-285840">
+              <a:lnSpc>
+                <a:spcPct val="100000"/>
+              </a:lnSpc>
+              <a:buClr>
+                <a:srgbClr val="000000"/>
+              </a:buClr>
+              <a:buFont typeface="Arial"/>
+              <a:buChar char="•"/>
+            </a:pPr>
+            <a:r>
+              <a:rPr b="0" lang="ru-RU" sz="1800" spc="-1" strike="noStrike">
+                <a:solidFill>
+                  <a:srgbClr val="000000"/>
+                </a:solidFill>
+                <a:latin typeface="Golos Text"/>
+                <a:ea typeface="DejaVu Sans"/>
+              </a:rPr>
+              <a:t>Consumer price index</a:t>
+            </a:r>
+            <a:endParaRPr b="0" lang="en-US" sz="1800" spc="-1" strike="noStrike">
+              <a:latin typeface="Arial"/>
+            </a:endParaRPr>
+          </a:p>
+          <a:p>
+            <a:pPr marL="285840" indent="-285840">
+              <a:lnSpc>
+                <a:spcPct val="100000"/>
+              </a:lnSpc>
+              <a:buClr>
+                <a:srgbClr val="000000"/>
+              </a:buClr>
+              <a:buFont typeface="Arial"/>
+              <a:buChar char="•"/>
+            </a:pPr>
+            <a:r>
+              <a:rPr b="0" lang="ru-RU" sz="1800" spc="-1" strike="noStrike">
+                <a:solidFill>
+                  <a:srgbClr val="000000"/>
+                </a:solidFill>
+                <a:latin typeface="Golos Text"/>
+                <a:ea typeface="DejaVu Sans"/>
+              </a:rPr>
+              <a:t>Consumer price index, food</a:t>
+            </a:r>
+            <a:endParaRPr b="0" lang="en-US" sz="1800" spc="-1" strike="noStrike">
+              <a:latin typeface="Arial"/>
+            </a:endParaRPr>
+          </a:p>
+          <a:p>
+            <a:pPr marL="285840" indent="-285840">
+              <a:lnSpc>
+                <a:spcPct val="100000"/>
+              </a:lnSpc>
+              <a:buClr>
+                <a:srgbClr val="000000"/>
+              </a:buClr>
+              <a:buFont typeface="Arial"/>
+              <a:buChar char="•"/>
+            </a:pPr>
+            <a:r>
+              <a:rPr b="0" lang="ru-RU" sz="1800" spc="-1" strike="noStrike">
+                <a:solidFill>
+                  <a:srgbClr val="000000"/>
+                </a:solidFill>
+                <a:latin typeface="Golos Text"/>
+                <a:ea typeface="DejaVu Sans"/>
+              </a:rPr>
+              <a:t>Consumer price index, services</a:t>
+            </a:r>
+            <a:endParaRPr b="0" lang="en-US" sz="1800" spc="-1" strike="noStrike">
+              <a:latin typeface="Arial"/>
+            </a:endParaRPr>
+          </a:p>
+          <a:p>
+            <a:pPr>
+              <a:lnSpc>
+                <a:spcPct val="100000"/>
+              </a:lnSpc>
+              <a:buNone/>
+            </a:pPr>
+            <a:endParaRPr b="0" lang="en-US" sz="1500" spc="-1" strike="noStrike">
+              <a:latin typeface="Arial"/>
+            </a:endParaRPr>
+          </a:p>
+          <a:p>
+            <a:pPr>
+              <a:lnSpc>
+                <a:spcPct val="100000"/>
+              </a:lnSpc>
+              <a:buNone/>
+            </a:pPr>
+            <a:r>
+              <a:rPr b="0" lang="ru-RU" sz="1800" spc="-1" strike="noStrike">
+                <a:solidFill>
+                  <a:srgbClr val="000000"/>
+                </a:solidFill>
+                <a:latin typeface="Golos Text"/>
+                <a:ea typeface="DejaVu Sans"/>
+              </a:rPr>
+              <a:t>First two topics are negatively correlated with consumption with zero day lag.</a:t>
+            </a:r>
+            <a:endParaRPr b="0" lang="en-US" sz="1800" spc="-1" strike="noStrike">
+              <a:latin typeface="Arial"/>
+            </a:endParaRPr>
+          </a:p>
+        </p:txBody>
+      </p:sp>
+      <p:sp>
+        <p:nvSpPr>
+          <p:cNvPr id="121" name="TextBox 19"/>
+          <p:cNvSpPr/>
+          <p:nvPr/>
+        </p:nvSpPr>
+        <p:spPr>
+          <a:xfrm>
+            <a:off x="11165400" y="6341040"/>
+            <a:ext cx="914400" cy="516960"/>
+          </a:xfrm>
+          <a:prstGeom prst="rect">
+            <a:avLst/>
+          </a:prstGeom>
+          <a:noFill/>
+          <a:ln w="0">
+            <a:noFill/>
+          </a:ln>
+        </p:spPr>
+        <p:style>
+          <a:lnRef idx="0"/>
+          <a:fillRef idx="0"/>
+          <a:effectRef idx="0"/>
+          <a:fontRef idx="minor"/>
+        </p:style>
+        <p:txBody>
+          <a:bodyPr numCol="1" spcCol="0" horzOverflow="overflow" vertOverflow="overflow" lIns="90000" rIns="90000" tIns="45000" bIns="45000" anchor="t">
+            <a:spAutoFit/>
+          </a:bodyPr>
+          <a:p>
+            <a:pPr algn="r">
+              <a:lnSpc>
+                <a:spcPct val="100000"/>
+              </a:lnSpc>
+              <a:buNone/>
+            </a:pPr>
+            <a:r>
+              <a:rPr b="1" lang="ru-RU" sz="2800" spc="-1" strike="noStrike">
+                <a:solidFill>
+                  <a:srgbClr val="ffffff"/>
+                </a:solidFill>
+                <a:latin typeface="Golos Text"/>
+                <a:ea typeface="DejaVu Sans"/>
+              </a:rPr>
+              <a:t>9</a:t>
+            </a:r>
+            <a:endParaRPr b="1" lang="en-US" sz="2800" spc="-1" strike="noStrike">
+              <a:solidFill>
+                <a:srgbClr val="ffffff"/>
+              </a:solidFill>
+              <a:latin typeface="Arial"/>
+            </a:endParaRPr>
+          </a:p>
+        </p:txBody>
+      </p:sp>
     </p:spTree>
   </p:cSld>
   <mc:AlternateContent>
